--- a/JS Fundamentals/7.Functions/JS-Functions.pptx
+++ b/JS Fundamentals/7.Functions/JS-Functions.pptx
@@ -5,8 +5,11 @@
     <p:sldMasterId id="2147484157" r:id="rId1"/>
   </p:sldMasterIdLst>
   <p:notesMasterIdLst>
-    <p:notesMasterId r:id="rId12"/>
+    <p:notesMasterId r:id="rId22"/>
   </p:notesMasterIdLst>
+  <p:handoutMasterIdLst>
+    <p:handoutMasterId r:id="rId23"/>
+  </p:handoutMasterIdLst>
   <p:sldIdLst>
     <p:sldId id="256" r:id="rId2"/>
     <p:sldId id="280" r:id="rId3"/>
@@ -16,8 +19,18 @@
     <p:sldId id="282" r:id="rId7"/>
     <p:sldId id="284" r:id="rId8"/>
     <p:sldId id="279" r:id="rId9"/>
-    <p:sldId id="266" r:id="rId10"/>
-    <p:sldId id="278" r:id="rId11"/>
+    <p:sldId id="285" r:id="rId10"/>
+    <p:sldId id="286" r:id="rId11"/>
+    <p:sldId id="289" r:id="rId12"/>
+    <p:sldId id="290" r:id="rId13"/>
+    <p:sldId id="291" r:id="rId14"/>
+    <p:sldId id="287" r:id="rId15"/>
+    <p:sldId id="292" r:id="rId16"/>
+    <p:sldId id="288" r:id="rId17"/>
+    <p:sldId id="293" r:id="rId18"/>
+    <p:sldId id="294" r:id="rId19"/>
+    <p:sldId id="266" r:id="rId20"/>
+    <p:sldId id="278" r:id="rId21"/>
   </p:sldIdLst>
   <p:sldSz cx="12192000" cy="6858000"/>
   <p:notesSz cx="6858000" cy="9144000"/>
@@ -118,10 +131,186 @@
   </p:defaultTextStyle>
   <p:extLst>
     <p:ext uri="{EFAFB233-063F-42B5-8137-9DF3F51BA10A}">
-      <p15:sldGuideLst xmlns:p15="http://schemas.microsoft.com/office/powerpoint/2012/main"/>
+      <p15:sldGuideLst xmlns:p15="http://schemas.microsoft.com/office/powerpoint/2012/main">
+        <p15:guide id="1" orient="horz" pos="2160" userDrawn="1">
+          <p15:clr>
+            <a:srgbClr val="A4A3A4"/>
+          </p15:clr>
+        </p15:guide>
+        <p15:guide id="2" pos="3840" userDrawn="1">
+          <p15:clr>
+            <a:srgbClr val="A4A3A4"/>
+          </p15:clr>
+        </p15:guide>
+      </p15:sldGuideLst>
     </p:ext>
   </p:extLst>
 </p:presentation>
+</file>
+
+<file path=ppt/handoutMasters/handoutMaster1.xml><?xml version="1.0" encoding="utf-8"?>
+<p:handoutMaster xmlns:a="http://schemas.openxmlformats.org/drawingml/2006/main" xmlns:r="http://schemas.openxmlformats.org/officeDocument/2006/relationships" xmlns:p="http://schemas.openxmlformats.org/presentationml/2006/main">
+  <p:cSld>
+    <p:bg>
+      <p:bgRef idx="1001">
+        <a:schemeClr val="bg1"/>
+      </p:bgRef>
+    </p:bg>
+    <p:spTree>
+      <p:nvGrpSpPr>
+        <p:cNvPr id="1" name=""/>
+        <p:cNvGrpSpPr/>
+        <p:nvPr/>
+      </p:nvGrpSpPr>
+      <p:grpSpPr>
+        <a:xfrm>
+          <a:off x="0" y="0"/>
+          <a:ext cx="0" cy="0"/>
+          <a:chOff x="0" y="0"/>
+          <a:chExt cx="0" cy="0"/>
+        </a:xfrm>
+      </p:grpSpPr>
+      <p:sp>
+        <p:nvSpPr>
+          <p:cNvPr id="2" name="Header Placeholder 1"/>
+          <p:cNvSpPr>
+            <a:spLocks noGrp="1"/>
+          </p:cNvSpPr>
+          <p:nvPr>
+            <p:ph type="hdr" sz="quarter"/>
+          </p:nvPr>
+        </p:nvSpPr>
+        <p:spPr>
+          <a:xfrm>
+            <a:off x="0" y="0"/>
+            <a:ext cx="2971800" cy="458788"/>
+          </a:xfrm>
+          <a:prstGeom prst="rect">
+            <a:avLst/>
+          </a:prstGeom>
+        </p:spPr>
+        <p:txBody>
+          <a:bodyPr vert="horz" lIns="91440" tIns="45720" rIns="91440" bIns="45720" rtlCol="0"/>
+          <a:lstStyle>
+            <a:lvl1pPr algn="l">
+              <a:defRPr sz="1200"/>
+            </a:lvl1pPr>
+          </a:lstStyle>
+          <a:p>
+            <a:endParaRPr lang="en-US"/>
+          </a:p>
+        </p:txBody>
+      </p:sp>
+      <p:sp>
+        <p:nvSpPr>
+          <p:cNvPr id="3" name="Date Placeholder 2"/>
+          <p:cNvSpPr>
+            <a:spLocks noGrp="1"/>
+          </p:cNvSpPr>
+          <p:nvPr>
+            <p:ph type="dt" sz="quarter" idx="1"/>
+          </p:nvPr>
+        </p:nvSpPr>
+        <p:spPr>
+          <a:xfrm>
+            <a:off x="3884613" y="0"/>
+            <a:ext cx="2971800" cy="458788"/>
+          </a:xfrm>
+          <a:prstGeom prst="rect">
+            <a:avLst/>
+          </a:prstGeom>
+        </p:spPr>
+        <p:txBody>
+          <a:bodyPr vert="horz" lIns="91440" tIns="45720" rIns="91440" bIns="45720" rtlCol="0"/>
+          <a:lstStyle>
+            <a:lvl1pPr algn="r">
+              <a:defRPr sz="1200"/>
+            </a:lvl1pPr>
+          </a:lstStyle>
+          <a:p>
+            <a:fld id="{D10AF160-CD5A-4A77-96B0-C85B80371432}" type="datetimeFigureOut">
+              <a:rPr lang="en-US" smtClean="0"/>
+              <a:t>25-Apr-16</a:t>
+            </a:fld>
+            <a:endParaRPr lang="en-US"/>
+          </a:p>
+        </p:txBody>
+      </p:sp>
+      <p:sp>
+        <p:nvSpPr>
+          <p:cNvPr id="4" name="Footer Placeholder 3"/>
+          <p:cNvSpPr>
+            <a:spLocks noGrp="1"/>
+          </p:cNvSpPr>
+          <p:nvPr>
+            <p:ph type="ftr" sz="quarter" idx="2"/>
+          </p:nvPr>
+        </p:nvSpPr>
+        <p:spPr>
+          <a:xfrm>
+            <a:off x="0" y="8685213"/>
+            <a:ext cx="2971800" cy="458787"/>
+          </a:xfrm>
+          <a:prstGeom prst="rect">
+            <a:avLst/>
+          </a:prstGeom>
+        </p:spPr>
+        <p:txBody>
+          <a:bodyPr vert="horz" lIns="91440" tIns="45720" rIns="91440" bIns="45720" rtlCol="0" anchor="b"/>
+          <a:lstStyle>
+            <a:lvl1pPr algn="l">
+              <a:defRPr sz="1200"/>
+            </a:lvl1pPr>
+          </a:lstStyle>
+          <a:p>
+            <a:endParaRPr lang="en-US"/>
+          </a:p>
+        </p:txBody>
+      </p:sp>
+      <p:sp>
+        <p:nvSpPr>
+          <p:cNvPr id="5" name="Slide Number Placeholder 4"/>
+          <p:cNvSpPr>
+            <a:spLocks noGrp="1"/>
+          </p:cNvSpPr>
+          <p:nvPr>
+            <p:ph type="sldNum" sz="quarter" idx="3"/>
+          </p:nvPr>
+        </p:nvSpPr>
+        <p:spPr>
+          <a:xfrm>
+            <a:off x="3884613" y="8685213"/>
+            <a:ext cx="2971800" cy="458787"/>
+          </a:xfrm>
+          <a:prstGeom prst="rect">
+            <a:avLst/>
+          </a:prstGeom>
+        </p:spPr>
+        <p:txBody>
+          <a:bodyPr vert="horz" lIns="91440" tIns="45720" rIns="91440" bIns="45720" rtlCol="0" anchor="b"/>
+          <a:lstStyle>
+            <a:lvl1pPr algn="r">
+              <a:defRPr sz="1200"/>
+            </a:lvl1pPr>
+          </a:lstStyle>
+          <a:p>
+            <a:fld id="{94DFFBE0-593F-42D4-ACEE-E838DB49E00B}" type="slidenum">
+              <a:rPr lang="en-US" smtClean="0"/>
+              <a:t>‹#›</a:t>
+            </a:fld>
+            <a:endParaRPr lang="en-US"/>
+          </a:p>
+        </p:txBody>
+      </p:sp>
+    </p:spTree>
+    <p:extLst>
+      <p:ext uri="{BB962C8B-B14F-4D97-AF65-F5344CB8AC3E}">
+        <p14:creationId xmlns:p14="http://schemas.microsoft.com/office/powerpoint/2010/main" val="2665949243"/>
+      </p:ext>
+    </p:extLst>
+  </p:cSld>
+  <p:clrMap bg1="lt1" tx1="dk1" bg2="lt2" tx2="dk2" accent1="accent1" accent2="accent2" accent3="accent3" accent4="accent4" accent5="accent5" accent6="accent6" hlink="hlink" folHlink="folHlink"/>
+</p:handoutMaster>
 </file>
 
 <file path=ppt/notesMasters/notesMaster1.xml><?xml version="1.0" encoding="utf-8"?>
@@ -206,7 +395,7 @@
           <a:p>
             <a:fld id="{F6A950C5-F15E-44EA-AF6A-22227443235C}" type="datetimeFigureOut">
               <a:rPr lang="en-US" smtClean="0"/>
-              <a:t>24-Apr-16</a:t>
+              <a:t>25-Apr-16</a:t>
             </a:fld>
             <a:endParaRPr lang="en-US"/>
           </a:p>
@@ -975,7 +1164,7 @@
           <a:p>
             <a:fld id="{6F66794D-9D79-4AC5-96DA-597EA4BF2704}" type="datetimeFigureOut">
               <a:rPr lang="en-US" smtClean="0"/>
-              <a:t>24-Apr-16</a:t>
+              <a:t>25-Apr-16</a:t>
             </a:fld>
             <a:endParaRPr lang="en-US"/>
           </a:p>
@@ -1301,7 +1490,7 @@
           <a:p>
             <a:fld id="{6F66794D-9D79-4AC5-96DA-597EA4BF2704}" type="datetimeFigureOut">
               <a:rPr lang="en-US" smtClean="0"/>
-              <a:t>24-Apr-16</a:t>
+              <a:t>25-Apr-16</a:t>
             </a:fld>
             <a:endParaRPr lang="en-US"/>
           </a:p>
@@ -1549,7 +1738,7 @@
           <a:p>
             <a:fld id="{6F66794D-9D79-4AC5-96DA-597EA4BF2704}" type="datetimeFigureOut">
               <a:rPr lang="en-US" smtClean="0"/>
-              <a:t>24-Apr-16</a:t>
+              <a:t>25-Apr-16</a:t>
             </a:fld>
             <a:endParaRPr lang="en-US"/>
           </a:p>
@@ -2089,7 +2278,7 @@
           <a:p>
             <a:fld id="{6F66794D-9D79-4AC5-96DA-597EA4BF2704}" type="datetimeFigureOut">
               <a:rPr lang="en-US" smtClean="0"/>
-              <a:t>24-Apr-16</a:t>
+              <a:t>25-Apr-16</a:t>
             </a:fld>
             <a:endParaRPr lang="en-US"/>
           </a:p>
@@ -2337,7 +2526,7 @@
           <a:p>
             <a:fld id="{6F66794D-9D79-4AC5-96DA-597EA4BF2704}" type="datetimeFigureOut">
               <a:rPr lang="en-US" smtClean="0"/>
-              <a:t>24-Apr-16</a:t>
+              <a:t>25-Apr-16</a:t>
             </a:fld>
             <a:endParaRPr lang="en-US"/>
           </a:p>
@@ -2869,7 +3058,7 @@
           <a:p>
             <a:fld id="{6F66794D-9D79-4AC5-96DA-597EA4BF2704}" type="datetimeFigureOut">
               <a:rPr lang="en-US" smtClean="0"/>
-              <a:t>24-Apr-16</a:t>
+              <a:t>25-Apr-16</a:t>
             </a:fld>
             <a:endParaRPr lang="en-US"/>
           </a:p>
@@ -3166,7 +3355,7 @@
           <a:p>
             <a:fld id="{6F66794D-9D79-4AC5-96DA-597EA4BF2704}" type="datetimeFigureOut">
               <a:rPr lang="en-US" smtClean="0"/>
-              <a:t>24-Apr-16</a:t>
+              <a:t>25-Apr-16</a:t>
             </a:fld>
             <a:endParaRPr lang="en-US"/>
           </a:p>
@@ -3340,7 +3529,7 @@
           <a:p>
             <a:fld id="{6F66794D-9D79-4AC5-96DA-597EA4BF2704}" type="datetimeFigureOut">
               <a:rPr lang="en-US" smtClean="0"/>
-              <a:t>24-Apr-16</a:t>
+              <a:t>25-Apr-16</a:t>
             </a:fld>
             <a:endParaRPr lang="en-US"/>
           </a:p>
@@ -3520,7 +3709,7 @@
           <a:p>
             <a:fld id="{6F66794D-9D79-4AC5-96DA-597EA4BF2704}" type="datetimeFigureOut">
               <a:rPr lang="en-US" smtClean="0"/>
-              <a:t>24-Apr-16</a:t>
+              <a:t>25-Apr-16</a:t>
             </a:fld>
             <a:endParaRPr lang="en-US"/>
           </a:p>
@@ -3690,7 +3879,7 @@
           <a:p>
             <a:fld id="{6F66794D-9D79-4AC5-96DA-597EA4BF2704}" type="datetimeFigureOut">
               <a:rPr lang="en-US" smtClean="0"/>
-              <a:t>24-Apr-16</a:t>
+              <a:t>25-Apr-16</a:t>
             </a:fld>
             <a:endParaRPr lang="en-US"/>
           </a:p>
@@ -3971,7 +4160,7 @@
           <a:p>
             <a:fld id="{6F66794D-9D79-4AC5-96DA-597EA4BF2704}" type="datetimeFigureOut">
               <a:rPr lang="en-US" smtClean="0"/>
-              <a:t>24-Apr-16</a:t>
+              <a:t>25-Apr-16</a:t>
             </a:fld>
             <a:endParaRPr lang="en-US"/>
           </a:p>
@@ -4268,7 +4457,7 @@
           <a:p>
             <a:fld id="{6F66794D-9D79-4AC5-96DA-597EA4BF2704}" type="datetimeFigureOut">
               <a:rPr lang="en-US" smtClean="0"/>
-              <a:t>24-Apr-16</a:t>
+              <a:t>25-Apr-16</a:t>
             </a:fld>
             <a:endParaRPr lang="en-US"/>
           </a:p>
@@ -4740,7 +4929,7 @@
           <a:p>
             <a:fld id="{6F66794D-9D79-4AC5-96DA-597EA4BF2704}" type="datetimeFigureOut">
               <a:rPr lang="en-US" smtClean="0"/>
-              <a:t>24-Apr-16</a:t>
+              <a:t>25-Apr-16</a:t>
             </a:fld>
             <a:endParaRPr lang="en-US"/>
           </a:p>
@@ -4888,7 +5077,7 @@
           <a:p>
             <a:fld id="{6F66794D-9D79-4AC5-96DA-597EA4BF2704}" type="datetimeFigureOut">
               <a:rPr lang="en-US" smtClean="0"/>
-              <a:t>24-Apr-16</a:t>
+              <a:t>25-Apr-16</a:t>
             </a:fld>
             <a:endParaRPr lang="en-US"/>
           </a:p>
@@ -4983,7 +5172,7 @@
           <a:p>
             <a:fld id="{6F66794D-9D79-4AC5-96DA-597EA4BF2704}" type="datetimeFigureOut">
               <a:rPr lang="en-US" smtClean="0"/>
-              <a:t>24-Apr-16</a:t>
+              <a:t>25-Apr-16</a:t>
             </a:fld>
             <a:endParaRPr lang="en-US"/>
           </a:p>
@@ -5266,7 +5455,7 @@
           <a:p>
             <a:fld id="{6F66794D-9D79-4AC5-96DA-597EA4BF2704}" type="datetimeFigureOut">
               <a:rPr lang="en-US" smtClean="0"/>
-              <a:t>24-Apr-16</a:t>
+              <a:t>25-Apr-16</a:t>
             </a:fld>
             <a:endParaRPr lang="en-US"/>
           </a:p>
@@ -5557,7 +5746,7 @@
           <a:p>
             <a:fld id="{6F66794D-9D79-4AC5-96DA-597EA4BF2704}" type="datetimeFigureOut">
               <a:rPr lang="en-US" smtClean="0"/>
-              <a:t>24-Apr-16</a:t>
+              <a:t>25-Apr-16</a:t>
             </a:fld>
             <a:endParaRPr lang="en-US"/>
           </a:p>
@@ -6087,7 +6276,7 @@
           <a:p>
             <a:fld id="{6F66794D-9D79-4AC5-96DA-597EA4BF2704}" type="datetimeFigureOut">
               <a:rPr lang="en-US" smtClean="0"/>
-              <a:t>24-Apr-16</a:t>
+              <a:t>25-Apr-16</a:t>
             </a:fld>
             <a:endParaRPr lang="en-US"/>
           </a:p>
@@ -6738,7 +6927,7 @@
       </p:grpSpPr>
       <p:sp>
         <p:nvSpPr>
-          <p:cNvPr id="2" name="Title 1"/>
+          <p:cNvPr id="6" name="Title 5"/>
           <p:cNvSpPr>
             <a:spLocks noGrp="1"/>
           </p:cNvSpPr>
@@ -6746,182 +6935,4660 @@
             <p:ph type="title"/>
           </p:nvPr>
         </p:nvSpPr>
-        <p:spPr/>
+        <p:spPr>
+          <a:xfrm>
+            <a:off x="1484311" y="166256"/>
+            <a:ext cx="10018713" cy="2272144"/>
+          </a:xfrm>
+        </p:spPr>
         <p:txBody>
           <a:bodyPr/>
           <a:lstStyle/>
           <a:p>
             <a:r>
-              <a:rPr lang="bg-BG" dirty="0"/>
-              <a:t>Домашна работа</a:t>
+              <a:rPr lang="bg-BG" dirty="0" smtClean="0"/>
+              <a:t>Функции, които връщат стойност</a:t>
             </a:r>
             <a:endParaRPr lang="en-US" dirty="0"/>
           </a:p>
         </p:txBody>
       </p:sp>
-      <p:sp>
-        <p:nvSpPr>
-          <p:cNvPr id="3" name="Content Placeholder 2"/>
-          <p:cNvSpPr>
-            <a:spLocks noGrp="1"/>
-          </p:cNvSpPr>
-          <p:nvPr>
-            <p:ph idx="1"/>
-          </p:nvPr>
-        </p:nvSpPr>
+      <p:pic>
+        <p:nvPicPr>
+          <p:cNvPr id="7" name="Picture 6"/>
+          <p:cNvPicPr>
+            <a:picLocks noChangeAspect="1"/>
+          </p:cNvPicPr>
+          <p:nvPr/>
+        </p:nvPicPr>
+        <p:blipFill>
+          <a:blip r:embed="rId2">
+            <a:extLst>
+              <a:ext uri="{28A0092B-C50C-407E-A947-70E740481C1C}">
+                <a14:useLocalDpi xmlns:a14="http://schemas.microsoft.com/office/drawing/2010/main" val="0"/>
+              </a:ext>
+            </a:extLst>
+          </a:blip>
+          <a:stretch>
+            <a:fillRect/>
+          </a:stretch>
+        </p:blipFill>
         <p:spPr>
           <a:xfrm>
-            <a:off x="1484310" y="2262909"/>
-            <a:ext cx="10199690" cy="3999347"/>
+            <a:off x="4112417" y="1943677"/>
+            <a:ext cx="4762500" cy="4762500"/>
           </a:xfrm>
+          <a:prstGeom prst="rect">
+            <a:avLst/>
+          </a:prstGeom>
         </p:spPr>
-        <p:txBody>
-          <a:bodyPr anchor="ctr" anchorCtr="0">
-            <a:normAutofit/>
-          </a:bodyPr>
-          <a:lstStyle/>
-          <a:p>
-            <a:pPr marL="457200" indent="-457200">
-              <a:buFont typeface="+mj-lt"/>
-              <a:buAutoNum type="arabicPeriod"/>
-            </a:pPr>
-            <a:r>
-              <a:rPr lang="bg-BG" dirty="0"/>
-              <a:t>Напишете </a:t>
-            </a:r>
-            <a:r>
-              <a:rPr lang="en-US" dirty="0"/>
-              <a:t>JS</a:t>
-            </a:r>
-            <a:r>
-              <a:rPr lang="bg-BG" dirty="0"/>
-              <a:t> код, който да намира и принтира на конзолата даден символен низ в обратен ред. Напр. </a:t>
-            </a:r>
-            <a:r>
-              <a:rPr lang="en-US" dirty="0"/>
-              <a:t>Sample -&gt; </a:t>
-            </a:r>
-            <a:r>
-              <a:rPr lang="en-US" dirty="0" err="1"/>
-              <a:t>elpmaS</a:t>
-            </a:r>
-            <a:endParaRPr lang="en-US" dirty="0"/>
-          </a:p>
-          <a:p>
-            <a:pPr marL="457200" indent="-457200">
-              <a:buFont typeface="+mj-lt"/>
-              <a:buAutoNum type="arabicPeriod"/>
-            </a:pPr>
-            <a:r>
-              <a:rPr lang="bg-BG" dirty="0"/>
-              <a:t>Напишете </a:t>
-            </a:r>
-            <a:r>
-              <a:rPr lang="en-US" dirty="0"/>
-              <a:t>JS </a:t>
-            </a:r>
-            <a:r>
-              <a:rPr lang="bg-BG" dirty="0"/>
-              <a:t>код, който да намира колко пъти даден символен низ се съдържа в друг даден символен низ</a:t>
-            </a:r>
-          </a:p>
-          <a:p>
-            <a:pPr marL="457200" indent="-457200">
-              <a:buFont typeface="+mj-lt"/>
-              <a:buAutoNum type="arabicPeriod"/>
-            </a:pPr>
-            <a:r>
-              <a:rPr lang="bg-BG" dirty="0"/>
-              <a:t>Напишете </a:t>
-            </a:r>
-            <a:r>
-              <a:rPr lang="en-US" dirty="0"/>
-              <a:t>JS</a:t>
-            </a:r>
-            <a:r>
-              <a:rPr lang="bg-BG" dirty="0"/>
-              <a:t> код, който да заменя всички интервали в даден текст с </a:t>
-            </a:r>
-            <a:r>
-              <a:rPr lang="en-US" dirty="0"/>
-              <a:t>&amp;</a:t>
-            </a:r>
-            <a:r>
-              <a:rPr lang="en-US" dirty="0" err="1"/>
-              <a:t>nbsp</a:t>
-            </a:r>
-            <a:r>
-              <a:rPr lang="bg-BG" dirty="0"/>
-              <a:t>; </a:t>
-            </a:r>
-          </a:p>
-          <a:p>
-            <a:pPr marL="457200" indent="-457200">
-              <a:buFont typeface="+mj-lt"/>
-              <a:buAutoNum type="arabicPeriod"/>
-            </a:pPr>
-            <a:r>
-              <a:rPr lang="bg-BG" dirty="0"/>
-              <a:t>Напишете </a:t>
-            </a:r>
-            <a:r>
-              <a:rPr lang="en-US" dirty="0"/>
-              <a:t>JS</a:t>
-            </a:r>
-            <a:r>
-              <a:rPr lang="bg-BG" dirty="0"/>
-              <a:t> код, който </a:t>
-            </a:r>
-            <a:r>
-              <a:rPr lang="bg-BG" dirty="0" err="1"/>
-              <a:t>ескейпва</a:t>
-            </a:r>
-            <a:r>
-              <a:rPr lang="bg-BG" dirty="0"/>
-              <a:t> </a:t>
-            </a:r>
-            <a:r>
-              <a:rPr lang="en-US" dirty="0"/>
-              <a:t>HTML </a:t>
-            </a:r>
-            <a:r>
-              <a:rPr lang="bg-BG" dirty="0"/>
-              <a:t>тагове в даден текст. Напр. &lt;</a:t>
-            </a:r>
-            <a:r>
-              <a:rPr lang="en-US" dirty="0"/>
-              <a:t>span&gt;Message&lt;/span&gt; -&gt; &amp;</a:t>
-            </a:r>
-            <a:r>
-              <a:rPr lang="en-US" dirty="0" err="1"/>
-              <a:t>lt;span&amp;gt;Message&amp;lt</a:t>
-            </a:r>
-            <a:r>
-              <a:rPr lang="en-US" dirty="0"/>
-              <a:t>;/</a:t>
-            </a:r>
-            <a:r>
-              <a:rPr lang="en-US" dirty="0" err="1"/>
-              <a:t>span&amp;gt</a:t>
-            </a:r>
-            <a:r>
-              <a:rPr lang="en-US" dirty="0"/>
-              <a:t>; </a:t>
-            </a:r>
-            <a:endParaRPr lang="bg-BG" dirty="0"/>
-          </a:p>
-        </p:txBody>
-      </p:sp>
+      </p:pic>
     </p:spTree>
     <p:extLst>
       <p:ext uri="{BB962C8B-B14F-4D97-AF65-F5344CB8AC3E}">
-        <p14:creationId xmlns:p14="http://schemas.microsoft.com/office/powerpoint/2010/main" val="2161688977"/>
+        <p14:creationId xmlns:p14="http://schemas.microsoft.com/office/powerpoint/2010/main" val="496661811"/>
       </p:ext>
     </p:extLst>
   </p:cSld>
   <p:clrMapOvr>
     <a:masterClrMapping/>
   </p:clrMapOvr>
+</p:sld>
+</file>
+
+<file path=ppt/slides/slide11.xml><?xml version="1.0" encoding="utf-8"?>
+<p:sld xmlns:a="http://schemas.openxmlformats.org/drawingml/2006/main" xmlns:r="http://schemas.openxmlformats.org/officeDocument/2006/relationships" xmlns:p="http://schemas.openxmlformats.org/presentationml/2006/main">
+  <p:cSld>
+    <p:spTree>
+      <p:nvGrpSpPr>
+        <p:cNvPr id="1" name=""/>
+        <p:cNvGrpSpPr/>
+        <p:nvPr/>
+      </p:nvGrpSpPr>
+      <p:grpSpPr>
+        <a:xfrm>
+          <a:off x="0" y="0"/>
+          <a:ext cx="0" cy="0"/>
+          <a:chOff x="0" y="0"/>
+          <a:chExt cx="0" cy="0"/>
+        </a:xfrm>
+      </p:grpSpPr>
+      <p:sp>
+        <p:nvSpPr>
+          <p:cNvPr id="3" name="Title 2"/>
+          <p:cNvSpPr>
+            <a:spLocks noGrp="1"/>
+          </p:cNvSpPr>
+          <p:nvPr>
+            <p:ph type="title"/>
+          </p:nvPr>
+        </p:nvSpPr>
+        <p:spPr/>
+        <p:txBody>
+          <a:bodyPr/>
+          <a:lstStyle/>
+          <a:p>
+            <a:r>
+              <a:rPr lang="en-US" dirty="0" smtClean="0"/>
+              <a:t>Overloading </a:t>
+            </a:r>
+            <a:r>
+              <a:rPr lang="bg-BG" dirty="0" smtClean="0"/>
+              <a:t>на функции</a:t>
+            </a:r>
+            <a:endParaRPr lang="en-US" dirty="0"/>
+          </a:p>
+        </p:txBody>
+      </p:sp>
+      <p:sp>
+        <p:nvSpPr>
+          <p:cNvPr id="4" name="Content Placeholder 3"/>
+          <p:cNvSpPr>
+            <a:spLocks noGrp="1"/>
+          </p:cNvSpPr>
+          <p:nvPr>
+            <p:ph sz="half" idx="1"/>
+          </p:nvPr>
+        </p:nvSpPr>
+        <p:spPr>
+          <a:xfrm>
+            <a:off x="1484312" y="2666999"/>
+            <a:ext cx="5350597" cy="3124201"/>
+          </a:xfrm>
+        </p:spPr>
+        <p:txBody>
+          <a:bodyPr/>
+          <a:lstStyle/>
+          <a:p>
+            <a:pPr algn="just"/>
+            <a:r>
+              <a:rPr lang="bg-BG" dirty="0" smtClean="0"/>
+              <a:t>В </a:t>
+            </a:r>
+            <a:r>
+              <a:rPr lang="en-US" dirty="0" smtClean="0"/>
+              <a:t>JS </a:t>
+            </a:r>
+            <a:r>
+              <a:rPr lang="bg-BG" dirty="0" smtClean="0"/>
+              <a:t> не се поддържа </a:t>
+            </a:r>
+            <a:r>
+              <a:rPr lang="en-US" dirty="0" smtClean="0"/>
+              <a:t>overloading</a:t>
+            </a:r>
+            <a:r>
+              <a:rPr lang="bg-BG" dirty="0" smtClean="0"/>
+              <a:t> на фукнциите</a:t>
+            </a:r>
+          </a:p>
+          <a:p>
+            <a:pPr algn="just"/>
+            <a:r>
+              <a:rPr lang="bg-BG" dirty="0" smtClean="0"/>
+              <a:t>Последното въведено презаписва горните</a:t>
+            </a:r>
+          </a:p>
+          <a:p>
+            <a:pPr algn="just"/>
+            <a:r>
+              <a:rPr lang="en-US" dirty="0" smtClean="0"/>
+              <a:t>Overloading</a:t>
+            </a:r>
+            <a:r>
+              <a:rPr lang="bg-BG" dirty="0" smtClean="0"/>
+              <a:t> може да бъде „фалшифи</a:t>
+            </a:r>
+            <a:r>
+              <a:rPr lang="bg-BG" dirty="0"/>
+              <a:t>ц</a:t>
+            </a:r>
+            <a:r>
+              <a:rPr lang="bg-BG" dirty="0" smtClean="0"/>
+              <a:t>иран“ чрез </a:t>
+            </a:r>
+            <a:r>
+              <a:rPr lang="en-US" i="1" dirty="0" smtClean="0">
+                <a:solidFill>
+                  <a:schemeClr val="accent6">
+                    <a:lumMod val="75000"/>
+                  </a:schemeClr>
+                </a:solidFill>
+              </a:rPr>
+              <a:t>argument</a:t>
+            </a:r>
+            <a:r>
+              <a:rPr lang="en-US" i="1" dirty="0">
+                <a:solidFill>
+                  <a:schemeClr val="accent6">
+                    <a:lumMod val="75000"/>
+                  </a:schemeClr>
+                </a:solidFill>
+              </a:rPr>
+              <a:t>s</a:t>
+            </a:r>
+            <a:r>
+              <a:rPr lang="en-US" dirty="0" smtClean="0"/>
+              <a:t> </a:t>
+            </a:r>
+            <a:r>
+              <a:rPr lang="bg-BG" dirty="0" smtClean="0"/>
+              <a:t>обекта</a:t>
+            </a:r>
+            <a:endParaRPr lang="en-US" dirty="0"/>
+          </a:p>
+        </p:txBody>
+      </p:sp>
+      <p:sp>
+        <p:nvSpPr>
+          <p:cNvPr id="6" name="Rectangle 4"/>
+          <p:cNvSpPr>
+            <a:spLocks noChangeArrowheads="1"/>
+          </p:cNvSpPr>
+          <p:nvPr/>
+        </p:nvSpPr>
+        <p:spPr bwMode="auto">
+          <a:xfrm>
+            <a:off x="7022811" y="3031340"/>
+            <a:ext cx="4873625" cy="2539157"/>
+          </a:xfrm>
+          <a:prstGeom prst="rect">
+            <a:avLst/>
+          </a:prstGeom>
+          <a:ln/>
+        </p:spPr>
+        <p:style>
+          <a:lnRef idx="0">
+            <a:schemeClr val="accent1"/>
+          </a:lnRef>
+          <a:fillRef idx="3">
+            <a:schemeClr val="accent1"/>
+          </a:fillRef>
+          <a:effectRef idx="3">
+            <a:schemeClr val="accent1"/>
+          </a:effectRef>
+          <a:fontRef idx="minor">
+            <a:schemeClr val="lt1"/>
+          </a:fontRef>
+        </p:style>
+        <p:txBody>
+          <a:bodyPr wrap="square">
+            <a:spAutoFit/>
+          </a:bodyPr>
+          <a:lstStyle/>
+          <a:p>
+            <a:pPr eaLnBrk="0" hangingPunct="0">
+              <a:spcBef>
+                <a:spcPts val="900"/>
+              </a:spcBef>
+              <a:buClr>
+                <a:schemeClr val="accent5">
+                  <a:lumMod val="40000"/>
+                  <a:lumOff val="60000"/>
+                </a:schemeClr>
+              </a:buClr>
+              <a:buSzPct val="70000"/>
+            </a:pPr>
+            <a:r>
+              <a:rPr lang="en-US" sz="1800" b="1" noProof="1" smtClean="0">
+                <a:solidFill>
+                  <a:srgbClr val="8CF4F2"/>
+                </a:solidFill>
+                <a:effectLst>
+                  <a:outerShdw blurRad="38100" dist="38100" dir="2700000" algn="tl">
+                    <a:srgbClr val="000000">
+                      <a:alpha val="43137"/>
+                    </a:srgbClr>
+                  </a:outerShdw>
+                </a:effectLst>
+                <a:latin typeface="Consolas" pitchFamily="49" charset="0"/>
+                <a:cs typeface="Consolas" pitchFamily="49" charset="0"/>
+              </a:rPr>
+              <a:t>function print(number) {</a:t>
+            </a:r>
+          </a:p>
+          <a:p>
+            <a:pPr eaLnBrk="0" hangingPunct="0">
+              <a:spcBef>
+                <a:spcPts val="0"/>
+              </a:spcBef>
+              <a:buClr>
+                <a:schemeClr val="accent5">
+                  <a:lumMod val="40000"/>
+                  <a:lumOff val="60000"/>
+                </a:schemeClr>
+              </a:buClr>
+              <a:buSzPct val="70000"/>
+            </a:pPr>
+            <a:r>
+              <a:rPr lang="en-US" sz="1800" b="1" noProof="1" smtClean="0">
+                <a:solidFill>
+                  <a:srgbClr val="8CF4F2"/>
+                </a:solidFill>
+                <a:effectLst>
+                  <a:outerShdw blurRad="38100" dist="38100" dir="2700000" algn="tl">
+                    <a:srgbClr val="000000">
+                      <a:alpha val="43137"/>
+                    </a:srgbClr>
+                  </a:outerShdw>
+                </a:effectLst>
+                <a:latin typeface="Consolas" pitchFamily="49" charset="0"/>
+                <a:cs typeface="Consolas" pitchFamily="49" charset="0"/>
+              </a:rPr>
+              <a:t>  console.log</a:t>
+            </a:r>
+            <a:r>
+              <a:rPr lang="en-US" b="1" noProof="1">
+                <a:solidFill>
+                  <a:srgbClr val="8CF4F2"/>
+                </a:solidFill>
+                <a:effectLst>
+                  <a:outerShdw blurRad="38100" dist="38100" dir="2700000" algn="tl">
+                    <a:srgbClr val="000000">
+                      <a:alpha val="43137"/>
+                    </a:srgbClr>
+                  </a:outerShdw>
+                </a:effectLst>
+                <a:latin typeface="Consolas" pitchFamily="49" charset="0"/>
+                <a:cs typeface="Consolas" pitchFamily="49" charset="0"/>
+              </a:rPr>
+              <a:t>('Number</a:t>
+            </a:r>
+            <a:r>
+              <a:rPr lang="en-US" b="1" noProof="1" smtClean="0">
+                <a:solidFill>
+                  <a:srgbClr val="8CF4F2"/>
+                </a:solidFill>
+                <a:effectLst>
+                  <a:outerShdw blurRad="38100" dist="38100" dir="2700000" algn="tl">
+                    <a:srgbClr val="000000">
+                      <a:alpha val="43137"/>
+                    </a:srgbClr>
+                  </a:outerShdw>
+                </a:effectLst>
+                <a:latin typeface="Consolas" pitchFamily="49" charset="0"/>
+                <a:cs typeface="Consolas" pitchFamily="49" charset="0"/>
+              </a:rPr>
+              <a:t>: ' </a:t>
+            </a:r>
+            <a:r>
+              <a:rPr lang="en-US" sz="1800" b="1" noProof="1" smtClean="0">
+                <a:solidFill>
+                  <a:srgbClr val="8CF4F2"/>
+                </a:solidFill>
+                <a:effectLst>
+                  <a:outerShdw blurRad="38100" dist="38100" dir="2700000" algn="tl">
+                    <a:srgbClr val="000000">
+                      <a:alpha val="43137"/>
+                    </a:srgbClr>
+                  </a:outerShdw>
+                </a:effectLst>
+                <a:latin typeface="Consolas" pitchFamily="49" charset="0"/>
+                <a:cs typeface="Consolas" pitchFamily="49" charset="0"/>
+              </a:rPr>
+              <a:t>+ number);</a:t>
+            </a:r>
+          </a:p>
+          <a:p>
+            <a:pPr eaLnBrk="0" hangingPunct="0">
+              <a:spcBef>
+                <a:spcPts val="0"/>
+              </a:spcBef>
+              <a:buClr>
+                <a:schemeClr val="accent5">
+                  <a:lumMod val="40000"/>
+                  <a:lumOff val="60000"/>
+                </a:schemeClr>
+              </a:buClr>
+              <a:buSzPct val="70000"/>
+            </a:pPr>
+            <a:r>
+              <a:rPr lang="en-US" b="1" noProof="1" smtClean="0">
+                <a:solidFill>
+                  <a:srgbClr val="8CF4F2"/>
+                </a:solidFill>
+                <a:effectLst>
+                  <a:outerShdw blurRad="38100" dist="38100" dir="2700000" algn="tl">
+                    <a:srgbClr val="000000">
+                      <a:alpha val="43137"/>
+                    </a:srgbClr>
+                  </a:outerShdw>
+                </a:effectLst>
+                <a:latin typeface="Consolas" pitchFamily="49" charset="0"/>
+                <a:cs typeface="Consolas" pitchFamily="49" charset="0"/>
+              </a:rPr>
+              <a:t>}</a:t>
+            </a:r>
+          </a:p>
+          <a:p>
+            <a:pPr eaLnBrk="0" hangingPunct="0">
+              <a:spcBef>
+                <a:spcPts val="900"/>
+              </a:spcBef>
+              <a:buClr>
+                <a:schemeClr val="accent5">
+                  <a:lumMod val="40000"/>
+                  <a:lumOff val="60000"/>
+                </a:schemeClr>
+              </a:buClr>
+              <a:buSzPct val="70000"/>
+            </a:pPr>
+            <a:r>
+              <a:rPr lang="en-US" b="1" noProof="1">
+                <a:solidFill>
+                  <a:srgbClr val="8CF4F2"/>
+                </a:solidFill>
+                <a:effectLst>
+                  <a:outerShdw blurRad="38100" dist="38100" dir="2700000" algn="tl">
+                    <a:srgbClr val="000000">
+                      <a:alpha val="43137"/>
+                    </a:srgbClr>
+                  </a:outerShdw>
+                </a:effectLst>
+                <a:latin typeface="Consolas" pitchFamily="49" charset="0"/>
+                <a:cs typeface="Consolas" pitchFamily="49" charset="0"/>
+              </a:rPr>
+              <a:t>f</a:t>
+            </a:r>
+            <a:r>
+              <a:rPr lang="en-US" b="1" noProof="1" smtClean="0">
+                <a:solidFill>
+                  <a:srgbClr val="8CF4F2"/>
+                </a:solidFill>
+                <a:effectLst>
+                  <a:outerShdw blurRad="38100" dist="38100" dir="2700000" algn="tl">
+                    <a:srgbClr val="000000">
+                      <a:alpha val="43137"/>
+                    </a:srgbClr>
+                  </a:outerShdw>
+                </a:effectLst>
+                <a:latin typeface="Consolas" pitchFamily="49" charset="0"/>
+                <a:cs typeface="Consolas" pitchFamily="49" charset="0"/>
+              </a:rPr>
+              <a:t>unction print(number,text) {</a:t>
+            </a:r>
+            <a:endParaRPr lang="en-US" b="1" noProof="1">
+              <a:solidFill>
+                <a:srgbClr val="8CF4F2"/>
+              </a:solidFill>
+              <a:effectLst>
+                <a:outerShdw blurRad="38100" dist="38100" dir="2700000" algn="tl">
+                  <a:srgbClr val="000000">
+                    <a:alpha val="43137"/>
+                  </a:srgbClr>
+                </a:outerShdw>
+              </a:effectLst>
+              <a:latin typeface="Consolas" pitchFamily="49" charset="0"/>
+              <a:cs typeface="Consolas" pitchFamily="49" charset="0"/>
+            </a:endParaRPr>
+          </a:p>
+          <a:p>
+            <a:pPr eaLnBrk="0" hangingPunct="0">
+              <a:spcBef>
+                <a:spcPts val="0"/>
+              </a:spcBef>
+              <a:buClr>
+                <a:schemeClr val="accent5">
+                  <a:lumMod val="40000"/>
+                  <a:lumOff val="60000"/>
+                </a:schemeClr>
+              </a:buClr>
+              <a:buSzPct val="70000"/>
+            </a:pPr>
+            <a:r>
+              <a:rPr lang="en-US" b="1" noProof="1">
+                <a:solidFill>
+                  <a:srgbClr val="8CF4F2"/>
+                </a:solidFill>
+                <a:effectLst>
+                  <a:outerShdw blurRad="38100" dist="38100" dir="2700000" algn="tl">
+                    <a:srgbClr val="000000">
+                      <a:alpha val="43137"/>
+                    </a:srgbClr>
+                  </a:outerShdw>
+                </a:effectLst>
+                <a:latin typeface="Consolas" pitchFamily="49" charset="0"/>
+                <a:cs typeface="Consolas" pitchFamily="49" charset="0"/>
+              </a:rPr>
+              <a:t>  console.log</a:t>
+            </a:r>
+            <a:r>
+              <a:rPr lang="en-US" b="1" noProof="1" smtClean="0">
+                <a:solidFill>
+                  <a:srgbClr val="8CF4F2"/>
+                </a:solidFill>
+                <a:effectLst>
+                  <a:outerShdw blurRad="38100" dist="38100" dir="2700000" algn="tl">
+                    <a:srgbClr val="000000">
+                      <a:alpha val="43137"/>
+                    </a:srgbClr>
+                  </a:outerShdw>
+                </a:effectLst>
+                <a:latin typeface="Consolas" pitchFamily="49" charset="0"/>
+                <a:cs typeface="Consolas" pitchFamily="49" charset="0"/>
+              </a:rPr>
+              <a:t>(</a:t>
+            </a:r>
+            <a:r>
+              <a:rPr lang="en-US" b="1" noProof="1">
+                <a:solidFill>
+                  <a:srgbClr val="8CF4F2"/>
+                </a:solidFill>
+                <a:effectLst>
+                  <a:outerShdw blurRad="38100" dist="38100" dir="2700000" algn="tl">
+                    <a:srgbClr val="000000">
+                      <a:alpha val="43137"/>
+                    </a:srgbClr>
+                  </a:outerShdw>
+                </a:effectLst>
+                <a:latin typeface="Consolas" pitchFamily="49" charset="0"/>
+                <a:cs typeface="Consolas" pitchFamily="49" charset="0"/>
+              </a:rPr>
+              <a:t>'</a:t>
+            </a:r>
+            <a:r>
+              <a:rPr lang="en-US" b="1" noProof="1" smtClean="0">
+                <a:solidFill>
+                  <a:srgbClr val="8CF4F2"/>
+                </a:solidFill>
+                <a:effectLst>
+                  <a:outerShdw blurRad="38100" dist="38100" dir="2700000" algn="tl">
+                    <a:srgbClr val="000000">
+                      <a:alpha val="43137"/>
+                    </a:srgbClr>
+                  </a:outerShdw>
+                </a:effectLst>
+                <a:latin typeface="Consolas" pitchFamily="49" charset="0"/>
+                <a:cs typeface="Consolas" pitchFamily="49" charset="0"/>
+              </a:rPr>
+              <a:t>Number: ' </a:t>
+            </a:r>
+            <a:r>
+              <a:rPr lang="en-US" b="1" noProof="1">
+                <a:solidFill>
+                  <a:srgbClr val="8CF4F2"/>
+                </a:solidFill>
+                <a:effectLst>
+                  <a:outerShdw blurRad="38100" dist="38100" dir="2700000" algn="tl">
+                    <a:srgbClr val="000000">
+                      <a:alpha val="43137"/>
+                    </a:srgbClr>
+                  </a:outerShdw>
+                </a:effectLst>
+                <a:latin typeface="Consolas" pitchFamily="49" charset="0"/>
+                <a:cs typeface="Consolas" pitchFamily="49" charset="0"/>
+              </a:rPr>
+              <a:t>+ </a:t>
+            </a:r>
+            <a:r>
+              <a:rPr lang="en-US" b="1" noProof="1" smtClean="0">
+                <a:solidFill>
+                  <a:srgbClr val="8CF4F2"/>
+                </a:solidFill>
+                <a:effectLst>
+                  <a:outerShdw blurRad="38100" dist="38100" dir="2700000" algn="tl">
+                    <a:srgbClr val="000000">
+                      <a:alpha val="43137"/>
+                    </a:srgbClr>
+                  </a:outerShdw>
+                </a:effectLst>
+                <a:latin typeface="Consolas" pitchFamily="49" charset="0"/>
+                <a:cs typeface="Consolas" pitchFamily="49" charset="0"/>
+              </a:rPr>
+              <a:t>number + </a:t>
+            </a:r>
+            <a:r>
+              <a:rPr lang="en-US" b="1" noProof="1">
+                <a:solidFill>
+                  <a:srgbClr val="8CF4F2"/>
+                </a:solidFill>
+                <a:effectLst>
+                  <a:outerShdw blurRad="38100" dist="38100" dir="2700000" algn="tl">
+                    <a:srgbClr val="000000">
+                      <a:alpha val="43137"/>
+                    </a:srgbClr>
+                  </a:outerShdw>
+                </a:effectLst>
+                <a:latin typeface="Consolas" pitchFamily="49" charset="0"/>
+                <a:cs typeface="Consolas" pitchFamily="49" charset="0"/>
+              </a:rPr>
+              <a:t>'</a:t>
+            </a:r>
+            <a:r>
+              <a:rPr lang="en-US" b="1" noProof="1" smtClean="0">
+                <a:solidFill>
+                  <a:srgbClr val="8CF4F2"/>
+                </a:solidFill>
+                <a:effectLst>
+                  <a:outerShdw blurRad="38100" dist="38100" dir="2700000" algn="tl">
+                    <a:srgbClr val="000000">
+                      <a:alpha val="43137"/>
+                    </a:srgbClr>
+                  </a:outerShdw>
+                </a:effectLst>
+                <a:latin typeface="Consolas" pitchFamily="49" charset="0"/>
+                <a:cs typeface="Consolas" pitchFamily="49" charset="0"/>
+              </a:rPr>
+              <a:t>\nText: </a:t>
+            </a:r>
+            <a:r>
+              <a:rPr lang="en-US" b="1" noProof="1">
+                <a:solidFill>
+                  <a:srgbClr val="8CF4F2"/>
+                </a:solidFill>
+                <a:effectLst>
+                  <a:outerShdw blurRad="38100" dist="38100" dir="2700000" algn="tl">
+                    <a:srgbClr val="000000">
+                      <a:alpha val="43137"/>
+                    </a:srgbClr>
+                  </a:outerShdw>
+                </a:effectLst>
+                <a:latin typeface="Consolas" pitchFamily="49" charset="0"/>
+                <a:cs typeface="Consolas" pitchFamily="49" charset="0"/>
+              </a:rPr>
+              <a:t>'</a:t>
+            </a:r>
+            <a:r>
+              <a:rPr lang="en-US" b="1" noProof="1" smtClean="0">
+                <a:solidFill>
+                  <a:srgbClr val="8CF4F2"/>
+                </a:solidFill>
+                <a:effectLst>
+                  <a:outerShdw blurRad="38100" dist="38100" dir="2700000" algn="tl">
+                    <a:srgbClr val="000000">
+                      <a:alpha val="43137"/>
+                    </a:srgbClr>
+                  </a:outerShdw>
+                </a:effectLst>
+                <a:latin typeface="Consolas" pitchFamily="49" charset="0"/>
+                <a:cs typeface="Consolas" pitchFamily="49" charset="0"/>
+              </a:rPr>
+              <a:t> + text);</a:t>
+            </a:r>
+          </a:p>
+          <a:p>
+            <a:pPr eaLnBrk="0" hangingPunct="0">
+              <a:spcBef>
+                <a:spcPts val="0"/>
+              </a:spcBef>
+              <a:buClr>
+                <a:schemeClr val="accent5">
+                  <a:lumMod val="40000"/>
+                  <a:lumOff val="60000"/>
+                </a:schemeClr>
+              </a:buClr>
+              <a:buSzPct val="70000"/>
+            </a:pPr>
+            <a:r>
+              <a:rPr lang="en-US" sz="1800" b="1" noProof="1" smtClean="0">
+                <a:solidFill>
+                  <a:srgbClr val="8CF4F2"/>
+                </a:solidFill>
+                <a:effectLst>
+                  <a:outerShdw blurRad="38100" dist="38100" dir="2700000" algn="tl">
+                    <a:srgbClr val="000000">
+                      <a:alpha val="43137"/>
+                    </a:srgbClr>
+                  </a:outerShdw>
+                </a:effectLst>
+                <a:latin typeface="Consolas" pitchFamily="49" charset="0"/>
+                <a:cs typeface="Consolas" pitchFamily="49" charset="0"/>
+              </a:rPr>
+              <a:t>}</a:t>
+            </a:r>
+          </a:p>
+          <a:p>
+            <a:pPr eaLnBrk="0" hangingPunct="0">
+              <a:spcBef>
+                <a:spcPts val="900"/>
+              </a:spcBef>
+              <a:buClr>
+                <a:schemeClr val="accent5">
+                  <a:lumMod val="40000"/>
+                  <a:lumOff val="60000"/>
+                </a:schemeClr>
+              </a:buClr>
+              <a:buSzPct val="70000"/>
+            </a:pPr>
+            <a:r>
+              <a:rPr lang="en-US" b="1" noProof="1" smtClean="0">
+                <a:solidFill>
+                  <a:srgbClr val="8CF4F2"/>
+                </a:solidFill>
+                <a:effectLst>
+                  <a:outerShdw blurRad="38100" dist="38100" dir="2700000" algn="tl">
+                    <a:srgbClr val="000000">
+                      <a:alpha val="43137"/>
+                    </a:srgbClr>
+                  </a:outerShdw>
+                </a:effectLst>
+                <a:latin typeface="Consolas" pitchFamily="49" charset="0"/>
+                <a:cs typeface="Consolas" pitchFamily="49" charset="0"/>
+              </a:rPr>
+              <a:t>print(2);</a:t>
+            </a:r>
+            <a:endParaRPr lang="en-US" sz="1800" b="1" noProof="1">
+              <a:solidFill>
+                <a:srgbClr val="8CF4F2"/>
+              </a:solidFill>
+              <a:effectLst>
+                <a:outerShdw blurRad="38100" dist="38100" dir="2700000" algn="tl">
+                  <a:srgbClr val="000000">
+                    <a:alpha val="43137"/>
+                  </a:srgbClr>
+                </a:outerShdw>
+              </a:effectLst>
+              <a:latin typeface="Consolas" pitchFamily="49" charset="0"/>
+              <a:cs typeface="Consolas" pitchFamily="49" charset="0"/>
+            </a:endParaRPr>
+          </a:p>
+        </p:txBody>
+      </p:sp>
+    </p:spTree>
+    <p:extLst>
+      <p:ext uri="{BB962C8B-B14F-4D97-AF65-F5344CB8AC3E}">
+        <p14:creationId xmlns:p14="http://schemas.microsoft.com/office/powerpoint/2010/main" val="2478381820"/>
+      </p:ext>
+    </p:extLst>
+  </p:cSld>
+  <p:clrMapOvr>
+    <a:masterClrMapping/>
+  </p:clrMapOvr>
+  <p:timing>
+    <p:tnLst>
+      <p:par>
+        <p:cTn id="1" dur="indefinite" restart="never" nodeType="tmRoot"/>
+      </p:par>
+    </p:tnLst>
+  </p:timing>
+</p:sld>
+</file>
+
+<file path=ppt/slides/slide12.xml><?xml version="1.0" encoding="utf-8"?>
+<p:sld xmlns:a="http://schemas.openxmlformats.org/drawingml/2006/main" xmlns:r="http://schemas.openxmlformats.org/officeDocument/2006/relationships" xmlns:p="http://schemas.openxmlformats.org/presentationml/2006/main">
+  <p:cSld>
+    <p:spTree>
+      <p:nvGrpSpPr>
+        <p:cNvPr id="1" name=""/>
+        <p:cNvGrpSpPr/>
+        <p:nvPr/>
+      </p:nvGrpSpPr>
+      <p:grpSpPr>
+        <a:xfrm>
+          <a:off x="0" y="0"/>
+          <a:ext cx="0" cy="0"/>
+          <a:chOff x="0" y="0"/>
+          <a:chExt cx="0" cy="0"/>
+        </a:xfrm>
+      </p:grpSpPr>
+      <p:sp>
+        <p:nvSpPr>
+          <p:cNvPr id="2" name="Title 1"/>
+          <p:cNvSpPr>
+            <a:spLocks noGrp="1"/>
+          </p:cNvSpPr>
+          <p:nvPr>
+            <p:ph type="title"/>
+          </p:nvPr>
+        </p:nvSpPr>
+        <p:spPr/>
+        <p:txBody>
+          <a:bodyPr/>
+          <a:lstStyle/>
+          <a:p>
+            <a:r>
+              <a:rPr lang="bg-BG" dirty="0" smtClean="0"/>
+              <a:t>„Фалшифициране“ на </a:t>
+            </a:r>
+            <a:r>
+              <a:rPr lang="en-US" dirty="0" smtClean="0"/>
+              <a:t>overloading</a:t>
+            </a:r>
+            <a:r>
+              <a:rPr lang="bg-BG" dirty="0" smtClean="0"/>
+              <a:t> на функции</a:t>
+            </a:r>
+            <a:endParaRPr lang="en-US" dirty="0"/>
+          </a:p>
+        </p:txBody>
+      </p:sp>
+      <p:sp>
+        <p:nvSpPr>
+          <p:cNvPr id="6" name="Content Placeholder 5"/>
+          <p:cNvSpPr>
+            <a:spLocks noGrp="1"/>
+          </p:cNvSpPr>
+          <p:nvPr>
+            <p:ph idx="1"/>
+          </p:nvPr>
+        </p:nvSpPr>
+        <p:spPr>
+          <a:xfrm>
+            <a:off x="1484310" y="2666999"/>
+            <a:ext cx="10018713" cy="1046019"/>
+          </a:xfrm>
+        </p:spPr>
+        <p:txBody>
+          <a:bodyPr/>
+          <a:lstStyle/>
+          <a:p>
+            <a:r>
+              <a:rPr lang="bg-BG" i="1" dirty="0" smtClean="0"/>
+              <a:t>Използването на </a:t>
+            </a:r>
+            <a:r>
+              <a:rPr lang="en-US" i="1" dirty="0" smtClean="0">
+                <a:solidFill>
+                  <a:schemeClr val="accent6">
+                    <a:lumMod val="75000"/>
+                  </a:schemeClr>
+                </a:solidFill>
+              </a:rPr>
+              <a:t>switch-case</a:t>
+            </a:r>
+            <a:r>
+              <a:rPr lang="en-US" i="1" dirty="0" smtClean="0"/>
+              <a:t> </a:t>
+            </a:r>
+            <a:r>
+              <a:rPr lang="bg-BG" i="1" dirty="0" smtClean="0"/>
+              <a:t>конструкцията не се счита за добра практика в програмирането</a:t>
+            </a:r>
+            <a:endParaRPr lang="en-US" i="1" dirty="0"/>
+          </a:p>
+        </p:txBody>
+      </p:sp>
+      <p:sp>
+        <p:nvSpPr>
+          <p:cNvPr id="5" name="Rectangle 4"/>
+          <p:cNvSpPr>
+            <a:spLocks noChangeArrowheads="1"/>
+          </p:cNvSpPr>
+          <p:nvPr/>
+        </p:nvSpPr>
+        <p:spPr bwMode="auto">
+          <a:xfrm>
+            <a:off x="2533647" y="3577080"/>
+            <a:ext cx="7920038" cy="3216265"/>
+          </a:xfrm>
+          <a:prstGeom prst="rect">
+            <a:avLst/>
+          </a:prstGeom>
+          <a:ln/>
+        </p:spPr>
+        <p:style>
+          <a:lnRef idx="0">
+            <a:schemeClr val="accent1"/>
+          </a:lnRef>
+          <a:fillRef idx="3">
+            <a:schemeClr val="accent1"/>
+          </a:fillRef>
+          <a:effectRef idx="3">
+            <a:schemeClr val="accent1"/>
+          </a:effectRef>
+          <a:fontRef idx="minor">
+            <a:schemeClr val="lt1"/>
+          </a:fontRef>
+        </p:style>
+        <p:txBody>
+          <a:bodyPr wrap="square">
+            <a:spAutoFit/>
+          </a:bodyPr>
+          <a:lstStyle/>
+          <a:p>
+            <a:pPr eaLnBrk="0" hangingPunct="0">
+              <a:buClr>
+                <a:schemeClr val="accent5">
+                  <a:lumMod val="40000"/>
+                  <a:lumOff val="60000"/>
+                </a:schemeClr>
+              </a:buClr>
+              <a:buSzPct val="70000"/>
+            </a:pPr>
+            <a:r>
+              <a:rPr lang="en-US" b="1" noProof="1">
+                <a:solidFill>
+                  <a:srgbClr val="8CF4F2"/>
+                </a:solidFill>
+                <a:effectLst>
+                  <a:outerShdw blurRad="38100" dist="38100" dir="2700000" algn="tl">
+                    <a:srgbClr val="000000">
+                      <a:alpha val="43137"/>
+                    </a:srgbClr>
+                  </a:outerShdw>
+                </a:effectLst>
+                <a:latin typeface="Consolas" pitchFamily="49" charset="0"/>
+                <a:cs typeface="Consolas" pitchFamily="49" charset="0"/>
+              </a:rPr>
+              <a:t>function </a:t>
+            </a:r>
+            <a:r>
+              <a:rPr lang="en-US" b="1" noProof="1" smtClean="0">
+                <a:solidFill>
+                  <a:srgbClr val="8CF4F2"/>
+                </a:solidFill>
+                <a:effectLst>
+                  <a:outerShdw blurRad="38100" dist="38100" dir="2700000" algn="tl">
+                    <a:srgbClr val="000000">
+                      <a:alpha val="43137"/>
+                    </a:srgbClr>
+                  </a:outerShdw>
+                </a:effectLst>
+                <a:latin typeface="Consolas" pitchFamily="49" charset="0"/>
+                <a:cs typeface="Consolas" pitchFamily="49" charset="0"/>
+              </a:rPr>
+              <a:t>printText (</a:t>
+            </a:r>
+            <a:r>
+              <a:rPr lang="en-US" b="1" noProof="1">
+                <a:solidFill>
+                  <a:srgbClr val="8CF4F2"/>
+                </a:solidFill>
+                <a:effectLst>
+                  <a:outerShdw blurRad="38100" dist="38100" dir="2700000" algn="tl">
+                    <a:srgbClr val="000000">
+                      <a:alpha val="43137"/>
+                    </a:srgbClr>
+                  </a:outerShdw>
+                </a:effectLst>
+                <a:latin typeface="Consolas" pitchFamily="49" charset="0"/>
+                <a:cs typeface="Consolas" pitchFamily="49" charset="0"/>
+              </a:rPr>
+              <a:t>number</a:t>
+            </a:r>
+            <a:r>
+              <a:rPr lang="en-US" b="1" noProof="1" smtClean="0">
+                <a:solidFill>
+                  <a:srgbClr val="8CF4F2"/>
+                </a:solidFill>
+                <a:effectLst>
+                  <a:outerShdw blurRad="38100" dist="38100" dir="2700000" algn="tl">
+                    <a:srgbClr val="000000">
+                      <a:alpha val="43137"/>
+                    </a:srgbClr>
+                  </a:outerShdw>
+                </a:effectLst>
+                <a:latin typeface="Consolas" pitchFamily="49" charset="0"/>
+                <a:cs typeface="Consolas" pitchFamily="49" charset="0"/>
+              </a:rPr>
+              <a:t>, text) {</a:t>
+            </a:r>
+            <a:endParaRPr lang="en-US" b="1" noProof="1">
+              <a:solidFill>
+                <a:srgbClr val="8CF4F2"/>
+              </a:solidFill>
+              <a:effectLst>
+                <a:outerShdw blurRad="38100" dist="38100" dir="2700000" algn="tl">
+                  <a:srgbClr val="000000">
+                    <a:alpha val="43137"/>
+                  </a:srgbClr>
+                </a:outerShdw>
+              </a:effectLst>
+              <a:latin typeface="Consolas" pitchFamily="49" charset="0"/>
+              <a:cs typeface="Consolas" pitchFamily="49" charset="0"/>
+            </a:endParaRPr>
+          </a:p>
+          <a:p>
+            <a:pPr eaLnBrk="0" hangingPunct="0">
+              <a:buClr>
+                <a:schemeClr val="accent5">
+                  <a:lumMod val="40000"/>
+                  <a:lumOff val="60000"/>
+                </a:schemeClr>
+              </a:buClr>
+              <a:buSzPct val="70000"/>
+            </a:pPr>
+            <a:r>
+              <a:rPr lang="en-US" b="1" noProof="1" smtClean="0">
+                <a:solidFill>
+                  <a:srgbClr val="8CF4F2"/>
+                </a:solidFill>
+                <a:effectLst>
+                  <a:outerShdw blurRad="38100" dist="38100" dir="2700000" algn="tl">
+                    <a:srgbClr val="000000">
+                      <a:alpha val="43137"/>
+                    </a:srgbClr>
+                  </a:outerShdw>
+                </a:effectLst>
+                <a:latin typeface="Consolas" pitchFamily="49" charset="0"/>
+                <a:cs typeface="Consolas" pitchFamily="49" charset="0"/>
+              </a:rPr>
+              <a:t>  switch (arguments.length) {</a:t>
+            </a:r>
+          </a:p>
+          <a:p>
+            <a:pPr eaLnBrk="0" hangingPunct="0">
+              <a:buClr>
+                <a:schemeClr val="accent5">
+                  <a:lumMod val="40000"/>
+                  <a:lumOff val="60000"/>
+                </a:schemeClr>
+              </a:buClr>
+              <a:buSzPct val="70000"/>
+            </a:pPr>
+            <a:r>
+              <a:rPr lang="en-US" b="1" noProof="1" smtClean="0">
+                <a:solidFill>
+                  <a:srgbClr val="8CF4F2"/>
+                </a:solidFill>
+                <a:effectLst>
+                  <a:outerShdw blurRad="38100" dist="38100" dir="2700000" algn="tl">
+                    <a:srgbClr val="000000">
+                      <a:alpha val="43137"/>
+                    </a:srgbClr>
+                  </a:outerShdw>
+                </a:effectLst>
+                <a:latin typeface="Consolas" pitchFamily="49" charset="0"/>
+                <a:cs typeface="Consolas" pitchFamily="49" charset="0"/>
+              </a:rPr>
+              <a:t>    case </a:t>
+            </a:r>
+            <a:r>
+              <a:rPr lang="en-US" b="1" noProof="1">
+                <a:solidFill>
+                  <a:srgbClr val="8CF4F2"/>
+                </a:solidFill>
+                <a:effectLst>
+                  <a:outerShdw blurRad="38100" dist="38100" dir="2700000" algn="tl">
+                    <a:srgbClr val="000000">
+                      <a:alpha val="43137"/>
+                    </a:srgbClr>
+                  </a:outerShdw>
+                </a:effectLst>
+                <a:latin typeface="Consolas" pitchFamily="49" charset="0"/>
+                <a:cs typeface="Consolas" pitchFamily="49" charset="0"/>
+              </a:rPr>
+              <a:t>1 : </a:t>
+            </a:r>
+            <a:r>
+              <a:rPr lang="en-US" b="1" noProof="1" smtClean="0">
+                <a:solidFill>
+                  <a:srgbClr val="8CF4F2"/>
+                </a:solidFill>
+                <a:effectLst>
+                  <a:outerShdw blurRad="38100" dist="38100" dir="2700000" algn="tl">
+                    <a:srgbClr val="000000">
+                      <a:alpha val="43137"/>
+                    </a:srgbClr>
+                  </a:outerShdw>
+                </a:effectLst>
+                <a:latin typeface="Consolas" pitchFamily="49" charset="0"/>
+                <a:cs typeface="Consolas" pitchFamily="49" charset="0"/>
+              </a:rPr>
+              <a:t>console.log (</a:t>
+            </a:r>
+            <a:r>
+              <a:rPr lang="en-US" b="1" noProof="1">
+                <a:solidFill>
+                  <a:srgbClr val="8CF4F2"/>
+                </a:solidFill>
+                <a:effectLst>
+                  <a:outerShdw blurRad="38100" dist="38100" dir="2700000" algn="tl">
+                    <a:srgbClr val="000000">
+                      <a:alpha val="43137"/>
+                    </a:srgbClr>
+                  </a:outerShdw>
+                </a:effectLst>
+                <a:latin typeface="Consolas" pitchFamily="49" charset="0"/>
+                <a:cs typeface="Consolas" pitchFamily="49" charset="0"/>
+              </a:rPr>
+              <a:t>'</a:t>
+            </a:r>
+            <a:r>
+              <a:rPr lang="en-US" b="1" noProof="1" smtClean="0">
+                <a:solidFill>
+                  <a:srgbClr val="8CF4F2"/>
+                </a:solidFill>
+                <a:effectLst>
+                  <a:outerShdw blurRad="38100" dist="38100" dir="2700000" algn="tl">
+                    <a:srgbClr val="000000">
+                      <a:alpha val="43137"/>
+                    </a:srgbClr>
+                  </a:outerShdw>
+                </a:effectLst>
+                <a:latin typeface="Consolas" pitchFamily="49" charset="0"/>
+                <a:cs typeface="Consolas" pitchFamily="49" charset="0"/>
+              </a:rPr>
+              <a:t>Number :</a:t>
+            </a:r>
+            <a:r>
+              <a:rPr lang="en-US" b="1" noProof="1">
+                <a:solidFill>
+                  <a:srgbClr val="8CF4F2"/>
+                </a:solidFill>
+                <a:effectLst>
+                  <a:outerShdw blurRad="38100" dist="38100" dir="2700000" algn="tl">
+                    <a:srgbClr val="000000">
+                      <a:alpha val="43137"/>
+                    </a:srgbClr>
+                  </a:outerShdw>
+                </a:effectLst>
+                <a:latin typeface="Consolas" pitchFamily="49" charset="0"/>
+                <a:cs typeface="Consolas" pitchFamily="49" charset="0"/>
+              </a:rPr>
+              <a:t>'</a:t>
+            </a:r>
+            <a:r>
+              <a:rPr lang="en-US" b="1" noProof="1" smtClean="0">
+                <a:solidFill>
+                  <a:srgbClr val="8CF4F2"/>
+                </a:solidFill>
+                <a:effectLst>
+                  <a:outerShdw blurRad="38100" dist="38100" dir="2700000" algn="tl">
+                    <a:srgbClr val="000000">
+                      <a:alpha val="43137"/>
+                    </a:srgbClr>
+                  </a:outerShdw>
+                </a:effectLst>
+                <a:latin typeface="Consolas" pitchFamily="49" charset="0"/>
+                <a:cs typeface="Consolas" pitchFamily="49" charset="0"/>
+              </a:rPr>
+              <a:t> </a:t>
+            </a:r>
+            <a:r>
+              <a:rPr lang="en-US" b="1" noProof="1">
+                <a:solidFill>
+                  <a:srgbClr val="8CF4F2"/>
+                </a:solidFill>
+                <a:effectLst>
+                  <a:outerShdw blurRad="38100" dist="38100" dir="2700000" algn="tl">
+                    <a:srgbClr val="000000">
+                      <a:alpha val="43137"/>
+                    </a:srgbClr>
+                  </a:outerShdw>
+                </a:effectLst>
+                <a:latin typeface="Consolas" pitchFamily="49" charset="0"/>
+                <a:cs typeface="Consolas" pitchFamily="49" charset="0"/>
+              </a:rPr>
+              <a:t>+ number</a:t>
+            </a:r>
+            <a:r>
+              <a:rPr lang="en-US" b="1" noProof="1" smtClean="0">
+                <a:solidFill>
+                  <a:srgbClr val="8CF4F2"/>
+                </a:solidFill>
+                <a:effectLst>
+                  <a:outerShdw blurRad="38100" dist="38100" dir="2700000" algn="tl">
+                    <a:srgbClr val="000000">
+                      <a:alpha val="43137"/>
+                    </a:srgbClr>
+                  </a:outerShdw>
+                </a:effectLst>
+                <a:latin typeface="Consolas" pitchFamily="49" charset="0"/>
+                <a:cs typeface="Consolas" pitchFamily="49" charset="0"/>
+              </a:rPr>
+              <a:t>); break</a:t>
+            </a:r>
+            <a:r>
+              <a:rPr lang="en-US" b="1" noProof="1">
+                <a:solidFill>
+                  <a:srgbClr val="8CF4F2"/>
+                </a:solidFill>
+                <a:effectLst>
+                  <a:outerShdw blurRad="38100" dist="38100" dir="2700000" algn="tl">
+                    <a:srgbClr val="000000">
+                      <a:alpha val="43137"/>
+                    </a:srgbClr>
+                  </a:outerShdw>
+                </a:effectLst>
+                <a:latin typeface="Consolas" pitchFamily="49" charset="0"/>
+                <a:cs typeface="Consolas" pitchFamily="49" charset="0"/>
+              </a:rPr>
+              <a:t>;</a:t>
+            </a:r>
+          </a:p>
+          <a:p>
+            <a:pPr eaLnBrk="0" hangingPunct="0">
+              <a:buClr>
+                <a:schemeClr val="accent5">
+                  <a:lumMod val="40000"/>
+                  <a:lumOff val="60000"/>
+                </a:schemeClr>
+              </a:buClr>
+              <a:buSzPct val="70000"/>
+            </a:pPr>
+            <a:r>
+              <a:rPr lang="en-US" b="1" noProof="1" smtClean="0">
+                <a:solidFill>
+                  <a:srgbClr val="8CF4F2"/>
+                </a:solidFill>
+                <a:effectLst>
+                  <a:outerShdw blurRad="38100" dist="38100" dir="2700000" algn="tl">
+                    <a:srgbClr val="000000">
+                      <a:alpha val="43137"/>
+                    </a:srgbClr>
+                  </a:outerShdw>
+                </a:effectLst>
+                <a:latin typeface="Consolas" pitchFamily="49" charset="0"/>
+                <a:cs typeface="Consolas" pitchFamily="49" charset="0"/>
+              </a:rPr>
+              <a:t>    case </a:t>
+            </a:r>
+            <a:r>
+              <a:rPr lang="en-US" b="1" noProof="1">
+                <a:solidFill>
+                  <a:srgbClr val="8CF4F2"/>
+                </a:solidFill>
+                <a:effectLst>
+                  <a:outerShdw blurRad="38100" dist="38100" dir="2700000" algn="tl">
+                    <a:srgbClr val="000000">
+                      <a:alpha val="43137"/>
+                    </a:srgbClr>
+                  </a:outerShdw>
+                </a:effectLst>
+                <a:latin typeface="Consolas" pitchFamily="49" charset="0"/>
+                <a:cs typeface="Consolas" pitchFamily="49" charset="0"/>
+              </a:rPr>
+              <a:t>2 : </a:t>
+            </a:r>
+            <a:endParaRPr lang="en-US" b="1" noProof="1" smtClean="0">
+              <a:solidFill>
+                <a:srgbClr val="8CF4F2"/>
+              </a:solidFill>
+              <a:effectLst>
+                <a:outerShdw blurRad="38100" dist="38100" dir="2700000" algn="tl">
+                  <a:srgbClr val="000000">
+                    <a:alpha val="43137"/>
+                  </a:srgbClr>
+                </a:outerShdw>
+              </a:effectLst>
+              <a:latin typeface="Consolas" pitchFamily="49" charset="0"/>
+              <a:cs typeface="Consolas" pitchFamily="49" charset="0"/>
+            </a:endParaRPr>
+          </a:p>
+          <a:p>
+            <a:pPr eaLnBrk="0" hangingPunct="0">
+              <a:buClr>
+                <a:schemeClr val="accent5">
+                  <a:lumMod val="40000"/>
+                  <a:lumOff val="60000"/>
+                </a:schemeClr>
+              </a:buClr>
+              <a:buSzPct val="70000"/>
+            </a:pPr>
+            <a:r>
+              <a:rPr lang="en-US" b="1" noProof="1">
+                <a:solidFill>
+                  <a:srgbClr val="8CF4F2"/>
+                </a:solidFill>
+                <a:effectLst>
+                  <a:outerShdw blurRad="38100" dist="38100" dir="2700000" algn="tl">
+                    <a:srgbClr val="000000">
+                      <a:alpha val="43137"/>
+                    </a:srgbClr>
+                  </a:outerShdw>
+                </a:effectLst>
+                <a:latin typeface="Consolas" pitchFamily="49" charset="0"/>
+                <a:cs typeface="Consolas" pitchFamily="49" charset="0"/>
+              </a:rPr>
+              <a:t> </a:t>
+            </a:r>
+            <a:r>
+              <a:rPr lang="en-US" b="1" noProof="1" smtClean="0">
+                <a:solidFill>
+                  <a:srgbClr val="8CF4F2"/>
+                </a:solidFill>
+                <a:effectLst>
+                  <a:outerShdw blurRad="38100" dist="38100" dir="2700000" algn="tl">
+                    <a:srgbClr val="000000">
+                      <a:alpha val="43137"/>
+                    </a:srgbClr>
+                  </a:outerShdw>
+                </a:effectLst>
+                <a:latin typeface="Consolas" pitchFamily="49" charset="0"/>
+                <a:cs typeface="Consolas" pitchFamily="49" charset="0"/>
+              </a:rPr>
+              <a:t>     console.log (</a:t>
+            </a:r>
+            <a:r>
+              <a:rPr lang="en-US" b="1" noProof="1">
+                <a:solidFill>
+                  <a:srgbClr val="8CF4F2"/>
+                </a:solidFill>
+                <a:effectLst>
+                  <a:outerShdw blurRad="38100" dist="38100" dir="2700000" algn="tl">
+                    <a:srgbClr val="000000">
+                      <a:alpha val="43137"/>
+                    </a:srgbClr>
+                  </a:outerShdw>
+                </a:effectLst>
+                <a:latin typeface="Consolas" pitchFamily="49" charset="0"/>
+                <a:cs typeface="Consolas" pitchFamily="49" charset="0"/>
+              </a:rPr>
+              <a:t>'</a:t>
+            </a:r>
+            <a:r>
+              <a:rPr lang="en-US" b="1" noProof="1" smtClean="0">
+                <a:solidFill>
+                  <a:srgbClr val="8CF4F2"/>
+                </a:solidFill>
+                <a:effectLst>
+                  <a:outerShdw blurRad="38100" dist="38100" dir="2700000" algn="tl">
+                    <a:srgbClr val="000000">
+                      <a:alpha val="43137"/>
+                    </a:srgbClr>
+                  </a:outerShdw>
+                </a:effectLst>
+                <a:latin typeface="Consolas" pitchFamily="49" charset="0"/>
+                <a:cs typeface="Consolas" pitchFamily="49" charset="0"/>
+              </a:rPr>
+              <a:t>Number :</a:t>
+            </a:r>
+            <a:r>
+              <a:rPr lang="en-US" b="1" noProof="1">
+                <a:solidFill>
+                  <a:srgbClr val="8CF4F2"/>
+                </a:solidFill>
+                <a:effectLst>
+                  <a:outerShdw blurRad="38100" dist="38100" dir="2700000" algn="tl">
+                    <a:srgbClr val="000000">
+                      <a:alpha val="43137"/>
+                    </a:srgbClr>
+                  </a:outerShdw>
+                </a:effectLst>
+                <a:latin typeface="Consolas" pitchFamily="49" charset="0"/>
+                <a:cs typeface="Consolas" pitchFamily="49" charset="0"/>
+              </a:rPr>
+              <a:t>'</a:t>
+            </a:r>
+            <a:r>
+              <a:rPr lang="en-US" b="1" noProof="1" smtClean="0">
+                <a:solidFill>
+                  <a:srgbClr val="8CF4F2"/>
+                </a:solidFill>
+                <a:effectLst>
+                  <a:outerShdw blurRad="38100" dist="38100" dir="2700000" algn="tl">
+                    <a:srgbClr val="000000">
+                      <a:alpha val="43137"/>
+                    </a:srgbClr>
+                  </a:outerShdw>
+                </a:effectLst>
+                <a:latin typeface="Consolas" pitchFamily="49" charset="0"/>
+                <a:cs typeface="Consolas" pitchFamily="49" charset="0"/>
+              </a:rPr>
+              <a:t> </a:t>
+            </a:r>
+            <a:r>
+              <a:rPr lang="en-US" b="1" noProof="1">
+                <a:solidFill>
+                  <a:srgbClr val="8CF4F2"/>
+                </a:solidFill>
+                <a:effectLst>
+                  <a:outerShdw blurRad="38100" dist="38100" dir="2700000" algn="tl">
+                    <a:srgbClr val="000000">
+                      <a:alpha val="43137"/>
+                    </a:srgbClr>
+                  </a:outerShdw>
+                </a:effectLst>
+                <a:latin typeface="Consolas" pitchFamily="49" charset="0"/>
+                <a:cs typeface="Consolas" pitchFamily="49" charset="0"/>
+              </a:rPr>
+              <a:t>+ number); </a:t>
+            </a:r>
+            <a:endParaRPr lang="en-US" b="1" noProof="1" smtClean="0">
+              <a:solidFill>
+                <a:srgbClr val="8CF4F2"/>
+              </a:solidFill>
+              <a:effectLst>
+                <a:outerShdw blurRad="38100" dist="38100" dir="2700000" algn="tl">
+                  <a:srgbClr val="000000">
+                    <a:alpha val="43137"/>
+                  </a:srgbClr>
+                </a:outerShdw>
+              </a:effectLst>
+              <a:latin typeface="Consolas" pitchFamily="49" charset="0"/>
+              <a:cs typeface="Consolas" pitchFamily="49" charset="0"/>
+            </a:endParaRPr>
+          </a:p>
+          <a:p>
+            <a:pPr eaLnBrk="0" hangingPunct="0">
+              <a:buClr>
+                <a:schemeClr val="accent5">
+                  <a:lumMod val="40000"/>
+                  <a:lumOff val="60000"/>
+                </a:schemeClr>
+              </a:buClr>
+              <a:buSzPct val="70000"/>
+            </a:pPr>
+            <a:r>
+              <a:rPr lang="en-US" b="1" noProof="1">
+                <a:solidFill>
+                  <a:srgbClr val="8CF4F2"/>
+                </a:solidFill>
+                <a:effectLst>
+                  <a:outerShdw blurRad="38100" dist="38100" dir="2700000" algn="tl">
+                    <a:srgbClr val="000000">
+                      <a:alpha val="43137"/>
+                    </a:srgbClr>
+                  </a:outerShdw>
+                </a:effectLst>
+                <a:latin typeface="Consolas" pitchFamily="49" charset="0"/>
+                <a:cs typeface="Consolas" pitchFamily="49" charset="0"/>
+              </a:rPr>
+              <a:t> </a:t>
+            </a:r>
+            <a:r>
+              <a:rPr lang="en-US" b="1" noProof="1" smtClean="0">
+                <a:solidFill>
+                  <a:srgbClr val="8CF4F2"/>
+                </a:solidFill>
+                <a:effectLst>
+                  <a:outerShdw blurRad="38100" dist="38100" dir="2700000" algn="tl">
+                    <a:srgbClr val="000000">
+                      <a:alpha val="43137"/>
+                    </a:srgbClr>
+                  </a:outerShdw>
+                </a:effectLst>
+                <a:latin typeface="Consolas" pitchFamily="49" charset="0"/>
+                <a:cs typeface="Consolas" pitchFamily="49" charset="0"/>
+              </a:rPr>
+              <a:t>     console.log (</a:t>
+            </a:r>
+            <a:r>
+              <a:rPr lang="en-US" b="1" noProof="1">
+                <a:solidFill>
+                  <a:srgbClr val="8CF4F2"/>
+                </a:solidFill>
+                <a:effectLst>
+                  <a:outerShdw blurRad="38100" dist="38100" dir="2700000" algn="tl">
+                    <a:srgbClr val="000000">
+                      <a:alpha val="43137"/>
+                    </a:srgbClr>
+                  </a:outerShdw>
+                </a:effectLst>
+                <a:latin typeface="Consolas" pitchFamily="49" charset="0"/>
+                <a:cs typeface="Consolas" pitchFamily="49" charset="0"/>
+              </a:rPr>
+              <a:t>'</a:t>
+            </a:r>
+            <a:r>
+              <a:rPr lang="en-US" b="1" noProof="1" smtClean="0">
+                <a:solidFill>
+                  <a:srgbClr val="8CF4F2"/>
+                </a:solidFill>
+                <a:effectLst>
+                  <a:outerShdw blurRad="38100" dist="38100" dir="2700000" algn="tl">
+                    <a:srgbClr val="000000">
+                      <a:alpha val="43137"/>
+                    </a:srgbClr>
+                  </a:outerShdw>
+                </a:effectLst>
+                <a:latin typeface="Consolas" pitchFamily="49" charset="0"/>
+                <a:cs typeface="Consolas" pitchFamily="49" charset="0"/>
+              </a:rPr>
+              <a:t>Text :</a:t>
+            </a:r>
+            <a:r>
+              <a:rPr lang="en-US" b="1" noProof="1">
+                <a:solidFill>
+                  <a:srgbClr val="8CF4F2"/>
+                </a:solidFill>
+                <a:effectLst>
+                  <a:outerShdw blurRad="38100" dist="38100" dir="2700000" algn="tl">
+                    <a:srgbClr val="000000">
+                      <a:alpha val="43137"/>
+                    </a:srgbClr>
+                  </a:outerShdw>
+                </a:effectLst>
+                <a:latin typeface="Consolas" pitchFamily="49" charset="0"/>
+                <a:cs typeface="Consolas" pitchFamily="49" charset="0"/>
+              </a:rPr>
+              <a:t>'</a:t>
+            </a:r>
+            <a:r>
+              <a:rPr lang="en-US" b="1" noProof="1" smtClean="0">
+                <a:solidFill>
+                  <a:srgbClr val="8CF4F2"/>
+                </a:solidFill>
+                <a:effectLst>
+                  <a:outerShdw blurRad="38100" dist="38100" dir="2700000" algn="tl">
+                    <a:srgbClr val="000000">
+                      <a:alpha val="43137"/>
+                    </a:srgbClr>
+                  </a:outerShdw>
+                </a:effectLst>
+                <a:latin typeface="Consolas" pitchFamily="49" charset="0"/>
+                <a:cs typeface="Consolas" pitchFamily="49" charset="0"/>
+              </a:rPr>
+              <a:t> </a:t>
+            </a:r>
+            <a:r>
+              <a:rPr lang="en-US" b="1" noProof="1">
+                <a:solidFill>
+                  <a:srgbClr val="8CF4F2"/>
+                </a:solidFill>
+                <a:effectLst>
+                  <a:outerShdw blurRad="38100" dist="38100" dir="2700000" algn="tl">
+                    <a:srgbClr val="000000">
+                      <a:alpha val="43137"/>
+                    </a:srgbClr>
+                  </a:outerShdw>
+                </a:effectLst>
+                <a:latin typeface="Consolas" pitchFamily="49" charset="0"/>
+                <a:cs typeface="Consolas" pitchFamily="49" charset="0"/>
+              </a:rPr>
+              <a:t>+ text</a:t>
+            </a:r>
+            <a:r>
+              <a:rPr lang="en-US" b="1" noProof="1" smtClean="0">
+                <a:solidFill>
+                  <a:srgbClr val="8CF4F2"/>
+                </a:solidFill>
+                <a:effectLst>
+                  <a:outerShdw blurRad="38100" dist="38100" dir="2700000" algn="tl">
+                    <a:srgbClr val="000000">
+                      <a:alpha val="43137"/>
+                    </a:srgbClr>
+                  </a:outerShdw>
+                </a:effectLst>
+                <a:latin typeface="Consolas" pitchFamily="49" charset="0"/>
+                <a:cs typeface="Consolas" pitchFamily="49" charset="0"/>
+              </a:rPr>
+              <a:t>);</a:t>
+            </a:r>
+          </a:p>
+          <a:p>
+            <a:pPr eaLnBrk="0" hangingPunct="0">
+              <a:buClr>
+                <a:schemeClr val="accent5">
+                  <a:lumMod val="40000"/>
+                  <a:lumOff val="60000"/>
+                </a:schemeClr>
+              </a:buClr>
+              <a:buSzPct val="70000"/>
+            </a:pPr>
+            <a:r>
+              <a:rPr lang="en-US" b="1" noProof="1">
+                <a:solidFill>
+                  <a:srgbClr val="8CF4F2"/>
+                </a:solidFill>
+                <a:effectLst>
+                  <a:outerShdw blurRad="38100" dist="38100" dir="2700000" algn="tl">
+                    <a:srgbClr val="000000">
+                      <a:alpha val="43137"/>
+                    </a:srgbClr>
+                  </a:outerShdw>
+                </a:effectLst>
+                <a:latin typeface="Consolas" pitchFamily="49" charset="0"/>
+                <a:cs typeface="Consolas" pitchFamily="49" charset="0"/>
+              </a:rPr>
+              <a:t> </a:t>
+            </a:r>
+            <a:r>
+              <a:rPr lang="en-US" b="1" noProof="1" smtClean="0">
+                <a:solidFill>
+                  <a:srgbClr val="8CF4F2"/>
+                </a:solidFill>
+                <a:effectLst>
+                  <a:outerShdw blurRad="38100" dist="38100" dir="2700000" algn="tl">
+                    <a:srgbClr val="000000">
+                      <a:alpha val="43137"/>
+                    </a:srgbClr>
+                  </a:outerShdw>
+                </a:effectLst>
+                <a:latin typeface="Consolas" pitchFamily="49" charset="0"/>
+                <a:cs typeface="Consolas" pitchFamily="49" charset="0"/>
+              </a:rPr>
+              <a:t>     break</a:t>
+            </a:r>
+            <a:r>
+              <a:rPr lang="en-US" b="1" noProof="1">
+                <a:solidFill>
+                  <a:srgbClr val="8CF4F2"/>
+                </a:solidFill>
+                <a:effectLst>
+                  <a:outerShdw blurRad="38100" dist="38100" dir="2700000" algn="tl">
+                    <a:srgbClr val="000000">
+                      <a:alpha val="43137"/>
+                    </a:srgbClr>
+                  </a:outerShdw>
+                </a:effectLst>
+                <a:latin typeface="Consolas" pitchFamily="49" charset="0"/>
+                <a:cs typeface="Consolas" pitchFamily="49" charset="0"/>
+              </a:rPr>
+              <a:t>;			</a:t>
+            </a:r>
+            <a:endParaRPr lang="en-US" b="1" noProof="1" smtClean="0">
+              <a:solidFill>
+                <a:srgbClr val="8CF4F2"/>
+              </a:solidFill>
+              <a:effectLst>
+                <a:outerShdw blurRad="38100" dist="38100" dir="2700000" algn="tl">
+                  <a:srgbClr val="000000">
+                    <a:alpha val="43137"/>
+                  </a:srgbClr>
+                </a:outerShdw>
+              </a:effectLst>
+              <a:latin typeface="Consolas" pitchFamily="49" charset="0"/>
+              <a:cs typeface="Consolas" pitchFamily="49" charset="0"/>
+            </a:endParaRPr>
+          </a:p>
+          <a:p>
+            <a:pPr eaLnBrk="0" hangingPunct="0">
+              <a:buClr>
+                <a:schemeClr val="accent5">
+                  <a:lumMod val="40000"/>
+                  <a:lumOff val="60000"/>
+                </a:schemeClr>
+              </a:buClr>
+              <a:buSzPct val="70000"/>
+            </a:pPr>
+            <a:r>
+              <a:rPr lang="en-US" b="1" noProof="1">
+                <a:solidFill>
+                  <a:srgbClr val="8CF4F2"/>
+                </a:solidFill>
+                <a:effectLst>
+                  <a:outerShdw blurRad="38100" dist="38100" dir="2700000" algn="tl">
+                    <a:srgbClr val="000000">
+                      <a:alpha val="43137"/>
+                    </a:srgbClr>
+                  </a:outerShdw>
+                </a:effectLst>
+                <a:latin typeface="Consolas" pitchFamily="49" charset="0"/>
+                <a:cs typeface="Consolas" pitchFamily="49" charset="0"/>
+              </a:rPr>
+              <a:t> </a:t>
+            </a:r>
+            <a:r>
+              <a:rPr lang="en-US" b="1" noProof="1" smtClean="0">
+                <a:solidFill>
+                  <a:srgbClr val="8CF4F2"/>
+                </a:solidFill>
+                <a:effectLst>
+                  <a:outerShdw blurRad="38100" dist="38100" dir="2700000" algn="tl">
+                    <a:srgbClr val="000000">
+                      <a:alpha val="43137"/>
+                    </a:srgbClr>
+                  </a:outerShdw>
+                </a:effectLst>
+                <a:latin typeface="Consolas" pitchFamily="49" charset="0"/>
+                <a:cs typeface="Consolas" pitchFamily="49" charset="0"/>
+              </a:rPr>
+              <a:t> }</a:t>
+            </a:r>
+            <a:endParaRPr lang="en-US" b="1" noProof="1">
+              <a:solidFill>
+                <a:srgbClr val="8CF4F2"/>
+              </a:solidFill>
+              <a:effectLst>
+                <a:outerShdw blurRad="38100" dist="38100" dir="2700000" algn="tl">
+                  <a:srgbClr val="000000">
+                    <a:alpha val="43137"/>
+                  </a:srgbClr>
+                </a:outerShdw>
+              </a:effectLst>
+              <a:latin typeface="Consolas" pitchFamily="49" charset="0"/>
+              <a:cs typeface="Consolas" pitchFamily="49" charset="0"/>
+            </a:endParaRPr>
+          </a:p>
+          <a:p>
+            <a:pPr eaLnBrk="0" hangingPunct="0">
+              <a:buClr>
+                <a:schemeClr val="accent5">
+                  <a:lumMod val="40000"/>
+                  <a:lumOff val="60000"/>
+                </a:schemeClr>
+              </a:buClr>
+              <a:buSzPct val="70000"/>
+            </a:pPr>
+            <a:r>
+              <a:rPr lang="en-US" b="1" noProof="1" smtClean="0">
+                <a:solidFill>
+                  <a:srgbClr val="8CF4F2"/>
+                </a:solidFill>
+                <a:effectLst>
+                  <a:outerShdw blurRad="38100" dist="38100" dir="2700000" algn="tl">
+                    <a:srgbClr val="000000">
+                      <a:alpha val="43137"/>
+                    </a:srgbClr>
+                  </a:outerShdw>
+                </a:effectLst>
+                <a:latin typeface="Consolas" pitchFamily="49" charset="0"/>
+                <a:cs typeface="Consolas" pitchFamily="49" charset="0"/>
+              </a:rPr>
+              <a:t>}</a:t>
+            </a:r>
+            <a:endParaRPr lang="en-US" b="1" noProof="1">
+              <a:solidFill>
+                <a:srgbClr val="8CF4F2"/>
+              </a:solidFill>
+              <a:effectLst>
+                <a:outerShdw blurRad="38100" dist="38100" dir="2700000" algn="tl">
+                  <a:srgbClr val="000000">
+                    <a:alpha val="43137"/>
+                  </a:srgbClr>
+                </a:outerShdw>
+              </a:effectLst>
+              <a:latin typeface="Consolas" pitchFamily="49" charset="0"/>
+              <a:cs typeface="Consolas" pitchFamily="49" charset="0"/>
+            </a:endParaRPr>
+          </a:p>
+          <a:p>
+            <a:pPr eaLnBrk="0" hangingPunct="0">
+              <a:spcBef>
+                <a:spcPts val="600"/>
+              </a:spcBef>
+              <a:buClr>
+                <a:schemeClr val="accent5">
+                  <a:lumMod val="40000"/>
+                  <a:lumOff val="60000"/>
+                </a:schemeClr>
+              </a:buClr>
+              <a:buSzPct val="70000"/>
+            </a:pPr>
+            <a:r>
+              <a:rPr lang="en-US" b="1" noProof="1" smtClean="0">
+                <a:solidFill>
+                  <a:srgbClr val="8CF4F2"/>
+                </a:solidFill>
+                <a:effectLst>
+                  <a:outerShdw blurRad="38100" dist="38100" dir="2700000" algn="tl">
+                    <a:srgbClr val="000000">
+                      <a:alpha val="43137"/>
+                    </a:srgbClr>
+                  </a:outerShdw>
+                </a:effectLst>
+                <a:latin typeface="Consolas" pitchFamily="49" charset="0"/>
+                <a:cs typeface="Consolas" pitchFamily="49" charset="0"/>
+              </a:rPr>
+              <a:t>printText (</a:t>
+            </a:r>
+            <a:r>
+              <a:rPr lang="en-US" b="1" noProof="1">
+                <a:solidFill>
+                  <a:srgbClr val="8CF4F2"/>
+                </a:solidFill>
+                <a:effectLst>
+                  <a:outerShdw blurRad="38100" dist="38100" dir="2700000" algn="tl">
+                    <a:srgbClr val="000000">
+                      <a:alpha val="43137"/>
+                    </a:srgbClr>
+                  </a:outerShdw>
+                </a:effectLst>
+                <a:latin typeface="Consolas" pitchFamily="49" charset="0"/>
+                <a:cs typeface="Consolas" pitchFamily="49" charset="0"/>
+              </a:rPr>
+              <a:t>5</a:t>
+            </a:r>
+            <a:r>
+              <a:rPr lang="en-US" b="1" noProof="1" smtClean="0">
+                <a:solidFill>
+                  <a:srgbClr val="8CF4F2"/>
+                </a:solidFill>
+                <a:effectLst>
+                  <a:outerShdw blurRad="38100" dist="38100" dir="2700000" algn="tl">
+                    <a:srgbClr val="000000">
+                      <a:alpha val="43137"/>
+                    </a:srgbClr>
+                  </a:outerShdw>
+                </a:effectLst>
+                <a:latin typeface="Consolas" pitchFamily="49" charset="0"/>
+                <a:cs typeface="Consolas" pitchFamily="49" charset="0"/>
+              </a:rPr>
+              <a:t>); //logs 5</a:t>
+            </a:r>
+            <a:endParaRPr lang="en-US" b="1" noProof="1">
+              <a:solidFill>
+                <a:srgbClr val="8CF4F2"/>
+              </a:solidFill>
+              <a:effectLst>
+                <a:outerShdw blurRad="38100" dist="38100" dir="2700000" algn="tl">
+                  <a:srgbClr val="000000">
+                    <a:alpha val="43137"/>
+                  </a:srgbClr>
+                </a:outerShdw>
+              </a:effectLst>
+              <a:latin typeface="Consolas" pitchFamily="49" charset="0"/>
+              <a:cs typeface="Consolas" pitchFamily="49" charset="0"/>
+            </a:endParaRPr>
+          </a:p>
+          <a:p>
+            <a:pPr eaLnBrk="0" hangingPunct="0">
+              <a:buClr>
+                <a:schemeClr val="accent5">
+                  <a:lumMod val="40000"/>
+                  <a:lumOff val="60000"/>
+                </a:schemeClr>
+              </a:buClr>
+              <a:buSzPct val="70000"/>
+            </a:pPr>
+            <a:r>
+              <a:rPr lang="en-US" b="1" noProof="1" smtClean="0">
+                <a:solidFill>
+                  <a:srgbClr val="8CF4F2"/>
+                </a:solidFill>
+                <a:effectLst>
+                  <a:outerShdw blurRad="38100" dist="38100" dir="2700000" algn="tl">
+                    <a:srgbClr val="000000">
+                      <a:alpha val="43137"/>
+                    </a:srgbClr>
+                  </a:outerShdw>
+                </a:effectLst>
+                <a:latin typeface="Consolas" pitchFamily="49" charset="0"/>
+                <a:cs typeface="Consolas" pitchFamily="49" charset="0"/>
+              </a:rPr>
+              <a:t>printText (5,</a:t>
+            </a:r>
+            <a:r>
+              <a:rPr lang="en-US" b="1" noProof="1">
+                <a:solidFill>
+                  <a:srgbClr val="8CF4F2"/>
+                </a:solidFill>
+                <a:effectLst>
+                  <a:outerShdw blurRad="38100" dist="38100" dir="2700000" algn="tl">
+                    <a:srgbClr val="000000">
+                      <a:alpha val="43137"/>
+                    </a:srgbClr>
+                  </a:outerShdw>
+                </a:effectLst>
+                <a:latin typeface="Consolas" pitchFamily="49" charset="0"/>
+                <a:cs typeface="Consolas" pitchFamily="49" charset="0"/>
+              </a:rPr>
+              <a:t> '</a:t>
+            </a:r>
+            <a:r>
+              <a:rPr lang="en-US" b="1" noProof="1" smtClean="0">
+                <a:solidFill>
+                  <a:srgbClr val="8CF4F2"/>
+                </a:solidFill>
+                <a:effectLst>
+                  <a:outerShdw blurRad="38100" dist="38100" dir="2700000" algn="tl">
+                    <a:srgbClr val="000000">
+                      <a:alpha val="43137"/>
+                    </a:srgbClr>
+                  </a:outerShdw>
+                </a:effectLst>
+                <a:latin typeface="Consolas" pitchFamily="49" charset="0"/>
+                <a:cs typeface="Consolas" pitchFamily="49" charset="0"/>
+              </a:rPr>
+              <a:t>Lorem Ipsum</a:t>
+            </a:r>
+            <a:r>
+              <a:rPr lang="en-US" b="1" noProof="1">
+                <a:solidFill>
+                  <a:srgbClr val="8CF4F2"/>
+                </a:solidFill>
+                <a:effectLst>
+                  <a:outerShdw blurRad="38100" dist="38100" dir="2700000" algn="tl">
+                    <a:srgbClr val="000000">
+                      <a:alpha val="43137"/>
+                    </a:srgbClr>
+                  </a:outerShdw>
+                </a:effectLst>
+                <a:latin typeface="Consolas" pitchFamily="49" charset="0"/>
+                <a:cs typeface="Consolas" pitchFamily="49" charset="0"/>
+              </a:rPr>
+              <a:t>'</a:t>
+            </a:r>
+            <a:r>
+              <a:rPr lang="en-US" b="1" noProof="1" smtClean="0">
+                <a:solidFill>
+                  <a:srgbClr val="8CF4F2"/>
+                </a:solidFill>
+                <a:effectLst>
+                  <a:outerShdw blurRad="38100" dist="38100" dir="2700000" algn="tl">
+                    <a:srgbClr val="000000">
+                      <a:alpha val="43137"/>
+                    </a:srgbClr>
+                  </a:outerShdw>
+                </a:effectLst>
+                <a:latin typeface="Consolas" pitchFamily="49" charset="0"/>
+                <a:cs typeface="Consolas" pitchFamily="49" charset="0"/>
+              </a:rPr>
+              <a:t>); //logs 5 and Lorem Ipsum</a:t>
+            </a:r>
+            <a:endParaRPr lang="en-US" b="1" noProof="1">
+              <a:solidFill>
+                <a:srgbClr val="8CF4F2"/>
+              </a:solidFill>
+              <a:effectLst>
+                <a:outerShdw blurRad="38100" dist="38100" dir="2700000" algn="tl">
+                  <a:srgbClr val="000000">
+                    <a:alpha val="43137"/>
+                  </a:srgbClr>
+                </a:outerShdw>
+              </a:effectLst>
+              <a:latin typeface="Consolas" pitchFamily="49" charset="0"/>
+              <a:cs typeface="Consolas" pitchFamily="49" charset="0"/>
+            </a:endParaRPr>
+          </a:p>
+        </p:txBody>
+      </p:sp>
+    </p:spTree>
+    <p:extLst>
+      <p:ext uri="{BB962C8B-B14F-4D97-AF65-F5344CB8AC3E}">
+        <p14:creationId xmlns:p14="http://schemas.microsoft.com/office/powerpoint/2010/main" val="1080612233"/>
+      </p:ext>
+    </p:extLst>
+  </p:cSld>
+  <p:clrMapOvr>
+    <a:masterClrMapping/>
+  </p:clrMapOvr>
+</p:sld>
+</file>
+
+<file path=ppt/slides/slide13.xml><?xml version="1.0" encoding="utf-8"?>
+<p:sld xmlns:a="http://schemas.openxmlformats.org/drawingml/2006/main" xmlns:r="http://schemas.openxmlformats.org/officeDocument/2006/relationships" xmlns:p="http://schemas.openxmlformats.org/presentationml/2006/main">
+  <p:cSld>
+    <p:spTree>
+      <p:nvGrpSpPr>
+        <p:cNvPr id="1" name=""/>
+        <p:cNvGrpSpPr/>
+        <p:nvPr/>
+      </p:nvGrpSpPr>
+      <p:grpSpPr>
+        <a:xfrm>
+          <a:off x="0" y="0"/>
+          <a:ext cx="0" cy="0"/>
+          <a:chOff x="0" y="0"/>
+          <a:chExt cx="0" cy="0"/>
+        </a:xfrm>
+      </p:grpSpPr>
+      <p:sp>
+        <p:nvSpPr>
+          <p:cNvPr id="2" name="Title 1"/>
+          <p:cNvSpPr>
+            <a:spLocks noGrp="1"/>
+          </p:cNvSpPr>
+          <p:nvPr>
+            <p:ph type="title"/>
+          </p:nvPr>
+        </p:nvSpPr>
+        <p:spPr/>
+        <p:txBody>
+          <a:bodyPr/>
+          <a:lstStyle/>
+          <a:p>
+            <a:r>
+              <a:rPr lang="bg-BG" dirty="0" smtClean="0"/>
+              <a:t>Параметри по подразбиране</a:t>
+            </a:r>
+            <a:endParaRPr lang="en-US" dirty="0"/>
+          </a:p>
+        </p:txBody>
+      </p:sp>
+      <p:sp>
+        <p:nvSpPr>
+          <p:cNvPr id="3" name="Content Placeholder 2"/>
+          <p:cNvSpPr>
+            <a:spLocks noGrp="1"/>
+          </p:cNvSpPr>
+          <p:nvPr>
+            <p:ph sz="half" idx="1"/>
+          </p:nvPr>
+        </p:nvSpPr>
+        <p:spPr>
+          <a:xfrm>
+            <a:off x="1484312" y="2438399"/>
+            <a:ext cx="5313653" cy="3352801"/>
+          </a:xfrm>
+        </p:spPr>
+        <p:txBody>
+          <a:bodyPr/>
+          <a:lstStyle/>
+          <a:p>
+            <a:r>
+              <a:rPr lang="bg-BG" i="1" dirty="0" smtClean="0"/>
+              <a:t>Параметри по подразбиране за пръв път са представени в </a:t>
+            </a:r>
+            <a:r>
+              <a:rPr lang="en-US" i="1" dirty="0" smtClean="0"/>
+              <a:t>EcmaScript</a:t>
+            </a:r>
+            <a:r>
+              <a:rPr lang="bg-BG" i="1" dirty="0" smtClean="0"/>
+              <a:t>2015</a:t>
+            </a:r>
+            <a:endParaRPr lang="en-US" i="1" dirty="0"/>
+          </a:p>
+          <a:p>
+            <a:pPr lvl="1"/>
+            <a:r>
+              <a:rPr lang="bg-BG" i="1" dirty="0" smtClean="0"/>
+              <a:t>Поддържат се само в последните версии на браузърите</a:t>
+            </a:r>
+          </a:p>
+          <a:p>
+            <a:pPr lvl="1"/>
+            <a:r>
+              <a:rPr lang="bg-BG" i="1" dirty="0" smtClean="0"/>
+              <a:t>Необходими са </a:t>
+            </a:r>
+            <a:r>
+              <a:rPr lang="en-US" i="1" dirty="0" smtClean="0"/>
+              <a:t>shim-</a:t>
+            </a:r>
+            <a:r>
+              <a:rPr lang="bg-BG" i="1" dirty="0" smtClean="0"/>
+              <a:t>ове за по-стари версии</a:t>
+            </a:r>
+          </a:p>
+          <a:p>
+            <a:r>
+              <a:rPr lang="bg-BG" dirty="0" smtClean="0"/>
+              <a:t>Все пак</a:t>
+            </a:r>
+            <a:r>
+              <a:rPr lang="en-US" dirty="0" smtClean="0"/>
+              <a:t> JS</a:t>
+            </a:r>
+            <a:r>
+              <a:rPr lang="bg-BG" dirty="0" smtClean="0"/>
+              <a:t> дава възможност да бъдат зададени дефолтни стойности, ако няма такива въведени</a:t>
+            </a:r>
+            <a:endParaRPr lang="en-US" dirty="0"/>
+          </a:p>
+        </p:txBody>
+      </p:sp>
+      <p:sp>
+        <p:nvSpPr>
+          <p:cNvPr id="5" name="Rectangle 4"/>
+          <p:cNvSpPr>
+            <a:spLocks noChangeArrowheads="1"/>
+          </p:cNvSpPr>
+          <p:nvPr/>
+        </p:nvSpPr>
+        <p:spPr bwMode="auto">
+          <a:xfrm>
+            <a:off x="6797965" y="2438399"/>
+            <a:ext cx="5200072" cy="923330"/>
+          </a:xfrm>
+          <a:prstGeom prst="rect">
+            <a:avLst/>
+          </a:prstGeom>
+          <a:ln/>
+        </p:spPr>
+        <p:style>
+          <a:lnRef idx="0">
+            <a:schemeClr val="accent1"/>
+          </a:lnRef>
+          <a:fillRef idx="3">
+            <a:schemeClr val="accent1"/>
+          </a:fillRef>
+          <a:effectRef idx="3">
+            <a:schemeClr val="accent1"/>
+          </a:effectRef>
+          <a:fontRef idx="minor">
+            <a:schemeClr val="lt1"/>
+          </a:fontRef>
+        </p:style>
+        <p:txBody>
+          <a:bodyPr wrap="square">
+            <a:spAutoFit/>
+          </a:bodyPr>
+          <a:lstStyle/>
+          <a:p>
+            <a:pPr eaLnBrk="0" hangingPunct="0">
+              <a:buClr>
+                <a:schemeClr val="accent5">
+                  <a:lumMod val="40000"/>
+                  <a:lumOff val="60000"/>
+                </a:schemeClr>
+              </a:buClr>
+              <a:buSzPct val="70000"/>
+            </a:pPr>
+            <a:r>
+              <a:rPr lang="en-US" b="1" noProof="1">
+                <a:solidFill>
+                  <a:srgbClr val="8CF4F2"/>
+                </a:solidFill>
+                <a:effectLst>
+                  <a:outerShdw blurRad="38100" dist="38100" dir="2700000" algn="tl">
+                    <a:srgbClr val="000000">
+                      <a:alpha val="43137"/>
+                    </a:srgbClr>
+                  </a:outerShdw>
+                </a:effectLst>
+                <a:latin typeface="Consolas" pitchFamily="49" charset="0"/>
+                <a:cs typeface="Consolas" pitchFamily="49" charset="0"/>
+              </a:rPr>
+              <a:t>function calculateSurface(a = 5, b </a:t>
+            </a:r>
+            <a:r>
+              <a:rPr lang="en-US" b="1" noProof="1">
+                <a:solidFill>
+                  <a:srgbClr val="8CF4F2"/>
+                </a:solidFill>
+                <a:effectLst>
+                  <a:outerShdw blurRad="38100" dist="38100" dir="2700000" algn="tl">
+                    <a:srgbClr val="000000">
+                      <a:alpha val="43137"/>
+                    </a:srgbClr>
+                  </a:outerShdw>
+                </a:effectLst>
+                <a:latin typeface="Consolas" pitchFamily="49" charset="0"/>
+                <a:cs typeface="Consolas" pitchFamily="49" charset="0"/>
+              </a:rPr>
+              <a:t>= </a:t>
+            </a:r>
+            <a:r>
+              <a:rPr lang="en-US" b="1" noProof="1" smtClean="0">
+                <a:solidFill>
+                  <a:srgbClr val="8CF4F2"/>
+                </a:solidFill>
+                <a:effectLst>
+                  <a:outerShdw blurRad="38100" dist="38100" dir="2700000" algn="tl">
+                    <a:srgbClr val="000000">
+                      <a:alpha val="43137"/>
+                    </a:srgbClr>
+                  </a:outerShdw>
+                </a:effectLst>
+                <a:latin typeface="Consolas" pitchFamily="49" charset="0"/>
+                <a:cs typeface="Consolas" pitchFamily="49" charset="0"/>
+              </a:rPr>
+              <a:t>8)</a:t>
+            </a:r>
+            <a:r>
+              <a:rPr lang="en-US" b="1" noProof="1">
+                <a:solidFill>
+                  <a:srgbClr val="8CF4F2"/>
+                </a:solidFill>
+                <a:effectLst>
+                  <a:outerShdw blurRad="38100" dist="38100" dir="2700000" algn="tl">
+                    <a:srgbClr val="000000">
+                      <a:alpha val="43137"/>
+                    </a:srgbClr>
+                  </a:outerShdw>
+                </a:effectLst>
+                <a:latin typeface="Consolas" pitchFamily="49" charset="0"/>
+                <a:cs typeface="Consolas" pitchFamily="49" charset="0"/>
+              </a:rPr>
+              <a:t>{</a:t>
+            </a:r>
+            <a:r>
+              <a:rPr lang="en-US" b="1" noProof="1" smtClean="0">
+                <a:solidFill>
+                  <a:srgbClr val="8CF4F2"/>
+                </a:solidFill>
+                <a:effectLst>
+                  <a:outerShdw blurRad="38100" dist="38100" dir="2700000" algn="tl">
+                    <a:srgbClr val="000000">
+                      <a:alpha val="43137"/>
+                    </a:srgbClr>
+                  </a:outerShdw>
+                </a:effectLst>
+                <a:latin typeface="Consolas" pitchFamily="49" charset="0"/>
+                <a:cs typeface="Consolas" pitchFamily="49" charset="0"/>
+              </a:rPr>
+              <a:t>                        	return </a:t>
+            </a:r>
+            <a:r>
+              <a:rPr lang="en-US" b="1" noProof="1">
+                <a:solidFill>
+                  <a:srgbClr val="8CF4F2"/>
+                </a:solidFill>
+                <a:effectLst>
+                  <a:outerShdw blurRad="38100" dist="38100" dir="2700000" algn="tl">
+                    <a:srgbClr val="000000">
+                      <a:alpha val="43137"/>
+                    </a:srgbClr>
+                  </a:outerShdw>
+                </a:effectLst>
+                <a:latin typeface="Consolas" pitchFamily="49" charset="0"/>
+                <a:cs typeface="Consolas" pitchFamily="49" charset="0"/>
+              </a:rPr>
+              <a:t>a * b;</a:t>
+            </a:r>
+          </a:p>
+          <a:p>
+            <a:pPr eaLnBrk="0" hangingPunct="0">
+              <a:buClr>
+                <a:schemeClr val="accent5">
+                  <a:lumMod val="40000"/>
+                  <a:lumOff val="60000"/>
+                </a:schemeClr>
+              </a:buClr>
+              <a:buSzPct val="70000"/>
+            </a:pPr>
+            <a:r>
+              <a:rPr lang="en-US" b="1" noProof="1" smtClean="0">
+                <a:solidFill>
+                  <a:srgbClr val="8CF4F2"/>
+                </a:solidFill>
+                <a:effectLst>
+                  <a:outerShdw blurRad="38100" dist="38100" dir="2700000" algn="tl">
+                    <a:srgbClr val="000000">
+                      <a:alpha val="43137"/>
+                    </a:srgbClr>
+                  </a:outerShdw>
+                </a:effectLst>
+                <a:latin typeface="Consolas" pitchFamily="49" charset="0"/>
+                <a:cs typeface="Consolas" pitchFamily="49" charset="0"/>
+              </a:rPr>
+              <a:t>}</a:t>
+            </a:r>
+            <a:endParaRPr lang="en-US" b="1" noProof="1">
+              <a:solidFill>
+                <a:srgbClr val="8CF4F2"/>
+              </a:solidFill>
+              <a:effectLst>
+                <a:outerShdw blurRad="38100" dist="38100" dir="2700000" algn="tl">
+                  <a:srgbClr val="000000">
+                    <a:alpha val="43137"/>
+                  </a:srgbClr>
+                </a:outerShdw>
+              </a:effectLst>
+              <a:latin typeface="Consolas" pitchFamily="49" charset="0"/>
+              <a:cs typeface="Consolas" pitchFamily="49" charset="0"/>
+            </a:endParaRPr>
+          </a:p>
+        </p:txBody>
+      </p:sp>
+      <p:sp>
+        <p:nvSpPr>
+          <p:cNvPr id="6" name="Rectangle 5"/>
+          <p:cNvSpPr>
+            <a:spLocks noChangeArrowheads="1"/>
+          </p:cNvSpPr>
+          <p:nvPr/>
+        </p:nvSpPr>
+        <p:spPr bwMode="auto">
+          <a:xfrm>
+            <a:off x="6797965" y="4036874"/>
+            <a:ext cx="5200072" cy="1754326"/>
+          </a:xfrm>
+          <a:prstGeom prst="rect">
+            <a:avLst/>
+          </a:prstGeom>
+          <a:ln/>
+        </p:spPr>
+        <p:style>
+          <a:lnRef idx="0">
+            <a:schemeClr val="accent1"/>
+          </a:lnRef>
+          <a:fillRef idx="3">
+            <a:schemeClr val="accent1"/>
+          </a:fillRef>
+          <a:effectRef idx="3">
+            <a:schemeClr val="accent1"/>
+          </a:effectRef>
+          <a:fontRef idx="minor">
+            <a:schemeClr val="lt1"/>
+          </a:fontRef>
+        </p:style>
+        <p:txBody>
+          <a:bodyPr wrap="square">
+            <a:spAutoFit/>
+          </a:bodyPr>
+          <a:lstStyle/>
+          <a:p>
+            <a:pPr eaLnBrk="0" hangingPunct="0">
+              <a:buClr>
+                <a:schemeClr val="accent5">
+                  <a:lumMod val="40000"/>
+                  <a:lumOff val="60000"/>
+                </a:schemeClr>
+              </a:buClr>
+              <a:buSzPct val="70000"/>
+            </a:pPr>
+            <a:r>
+              <a:rPr lang="en-US" b="1" noProof="1">
+                <a:solidFill>
+                  <a:srgbClr val="8CF4F2"/>
+                </a:solidFill>
+                <a:effectLst>
+                  <a:outerShdw blurRad="38100" dist="38100" dir="2700000" algn="tl">
+                    <a:srgbClr val="000000">
+                      <a:alpha val="43137"/>
+                    </a:srgbClr>
+                  </a:outerShdw>
+                </a:effectLst>
+                <a:latin typeface="Consolas" pitchFamily="49" charset="0"/>
+                <a:cs typeface="Consolas" pitchFamily="49" charset="0"/>
+              </a:rPr>
+              <a:t>function calculateSurface(a, b) {</a:t>
+            </a:r>
+          </a:p>
+          <a:p>
+            <a:pPr eaLnBrk="0" hangingPunct="0">
+              <a:buClr>
+                <a:schemeClr val="accent5">
+                  <a:lumMod val="40000"/>
+                  <a:lumOff val="60000"/>
+                </a:schemeClr>
+              </a:buClr>
+              <a:buSzPct val="70000"/>
+            </a:pPr>
+            <a:r>
+              <a:rPr lang="en-US" b="1" noProof="1">
+                <a:solidFill>
+                  <a:srgbClr val="8CF4F2"/>
+                </a:solidFill>
+                <a:effectLst>
+                  <a:outerShdw blurRad="38100" dist="38100" dir="2700000" algn="tl">
+                    <a:srgbClr val="000000">
+                      <a:alpha val="43137"/>
+                    </a:srgbClr>
+                  </a:outerShdw>
+                </a:effectLst>
+                <a:latin typeface="Consolas" pitchFamily="49" charset="0"/>
+                <a:cs typeface="Consolas" pitchFamily="49" charset="0"/>
+              </a:rPr>
+              <a:t>    a = a || 5;</a:t>
+            </a:r>
+          </a:p>
+          <a:p>
+            <a:pPr eaLnBrk="0" hangingPunct="0">
+              <a:buClr>
+                <a:schemeClr val="accent5">
+                  <a:lumMod val="40000"/>
+                  <a:lumOff val="60000"/>
+                </a:schemeClr>
+              </a:buClr>
+              <a:buSzPct val="70000"/>
+            </a:pPr>
+            <a:r>
+              <a:rPr lang="en-US" b="1" noProof="1">
+                <a:solidFill>
+                  <a:srgbClr val="8CF4F2"/>
+                </a:solidFill>
+                <a:effectLst>
+                  <a:outerShdw blurRad="38100" dist="38100" dir="2700000" algn="tl">
+                    <a:srgbClr val="000000">
+                      <a:alpha val="43137"/>
+                    </a:srgbClr>
+                  </a:outerShdw>
+                </a:effectLst>
+                <a:latin typeface="Consolas" pitchFamily="49" charset="0"/>
+                <a:cs typeface="Consolas" pitchFamily="49" charset="0"/>
+              </a:rPr>
+              <a:t>    b = b || 8;</a:t>
+            </a:r>
+          </a:p>
+          <a:p>
+            <a:pPr eaLnBrk="0" hangingPunct="0">
+              <a:buClr>
+                <a:schemeClr val="accent5">
+                  <a:lumMod val="40000"/>
+                  <a:lumOff val="60000"/>
+                </a:schemeClr>
+              </a:buClr>
+              <a:buSzPct val="70000"/>
+            </a:pPr>
+            <a:endParaRPr lang="en-US" b="1" noProof="1">
+              <a:solidFill>
+                <a:srgbClr val="8CF4F2"/>
+              </a:solidFill>
+              <a:effectLst>
+                <a:outerShdw blurRad="38100" dist="38100" dir="2700000" algn="tl">
+                  <a:srgbClr val="000000">
+                    <a:alpha val="43137"/>
+                  </a:srgbClr>
+                </a:outerShdw>
+              </a:effectLst>
+              <a:latin typeface="Consolas" pitchFamily="49" charset="0"/>
+              <a:cs typeface="Consolas" pitchFamily="49" charset="0"/>
+            </a:endParaRPr>
+          </a:p>
+          <a:p>
+            <a:pPr eaLnBrk="0" hangingPunct="0">
+              <a:buClr>
+                <a:schemeClr val="accent5">
+                  <a:lumMod val="40000"/>
+                  <a:lumOff val="60000"/>
+                </a:schemeClr>
+              </a:buClr>
+              <a:buSzPct val="70000"/>
+            </a:pPr>
+            <a:r>
+              <a:rPr lang="en-US" b="1" noProof="1">
+                <a:solidFill>
+                  <a:srgbClr val="8CF4F2"/>
+                </a:solidFill>
+                <a:effectLst>
+                  <a:outerShdw blurRad="38100" dist="38100" dir="2700000" algn="tl">
+                    <a:srgbClr val="000000">
+                      <a:alpha val="43137"/>
+                    </a:srgbClr>
+                  </a:outerShdw>
+                </a:effectLst>
+                <a:latin typeface="Consolas" pitchFamily="49" charset="0"/>
+                <a:cs typeface="Consolas" pitchFamily="49" charset="0"/>
+              </a:rPr>
+              <a:t>    return a * b;</a:t>
+            </a:r>
+          </a:p>
+          <a:p>
+            <a:pPr eaLnBrk="0" hangingPunct="0">
+              <a:buClr>
+                <a:schemeClr val="accent5">
+                  <a:lumMod val="40000"/>
+                  <a:lumOff val="60000"/>
+                </a:schemeClr>
+              </a:buClr>
+              <a:buSzPct val="70000"/>
+            </a:pPr>
+            <a:r>
+              <a:rPr lang="en-US" b="1" noProof="1">
+                <a:solidFill>
+                  <a:srgbClr val="8CF4F2"/>
+                </a:solidFill>
+                <a:effectLst>
+                  <a:outerShdw blurRad="38100" dist="38100" dir="2700000" algn="tl">
+                    <a:srgbClr val="000000">
+                      <a:alpha val="43137"/>
+                    </a:srgbClr>
+                  </a:outerShdw>
+                </a:effectLst>
+                <a:latin typeface="Consolas" pitchFamily="49" charset="0"/>
+                <a:cs typeface="Consolas" pitchFamily="49" charset="0"/>
+              </a:rPr>
+              <a:t>}</a:t>
+            </a:r>
+            <a:endParaRPr lang="en-US" b="1" noProof="1">
+              <a:solidFill>
+                <a:srgbClr val="8CF4F2"/>
+              </a:solidFill>
+              <a:effectLst>
+                <a:outerShdw blurRad="38100" dist="38100" dir="2700000" algn="tl">
+                  <a:srgbClr val="000000">
+                    <a:alpha val="43137"/>
+                  </a:srgbClr>
+                </a:outerShdw>
+              </a:effectLst>
+              <a:latin typeface="Consolas" pitchFamily="49" charset="0"/>
+              <a:cs typeface="Consolas" pitchFamily="49" charset="0"/>
+            </a:endParaRPr>
+          </a:p>
+        </p:txBody>
+      </p:sp>
+    </p:spTree>
+    <p:extLst>
+      <p:ext uri="{BB962C8B-B14F-4D97-AF65-F5344CB8AC3E}">
+        <p14:creationId xmlns:p14="http://schemas.microsoft.com/office/powerpoint/2010/main" val="2945926771"/>
+      </p:ext>
+    </p:extLst>
+  </p:cSld>
+  <p:clrMapOvr>
+    <a:masterClrMapping/>
+  </p:clrMapOvr>
+  <p:timing>
+    <p:tnLst>
+      <p:par>
+        <p:cTn id="1" dur="indefinite" restart="never" nodeType="tmRoot"/>
+      </p:par>
+    </p:tnLst>
+  </p:timing>
+</p:sld>
+</file>
+
+<file path=ppt/slides/slide14.xml><?xml version="1.0" encoding="utf-8"?>
+<p:sld xmlns:a="http://schemas.openxmlformats.org/drawingml/2006/main" xmlns:r="http://schemas.openxmlformats.org/officeDocument/2006/relationships" xmlns:p="http://schemas.openxmlformats.org/presentationml/2006/main">
+  <p:cSld>
+    <p:spTree>
+      <p:nvGrpSpPr>
+        <p:cNvPr id="1" name=""/>
+        <p:cNvGrpSpPr/>
+        <p:nvPr/>
+      </p:nvGrpSpPr>
+      <p:grpSpPr>
+        <a:xfrm>
+          <a:off x="0" y="0"/>
+          <a:ext cx="0" cy="0"/>
+          <a:chOff x="0" y="0"/>
+          <a:chExt cx="0" cy="0"/>
+        </a:xfrm>
+      </p:grpSpPr>
+      <p:sp>
+        <p:nvSpPr>
+          <p:cNvPr id="2" name="Title 1"/>
+          <p:cNvSpPr>
+            <a:spLocks noGrp="1"/>
+          </p:cNvSpPr>
+          <p:nvPr>
+            <p:ph type="title"/>
+          </p:nvPr>
+        </p:nvSpPr>
+        <p:spPr/>
+        <p:txBody>
+          <a:bodyPr/>
+          <a:lstStyle/>
+          <a:p>
+            <a:r>
+              <a:rPr lang="bg-BG" dirty="0" smtClean="0"/>
+              <a:t>Обхват на функциите </a:t>
+            </a:r>
+            <a:endParaRPr lang="en-US" dirty="0"/>
+          </a:p>
+        </p:txBody>
+      </p:sp>
+      <p:sp>
+        <p:nvSpPr>
+          <p:cNvPr id="3" name="Content Placeholder 2"/>
+          <p:cNvSpPr>
+            <a:spLocks noGrp="1"/>
+          </p:cNvSpPr>
+          <p:nvPr>
+            <p:ph sz="half" idx="1"/>
+          </p:nvPr>
+        </p:nvSpPr>
+        <p:spPr>
+          <a:xfrm>
+            <a:off x="1484311" y="2022765"/>
+            <a:ext cx="5645007" cy="4835236"/>
+          </a:xfrm>
+        </p:spPr>
+        <p:txBody>
+          <a:bodyPr/>
+          <a:lstStyle/>
+          <a:p>
+            <a:pPr algn="just"/>
+            <a:r>
+              <a:rPr lang="bg-BG" dirty="0" smtClean="0"/>
+              <a:t>Обхвата на фунцкиите дефинира къде техните промелива са променливи</a:t>
+            </a:r>
+          </a:p>
+          <a:p>
+            <a:pPr algn="just"/>
+            <a:r>
+              <a:rPr lang="bg-BG" dirty="0" smtClean="0"/>
+              <a:t>В </a:t>
+            </a:r>
+            <a:r>
+              <a:rPr lang="en-US" dirty="0" smtClean="0"/>
+              <a:t>JS</a:t>
+            </a:r>
+            <a:r>
+              <a:rPr lang="bg-BG" dirty="0" smtClean="0"/>
+              <a:t> света реално съществуват </a:t>
+            </a:r>
+            <a:r>
+              <a:rPr lang="bg-BG" b="1" dirty="0" smtClean="0"/>
+              <a:t>локален</a:t>
+            </a:r>
+            <a:r>
+              <a:rPr lang="bg-BG" dirty="0" smtClean="0"/>
+              <a:t> и </a:t>
+            </a:r>
+            <a:r>
+              <a:rPr lang="bg-BG" b="1" dirty="0" smtClean="0"/>
+              <a:t>глобален</a:t>
+            </a:r>
+            <a:r>
+              <a:rPr lang="bg-BG" dirty="0" smtClean="0"/>
+              <a:t> обхват (</a:t>
+            </a:r>
+            <a:r>
+              <a:rPr lang="en-US" i="1" dirty="0" smtClean="0"/>
+              <a:t>local and global scope</a:t>
+            </a:r>
+            <a:r>
+              <a:rPr lang="en-US" dirty="0" smtClean="0"/>
+              <a:t>)</a:t>
+            </a:r>
+          </a:p>
+          <a:p>
+            <a:pPr algn="just"/>
+            <a:r>
+              <a:rPr lang="bg-BG" dirty="0" smtClean="0"/>
+              <a:t>Тялото на функцията е единственото нещо в </a:t>
+            </a:r>
+            <a:r>
+              <a:rPr lang="en-US" dirty="0" smtClean="0"/>
+              <a:t>JS</a:t>
+            </a:r>
+            <a:r>
+              <a:rPr lang="bg-BG" dirty="0" smtClean="0"/>
+              <a:t>, което има собствен обхват</a:t>
+            </a:r>
+            <a:endParaRPr lang="en-US" dirty="0" smtClean="0"/>
+          </a:p>
+          <a:p>
+            <a:pPr algn="just"/>
+            <a:r>
+              <a:rPr lang="bg-BG" dirty="0" smtClean="0"/>
+              <a:t>Всички обекти, извън функция, са в глобалния </a:t>
+            </a:r>
+            <a:r>
+              <a:rPr lang="en-US" dirty="0" smtClean="0"/>
+              <a:t>scope</a:t>
+            </a:r>
+            <a:endParaRPr lang="bg-BG" dirty="0" smtClean="0"/>
+          </a:p>
+          <a:p>
+            <a:pPr lvl="1" algn="just"/>
+            <a:r>
+              <a:rPr lang="bg-BG" dirty="0" smtClean="0"/>
+              <a:t>Добре е да се използва </a:t>
+            </a:r>
+            <a:r>
+              <a:rPr lang="en-US" i="1" dirty="0" smtClean="0">
+                <a:solidFill>
+                  <a:schemeClr val="accent6">
+                    <a:lumMod val="75000"/>
+                  </a:schemeClr>
+                </a:solidFill>
+                <a:hlinkClick r:id="rId2"/>
+              </a:rPr>
+              <a:t>“use strict”</a:t>
+            </a:r>
+            <a:endParaRPr lang="en-US" i="1" dirty="0">
+              <a:solidFill>
+                <a:schemeClr val="accent6">
+                  <a:lumMod val="75000"/>
+                </a:schemeClr>
+              </a:solidFill>
+            </a:endParaRPr>
+          </a:p>
+        </p:txBody>
+      </p:sp>
+      <p:sp>
+        <p:nvSpPr>
+          <p:cNvPr id="5" name="Rectangle 4"/>
+          <p:cNvSpPr>
+            <a:spLocks noChangeArrowheads="1"/>
+          </p:cNvSpPr>
+          <p:nvPr/>
+        </p:nvSpPr>
+        <p:spPr bwMode="auto">
+          <a:xfrm>
+            <a:off x="7129318" y="2932278"/>
+            <a:ext cx="5030643" cy="3016210"/>
+          </a:xfrm>
+          <a:prstGeom prst="rect">
+            <a:avLst/>
+          </a:prstGeom>
+          <a:ln/>
+        </p:spPr>
+        <p:style>
+          <a:lnRef idx="0">
+            <a:schemeClr val="accent1"/>
+          </a:lnRef>
+          <a:fillRef idx="3">
+            <a:schemeClr val="accent1"/>
+          </a:fillRef>
+          <a:effectRef idx="3">
+            <a:schemeClr val="accent1"/>
+          </a:effectRef>
+          <a:fontRef idx="minor">
+            <a:schemeClr val="lt1"/>
+          </a:fontRef>
+        </p:style>
+        <p:txBody>
+          <a:bodyPr wrap="square">
+            <a:spAutoFit/>
+          </a:bodyPr>
+          <a:lstStyle/>
+          <a:p>
+            <a:pPr eaLnBrk="0" hangingPunct="0">
+              <a:spcBef>
+                <a:spcPts val="0"/>
+              </a:spcBef>
+              <a:buClr>
+                <a:schemeClr val="accent5">
+                  <a:lumMod val="40000"/>
+                  <a:lumOff val="60000"/>
+                </a:schemeClr>
+              </a:buClr>
+              <a:buSzPct val="70000"/>
+            </a:pPr>
+            <a:r>
+              <a:rPr lang="en-US" b="1" noProof="1" smtClean="0">
+                <a:solidFill>
+                  <a:srgbClr val="8CF4F2"/>
+                </a:solidFill>
+                <a:effectLst>
+                  <a:outerShdw blurRad="38100" dist="38100" dir="2700000" algn="tl">
+                    <a:srgbClr val="000000">
+                      <a:alpha val="43137"/>
+                    </a:srgbClr>
+                  </a:outerShdw>
+                </a:effectLst>
+                <a:latin typeface="Consolas" pitchFamily="49" charset="0"/>
+                <a:cs typeface="Consolas" pitchFamily="49" charset="0"/>
+              </a:rPr>
+              <a:t>var </a:t>
+            </a:r>
+            <a:r>
+              <a:rPr lang="en-US" b="1" noProof="1" smtClean="0">
+                <a:solidFill>
+                  <a:srgbClr val="8CF4F2"/>
+                </a:solidFill>
+                <a:effectLst>
+                  <a:outerShdw blurRad="38100" dist="38100" dir="2700000" algn="tl">
+                    <a:srgbClr val="000000">
+                      <a:alpha val="43137"/>
+                    </a:srgbClr>
+                  </a:outerShdw>
+                </a:effectLst>
+                <a:latin typeface="Consolas" pitchFamily="49" charset="0"/>
+                <a:cs typeface="Consolas" pitchFamily="49" charset="0"/>
+              </a:rPr>
+              <a:t>arr = [1, 2, 3, 4, 5, 6, 7];</a:t>
+            </a:r>
+          </a:p>
+          <a:p>
+            <a:pPr eaLnBrk="0" hangingPunct="0">
+              <a:spcBef>
+                <a:spcPts val="600"/>
+              </a:spcBef>
+              <a:buClr>
+                <a:schemeClr val="accent5">
+                  <a:lumMod val="40000"/>
+                  <a:lumOff val="60000"/>
+                </a:schemeClr>
+              </a:buClr>
+              <a:buSzPct val="70000"/>
+            </a:pPr>
+            <a:r>
+              <a:rPr lang="en-US" b="1" noProof="1" smtClean="0">
+                <a:solidFill>
+                  <a:srgbClr val="8CF4F2"/>
+                </a:solidFill>
+                <a:effectLst>
+                  <a:outerShdw blurRad="38100" dist="38100" dir="2700000" algn="tl">
+                    <a:srgbClr val="000000">
+                      <a:alpha val="43137"/>
+                    </a:srgbClr>
+                  </a:outerShdw>
+                </a:effectLst>
+                <a:latin typeface="Consolas" pitchFamily="49" charset="0"/>
+                <a:cs typeface="Consolas" pitchFamily="49" charset="0"/>
+              </a:rPr>
+              <a:t>function countOccurences (value) {</a:t>
+            </a:r>
+          </a:p>
+          <a:p>
+            <a:pPr eaLnBrk="0" hangingPunct="0">
+              <a:spcBef>
+                <a:spcPts val="0"/>
+              </a:spcBef>
+              <a:buClr>
+                <a:schemeClr val="accent5">
+                  <a:lumMod val="40000"/>
+                  <a:lumOff val="60000"/>
+                </a:schemeClr>
+              </a:buClr>
+              <a:buSzPct val="70000"/>
+            </a:pPr>
+            <a:r>
+              <a:rPr lang="en-US" b="1" noProof="1">
+                <a:solidFill>
+                  <a:srgbClr val="8CF4F2"/>
+                </a:solidFill>
+                <a:effectLst>
+                  <a:outerShdw blurRad="38100" dist="38100" dir="2700000" algn="tl">
+                    <a:srgbClr val="000000">
+                      <a:alpha val="43137"/>
+                    </a:srgbClr>
+                  </a:outerShdw>
+                </a:effectLst>
+                <a:latin typeface="Consolas" pitchFamily="49" charset="0"/>
+                <a:cs typeface="Consolas" pitchFamily="49" charset="0"/>
+              </a:rPr>
+              <a:t> </a:t>
+            </a:r>
+            <a:r>
+              <a:rPr lang="en-US" b="1" noProof="1" smtClean="0">
+                <a:solidFill>
+                  <a:srgbClr val="8CF4F2"/>
+                </a:solidFill>
+                <a:effectLst>
+                  <a:outerShdw blurRad="38100" dist="38100" dir="2700000" algn="tl">
+                    <a:srgbClr val="000000">
+                      <a:alpha val="43137"/>
+                    </a:srgbClr>
+                  </a:outerShdw>
+                </a:effectLst>
+                <a:latin typeface="Consolas" pitchFamily="49" charset="0"/>
+                <a:cs typeface="Consolas" pitchFamily="49" charset="0"/>
+              </a:rPr>
+              <a:t> var count = 0;</a:t>
+            </a:r>
+          </a:p>
+          <a:p>
+            <a:pPr eaLnBrk="0" hangingPunct="0">
+              <a:spcBef>
+                <a:spcPts val="600"/>
+              </a:spcBef>
+              <a:buClr>
+                <a:schemeClr val="accent5">
+                  <a:lumMod val="40000"/>
+                  <a:lumOff val="60000"/>
+                </a:schemeClr>
+              </a:buClr>
+              <a:buSzPct val="70000"/>
+            </a:pPr>
+            <a:r>
+              <a:rPr lang="en-US" b="1" noProof="1">
+                <a:solidFill>
+                  <a:srgbClr val="8CF4F2"/>
+                </a:solidFill>
+                <a:effectLst>
+                  <a:outerShdw blurRad="38100" dist="38100" dir="2700000" algn="tl">
+                    <a:srgbClr val="000000">
+                      <a:alpha val="43137"/>
+                    </a:srgbClr>
+                  </a:outerShdw>
+                </a:effectLst>
+                <a:latin typeface="Consolas" pitchFamily="49" charset="0"/>
+                <a:cs typeface="Consolas" pitchFamily="49" charset="0"/>
+              </a:rPr>
+              <a:t> </a:t>
+            </a:r>
+            <a:r>
+              <a:rPr lang="en-US" b="1" noProof="1" smtClean="0">
+                <a:solidFill>
+                  <a:srgbClr val="8CF4F2"/>
+                </a:solidFill>
+                <a:effectLst>
+                  <a:outerShdw blurRad="38100" dist="38100" dir="2700000" algn="tl">
+                    <a:srgbClr val="000000">
+                      <a:alpha val="43137"/>
+                    </a:srgbClr>
+                  </a:outerShdw>
+                </a:effectLst>
+                <a:latin typeface="Consolas" pitchFamily="49" charset="0"/>
+                <a:cs typeface="Consolas" pitchFamily="49" charset="0"/>
+              </a:rPr>
+              <a:t> for (var i=0; i</a:t>
+            </a:r>
+            <a:r>
+              <a:rPr lang="bg-BG" b="1" noProof="1" smtClean="0">
+                <a:solidFill>
+                  <a:srgbClr val="8CF4F2"/>
+                </a:solidFill>
+                <a:effectLst>
+                  <a:outerShdw blurRad="38100" dist="38100" dir="2700000" algn="tl">
+                    <a:srgbClr val="000000">
+                      <a:alpha val="43137"/>
+                    </a:srgbClr>
+                  </a:outerShdw>
+                </a:effectLst>
+                <a:latin typeface="Consolas" pitchFamily="49" charset="0"/>
+                <a:cs typeface="Consolas" pitchFamily="49" charset="0"/>
+              </a:rPr>
+              <a:t> </a:t>
+            </a:r>
+            <a:r>
+              <a:rPr lang="en-US" b="1" noProof="1" smtClean="0">
+                <a:solidFill>
+                  <a:srgbClr val="8CF4F2"/>
+                </a:solidFill>
+                <a:effectLst>
+                  <a:outerShdw blurRad="38100" dist="38100" dir="2700000" algn="tl">
+                    <a:srgbClr val="000000">
+                      <a:alpha val="43137"/>
+                    </a:srgbClr>
+                  </a:outerShdw>
+                </a:effectLst>
+                <a:latin typeface="Consolas" pitchFamily="49" charset="0"/>
+                <a:cs typeface="Consolas" pitchFamily="49" charset="0"/>
+              </a:rPr>
+              <a:t>&lt; arr.length; i++) {</a:t>
+            </a:r>
+          </a:p>
+          <a:p>
+            <a:pPr eaLnBrk="0" hangingPunct="0">
+              <a:spcBef>
+                <a:spcPts val="0"/>
+              </a:spcBef>
+              <a:buClr>
+                <a:schemeClr val="accent5">
+                  <a:lumMod val="40000"/>
+                  <a:lumOff val="60000"/>
+                </a:schemeClr>
+              </a:buClr>
+              <a:buSzPct val="70000"/>
+            </a:pPr>
+            <a:r>
+              <a:rPr lang="en-US" b="1" noProof="1">
+                <a:solidFill>
+                  <a:srgbClr val="8CF4F2"/>
+                </a:solidFill>
+                <a:effectLst>
+                  <a:outerShdw blurRad="38100" dist="38100" dir="2700000" algn="tl">
+                    <a:srgbClr val="000000">
+                      <a:alpha val="43137"/>
+                    </a:srgbClr>
+                  </a:outerShdw>
+                </a:effectLst>
+                <a:latin typeface="Consolas" pitchFamily="49" charset="0"/>
+                <a:cs typeface="Consolas" pitchFamily="49" charset="0"/>
+              </a:rPr>
+              <a:t> </a:t>
+            </a:r>
+            <a:r>
+              <a:rPr lang="en-US" b="1" noProof="1" smtClean="0">
+                <a:solidFill>
+                  <a:srgbClr val="8CF4F2"/>
+                </a:solidFill>
+                <a:effectLst>
+                  <a:outerShdw blurRad="38100" dist="38100" dir="2700000" algn="tl">
+                    <a:srgbClr val="000000">
+                      <a:alpha val="43137"/>
+                    </a:srgbClr>
+                  </a:outerShdw>
+                </a:effectLst>
+                <a:latin typeface="Consolas" pitchFamily="49" charset="0"/>
+                <a:cs typeface="Consolas" pitchFamily="49" charset="0"/>
+              </a:rPr>
+              <a:t>   if (arr[i] === value) {</a:t>
+            </a:r>
+          </a:p>
+          <a:p>
+            <a:pPr eaLnBrk="0" hangingPunct="0">
+              <a:spcBef>
+                <a:spcPts val="0"/>
+              </a:spcBef>
+              <a:buClr>
+                <a:schemeClr val="accent5">
+                  <a:lumMod val="40000"/>
+                  <a:lumOff val="60000"/>
+                </a:schemeClr>
+              </a:buClr>
+              <a:buSzPct val="70000"/>
+            </a:pPr>
+            <a:r>
+              <a:rPr lang="en-US" b="1" noProof="1">
+                <a:solidFill>
+                  <a:srgbClr val="8CF4F2"/>
+                </a:solidFill>
+                <a:effectLst>
+                  <a:outerShdw blurRad="38100" dist="38100" dir="2700000" algn="tl">
+                    <a:srgbClr val="000000">
+                      <a:alpha val="43137"/>
+                    </a:srgbClr>
+                  </a:outerShdw>
+                </a:effectLst>
+                <a:latin typeface="Consolas" pitchFamily="49" charset="0"/>
+                <a:cs typeface="Consolas" pitchFamily="49" charset="0"/>
+              </a:rPr>
+              <a:t> </a:t>
+            </a:r>
+            <a:r>
+              <a:rPr lang="en-US" b="1" noProof="1" smtClean="0">
+                <a:solidFill>
+                  <a:srgbClr val="8CF4F2"/>
+                </a:solidFill>
+                <a:effectLst>
+                  <a:outerShdw blurRad="38100" dist="38100" dir="2700000" algn="tl">
+                    <a:srgbClr val="000000">
+                      <a:alpha val="43137"/>
+                    </a:srgbClr>
+                  </a:outerShdw>
+                </a:effectLst>
+                <a:latin typeface="Consolas" pitchFamily="49" charset="0"/>
+                <a:cs typeface="Consolas" pitchFamily="49" charset="0"/>
+              </a:rPr>
+              <a:t>     count++;</a:t>
+            </a:r>
+          </a:p>
+          <a:p>
+            <a:pPr eaLnBrk="0" hangingPunct="0">
+              <a:spcBef>
+                <a:spcPts val="0"/>
+              </a:spcBef>
+              <a:buClr>
+                <a:schemeClr val="accent5">
+                  <a:lumMod val="40000"/>
+                  <a:lumOff val="60000"/>
+                </a:schemeClr>
+              </a:buClr>
+              <a:buSzPct val="70000"/>
+            </a:pPr>
+            <a:r>
+              <a:rPr lang="en-US" b="1" noProof="1" smtClean="0">
+                <a:solidFill>
+                  <a:srgbClr val="8CF4F2"/>
+                </a:solidFill>
+                <a:effectLst>
+                  <a:outerShdw blurRad="38100" dist="38100" dir="2700000" algn="tl">
+                    <a:srgbClr val="000000">
+                      <a:alpha val="43137"/>
+                    </a:srgbClr>
+                  </a:outerShdw>
+                </a:effectLst>
+                <a:latin typeface="Consolas" pitchFamily="49" charset="0"/>
+                <a:cs typeface="Consolas" pitchFamily="49" charset="0"/>
+              </a:rPr>
+              <a:t>    }</a:t>
+            </a:r>
+          </a:p>
+          <a:p>
+            <a:pPr eaLnBrk="0" hangingPunct="0">
+              <a:spcBef>
+                <a:spcPts val="0"/>
+              </a:spcBef>
+              <a:buClr>
+                <a:schemeClr val="accent5">
+                  <a:lumMod val="40000"/>
+                  <a:lumOff val="60000"/>
+                </a:schemeClr>
+              </a:buClr>
+              <a:buSzPct val="70000"/>
+            </a:pPr>
+            <a:r>
+              <a:rPr lang="en-US" b="1" noProof="1">
+                <a:solidFill>
+                  <a:srgbClr val="8CF4F2"/>
+                </a:solidFill>
+                <a:effectLst>
+                  <a:outerShdw blurRad="38100" dist="38100" dir="2700000" algn="tl">
+                    <a:srgbClr val="000000">
+                      <a:alpha val="43137"/>
+                    </a:srgbClr>
+                  </a:outerShdw>
+                </a:effectLst>
+                <a:latin typeface="Consolas" pitchFamily="49" charset="0"/>
+                <a:cs typeface="Consolas" pitchFamily="49" charset="0"/>
+              </a:rPr>
+              <a:t> </a:t>
+            </a:r>
+            <a:r>
+              <a:rPr lang="en-US" b="1" noProof="1" smtClean="0">
+                <a:solidFill>
+                  <a:srgbClr val="8CF4F2"/>
+                </a:solidFill>
+                <a:effectLst>
+                  <a:outerShdw blurRad="38100" dist="38100" dir="2700000" algn="tl">
+                    <a:srgbClr val="000000">
+                      <a:alpha val="43137"/>
+                    </a:srgbClr>
+                  </a:outerShdw>
+                </a:effectLst>
+                <a:latin typeface="Consolas" pitchFamily="49" charset="0"/>
+                <a:cs typeface="Consolas" pitchFamily="49" charset="0"/>
+              </a:rPr>
+              <a:t> }</a:t>
+            </a:r>
+          </a:p>
+          <a:p>
+            <a:pPr eaLnBrk="0" hangingPunct="0">
+              <a:spcBef>
+                <a:spcPts val="0"/>
+              </a:spcBef>
+              <a:buClr>
+                <a:schemeClr val="accent5">
+                  <a:lumMod val="40000"/>
+                  <a:lumOff val="60000"/>
+                </a:schemeClr>
+              </a:buClr>
+              <a:buSzPct val="70000"/>
+            </a:pPr>
+            <a:r>
+              <a:rPr lang="en-US" b="1" noProof="1">
+                <a:solidFill>
+                  <a:srgbClr val="8CF4F2"/>
+                </a:solidFill>
+                <a:effectLst>
+                  <a:outerShdw blurRad="38100" dist="38100" dir="2700000" algn="tl">
+                    <a:srgbClr val="000000">
+                      <a:alpha val="43137"/>
+                    </a:srgbClr>
+                  </a:outerShdw>
+                </a:effectLst>
+                <a:latin typeface="Consolas" pitchFamily="49" charset="0"/>
+                <a:cs typeface="Consolas" pitchFamily="49" charset="0"/>
+              </a:rPr>
+              <a:t> </a:t>
+            </a:r>
+            <a:r>
+              <a:rPr lang="en-US" b="1" noProof="1" smtClean="0">
+                <a:solidFill>
+                  <a:srgbClr val="8CF4F2"/>
+                </a:solidFill>
+                <a:effectLst>
+                  <a:outerShdw blurRad="38100" dist="38100" dir="2700000" algn="tl">
+                    <a:srgbClr val="000000">
+                      <a:alpha val="43137"/>
+                    </a:srgbClr>
+                  </a:outerShdw>
+                </a:effectLst>
+                <a:latin typeface="Consolas" pitchFamily="49" charset="0"/>
+                <a:cs typeface="Consolas" pitchFamily="49" charset="0"/>
+              </a:rPr>
+              <a:t> return count;</a:t>
+            </a:r>
+          </a:p>
+          <a:p>
+            <a:pPr eaLnBrk="0" hangingPunct="0">
+              <a:spcBef>
+                <a:spcPts val="0"/>
+              </a:spcBef>
+              <a:buClr>
+                <a:schemeClr val="accent5">
+                  <a:lumMod val="40000"/>
+                  <a:lumOff val="60000"/>
+                </a:schemeClr>
+              </a:buClr>
+              <a:buSzPct val="70000"/>
+            </a:pPr>
+            <a:r>
+              <a:rPr lang="en-US" b="1" noProof="1" smtClean="0">
+                <a:solidFill>
+                  <a:srgbClr val="8CF4F2"/>
+                </a:solidFill>
+                <a:effectLst>
+                  <a:outerShdw blurRad="38100" dist="38100" dir="2700000" algn="tl">
+                    <a:srgbClr val="000000">
+                      <a:alpha val="43137"/>
+                    </a:srgbClr>
+                  </a:outerShdw>
+                </a:effectLst>
+                <a:latin typeface="Consolas" pitchFamily="49" charset="0"/>
+                <a:cs typeface="Consolas" pitchFamily="49" charset="0"/>
+              </a:rPr>
+              <a:t>}</a:t>
+            </a:r>
+            <a:endParaRPr lang="en-US" b="1" noProof="1" smtClean="0">
+              <a:solidFill>
+                <a:srgbClr val="8CF4F2"/>
+              </a:solidFill>
+              <a:effectLst>
+                <a:outerShdw blurRad="38100" dist="38100" dir="2700000" algn="tl">
+                  <a:srgbClr val="000000">
+                    <a:alpha val="43137"/>
+                  </a:srgbClr>
+                </a:outerShdw>
+              </a:effectLst>
+              <a:latin typeface="Consolas" pitchFamily="49" charset="0"/>
+              <a:cs typeface="Consolas" pitchFamily="49" charset="0"/>
+            </a:endParaRPr>
+          </a:p>
+        </p:txBody>
+      </p:sp>
+      <p:sp>
+        <p:nvSpPr>
+          <p:cNvPr id="6" name="Rectangular Callout 5"/>
+          <p:cNvSpPr/>
+          <p:nvPr/>
+        </p:nvSpPr>
+        <p:spPr>
+          <a:xfrm>
+            <a:off x="5506171" y="2018146"/>
+            <a:ext cx="2540000" cy="720435"/>
+          </a:xfrm>
+          <a:prstGeom prst="wedgeRectCallout">
+            <a:avLst>
+              <a:gd name="adj1" fmla="val 45609"/>
+              <a:gd name="adj2" fmla="val 94551"/>
+            </a:avLst>
+          </a:prstGeom>
+        </p:spPr>
+        <p:style>
+          <a:lnRef idx="2">
+            <a:schemeClr val="accent1">
+              <a:shade val="50000"/>
+            </a:schemeClr>
+          </a:lnRef>
+          <a:fillRef idx="1">
+            <a:schemeClr val="accent1"/>
+          </a:fillRef>
+          <a:effectRef idx="0">
+            <a:schemeClr val="accent1"/>
+          </a:effectRef>
+          <a:fontRef idx="minor">
+            <a:schemeClr val="lt1"/>
+          </a:fontRef>
+        </p:style>
+        <p:txBody>
+          <a:bodyPr rtlCol="0" anchor="ctr"/>
+          <a:lstStyle/>
+          <a:p>
+            <a:pPr algn="ctr"/>
+            <a:r>
+              <a:rPr lang="bg-BG" dirty="0" smtClean="0"/>
+              <a:t>Променлива, достъпна от  целия код</a:t>
+            </a:r>
+            <a:endParaRPr lang="en-US" dirty="0"/>
+          </a:p>
+        </p:txBody>
+      </p:sp>
+      <p:sp>
+        <p:nvSpPr>
+          <p:cNvPr id="7" name="Rounded Rectangular Callout 6"/>
+          <p:cNvSpPr/>
+          <p:nvPr/>
+        </p:nvSpPr>
+        <p:spPr>
+          <a:xfrm>
+            <a:off x="8626764" y="6142185"/>
+            <a:ext cx="3232727" cy="600363"/>
+          </a:xfrm>
+          <a:prstGeom prst="wedgeRoundRectCallout">
+            <a:avLst>
+              <a:gd name="adj1" fmla="val -46781"/>
+              <a:gd name="adj2" fmla="val -148269"/>
+              <a:gd name="adj3" fmla="val 16667"/>
+            </a:avLst>
+          </a:prstGeom>
+        </p:spPr>
+        <p:style>
+          <a:lnRef idx="2">
+            <a:schemeClr val="accent1">
+              <a:shade val="50000"/>
+            </a:schemeClr>
+          </a:lnRef>
+          <a:fillRef idx="1">
+            <a:schemeClr val="accent1"/>
+          </a:fillRef>
+          <a:effectRef idx="0">
+            <a:schemeClr val="accent1"/>
+          </a:effectRef>
+          <a:fontRef idx="minor">
+            <a:schemeClr val="lt1"/>
+          </a:fontRef>
+        </p:style>
+        <p:txBody>
+          <a:bodyPr rtlCol="0" anchor="ctr"/>
+          <a:lstStyle/>
+          <a:p>
+            <a:pPr algn="ctr"/>
+            <a:r>
+              <a:rPr lang="bg-BG" dirty="0" smtClean="0"/>
+              <a:t>Променлива достъпна само в тялото на функцията</a:t>
+            </a:r>
+            <a:endParaRPr lang="en-US" dirty="0"/>
+          </a:p>
+        </p:txBody>
+      </p:sp>
+    </p:spTree>
+    <p:extLst>
+      <p:ext uri="{BB962C8B-B14F-4D97-AF65-F5344CB8AC3E}">
+        <p14:creationId xmlns:p14="http://schemas.microsoft.com/office/powerpoint/2010/main" val="168641847"/>
+      </p:ext>
+    </p:extLst>
+  </p:cSld>
+  <p:clrMapOvr>
+    <a:masterClrMapping/>
+  </p:clrMapOvr>
+  <p:timing>
+    <p:tnLst>
+      <p:par>
+        <p:cTn id="1" dur="indefinite" restart="never" nodeType="tmRoot"/>
+      </p:par>
+    </p:tnLst>
+  </p:timing>
+</p:sld>
+</file>
+
+<file path=ppt/slides/slide15.xml><?xml version="1.0" encoding="utf-8"?>
+<p:sld xmlns:a="http://schemas.openxmlformats.org/drawingml/2006/main" xmlns:r="http://schemas.openxmlformats.org/officeDocument/2006/relationships" xmlns:p="http://schemas.openxmlformats.org/presentationml/2006/main">
+  <p:cSld>
+    <p:spTree>
+      <p:nvGrpSpPr>
+        <p:cNvPr id="1" name=""/>
+        <p:cNvGrpSpPr/>
+        <p:nvPr/>
+      </p:nvGrpSpPr>
+      <p:grpSpPr>
+        <a:xfrm>
+          <a:off x="0" y="0"/>
+          <a:ext cx="0" cy="0"/>
+          <a:chOff x="0" y="0"/>
+          <a:chExt cx="0" cy="0"/>
+        </a:xfrm>
+      </p:grpSpPr>
+      <p:sp>
+        <p:nvSpPr>
+          <p:cNvPr id="2" name="Title 1"/>
+          <p:cNvSpPr>
+            <a:spLocks noGrp="1"/>
+          </p:cNvSpPr>
+          <p:nvPr>
+            <p:ph type="title"/>
+          </p:nvPr>
+        </p:nvSpPr>
+        <p:spPr/>
+        <p:txBody>
+          <a:bodyPr/>
+          <a:lstStyle/>
+          <a:p>
+            <a:r>
+              <a:rPr lang="bg-BG" dirty="0" smtClean="0"/>
+              <a:t>Обхват на функциите(1)</a:t>
+            </a:r>
+            <a:endParaRPr lang="en-US" dirty="0"/>
+          </a:p>
+        </p:txBody>
+      </p:sp>
+      <p:sp>
+        <p:nvSpPr>
+          <p:cNvPr id="5" name="Content Placeholder 4"/>
+          <p:cNvSpPr>
+            <a:spLocks noGrp="1"/>
+          </p:cNvSpPr>
+          <p:nvPr>
+            <p:ph sz="half" idx="1"/>
+          </p:nvPr>
+        </p:nvSpPr>
+        <p:spPr>
+          <a:xfrm>
+            <a:off x="1484312" y="2004875"/>
+            <a:ext cx="6717580" cy="4247316"/>
+          </a:xfrm>
+        </p:spPr>
+        <p:txBody>
+          <a:bodyPr/>
+          <a:lstStyle/>
+          <a:p>
+            <a:pPr algn="just"/>
+            <a:r>
+              <a:rPr lang="bg-BG" dirty="0" smtClean="0"/>
+              <a:t>Референциите (връзките) към обектите в </a:t>
+            </a:r>
+            <a:r>
+              <a:rPr lang="en-US" dirty="0" smtClean="0"/>
+              <a:t>JS</a:t>
+            </a:r>
+            <a:r>
+              <a:rPr lang="bg-BG" dirty="0" smtClean="0"/>
+              <a:t> спазват правилото, че винаги се отнасят за най-близкото</a:t>
+            </a:r>
+          </a:p>
+          <a:p>
+            <a:pPr algn="just"/>
+            <a:r>
+              <a:rPr lang="bg-BG" dirty="0" smtClean="0"/>
+              <a:t>Ако имаме фунцкията, която дефинира обект и в нея имаме друга фунцкията, която дефинира обект със същото име, то всяка функция има собствен обхват и обекта е дефиниран само в конкретната функция</a:t>
+            </a:r>
+          </a:p>
+          <a:p>
+            <a:pPr algn="just"/>
+            <a:r>
+              <a:rPr lang="bg-BG" i="1" dirty="0" smtClean="0"/>
+              <a:t>Може да се използва ключовата дума </a:t>
+            </a:r>
+            <a:r>
+              <a:rPr lang="en-US" i="1" dirty="0" smtClean="0">
+                <a:solidFill>
+                  <a:schemeClr val="accent6">
+                    <a:lumMod val="75000"/>
+                  </a:schemeClr>
+                </a:solidFill>
+              </a:rPr>
+              <a:t>let</a:t>
+            </a:r>
+            <a:endParaRPr lang="bg-BG" i="1" dirty="0">
+              <a:solidFill>
+                <a:schemeClr val="accent6">
+                  <a:lumMod val="75000"/>
+                </a:schemeClr>
+              </a:solidFill>
+            </a:endParaRPr>
+          </a:p>
+          <a:p>
+            <a:pPr lvl="1" algn="just"/>
+            <a:r>
+              <a:rPr lang="bg-BG" i="1" dirty="0" smtClean="0"/>
+              <a:t>Идва с </a:t>
+            </a:r>
+            <a:r>
+              <a:rPr lang="en-US" b="1" i="1" dirty="0" smtClean="0"/>
+              <a:t>EcmaScript2015</a:t>
+            </a:r>
+          </a:p>
+          <a:p>
+            <a:pPr lvl="1" algn="just"/>
+            <a:r>
+              <a:rPr lang="bg-BG" i="1" dirty="0" smtClean="0"/>
+              <a:t>Може да се използва само на последните версии браузъри</a:t>
+            </a:r>
+          </a:p>
+          <a:p>
+            <a:pPr lvl="1" algn="just"/>
+            <a:r>
+              <a:rPr lang="bg-BG" i="1" dirty="0" smtClean="0"/>
+              <a:t>Създава т.нар. „</a:t>
+            </a:r>
+            <a:r>
+              <a:rPr lang="bg-BG" b="1" i="1" dirty="0" smtClean="0">
+                <a:hlinkClick r:id="rId2"/>
+              </a:rPr>
+              <a:t>блоков обхват</a:t>
+            </a:r>
+            <a:r>
+              <a:rPr lang="bg-BG" i="1" dirty="0" smtClean="0"/>
+              <a:t>“ (</a:t>
+            </a:r>
+            <a:r>
+              <a:rPr lang="en-US" i="1" dirty="0" smtClean="0"/>
+              <a:t>block scope)</a:t>
+            </a:r>
+            <a:r>
+              <a:rPr lang="bg-BG" i="1" dirty="0" smtClean="0"/>
+              <a:t>, напр.в рамките на </a:t>
+            </a:r>
+            <a:r>
+              <a:rPr lang="en-US" i="1" dirty="0" smtClean="0">
+                <a:solidFill>
+                  <a:schemeClr val="accent6">
+                    <a:lumMod val="75000"/>
+                  </a:schemeClr>
+                </a:solidFill>
+              </a:rPr>
+              <a:t>if</a:t>
+            </a:r>
+            <a:r>
+              <a:rPr lang="bg-BG" i="1" dirty="0" smtClean="0"/>
+              <a:t>-конструкция</a:t>
+            </a:r>
+            <a:endParaRPr lang="en-US" i="1" dirty="0" smtClean="0"/>
+          </a:p>
+          <a:p>
+            <a:pPr lvl="1" algn="just"/>
+            <a:r>
+              <a:rPr lang="en-US" i="1" dirty="0" smtClean="0">
+                <a:hlinkClick r:id="rId3"/>
+              </a:rPr>
+              <a:t>Why was block scope not originally implemented in JS?</a:t>
+            </a:r>
+            <a:endParaRPr lang="bg-BG" i="1" dirty="0" smtClean="0"/>
+          </a:p>
+          <a:p>
+            <a:pPr algn="just"/>
+            <a:endParaRPr lang="en-US" dirty="0"/>
+          </a:p>
+        </p:txBody>
+      </p:sp>
+      <p:sp>
+        <p:nvSpPr>
+          <p:cNvPr id="7" name="Rectangle 6"/>
+          <p:cNvSpPr>
+            <a:spLocks noChangeArrowheads="1"/>
+          </p:cNvSpPr>
+          <p:nvPr/>
+        </p:nvSpPr>
+        <p:spPr bwMode="auto">
+          <a:xfrm>
+            <a:off x="8201892" y="2004874"/>
+            <a:ext cx="3500581" cy="4247317"/>
+          </a:xfrm>
+          <a:prstGeom prst="rect">
+            <a:avLst/>
+          </a:prstGeom>
+          <a:ln/>
+        </p:spPr>
+        <p:style>
+          <a:lnRef idx="0">
+            <a:schemeClr val="accent1"/>
+          </a:lnRef>
+          <a:fillRef idx="3">
+            <a:schemeClr val="accent1"/>
+          </a:fillRef>
+          <a:effectRef idx="3">
+            <a:schemeClr val="accent1"/>
+          </a:effectRef>
+          <a:fontRef idx="minor">
+            <a:schemeClr val="lt1"/>
+          </a:fontRef>
+        </p:style>
+        <p:txBody>
+          <a:bodyPr wrap="square">
+            <a:spAutoFit/>
+          </a:bodyPr>
+          <a:lstStyle/>
+          <a:p>
+            <a:pPr eaLnBrk="0" hangingPunct="0">
+              <a:buClr>
+                <a:schemeClr val="accent5">
+                  <a:lumMod val="40000"/>
+                  <a:lumOff val="60000"/>
+                </a:schemeClr>
+              </a:buClr>
+              <a:buSzPct val="70000"/>
+            </a:pPr>
+            <a:r>
+              <a:rPr lang="en-US" b="1" noProof="1">
+                <a:solidFill>
+                  <a:srgbClr val="8CF4F2"/>
+                </a:solidFill>
+                <a:effectLst>
+                  <a:outerShdw blurRad="38100" dist="38100" dir="2700000" algn="tl">
+                    <a:srgbClr val="000000">
+                      <a:alpha val="43137"/>
+                    </a:srgbClr>
+                  </a:outerShdw>
+                </a:effectLst>
+                <a:latin typeface="Consolas" pitchFamily="49" charset="0"/>
+                <a:cs typeface="Consolas" pitchFamily="49" charset="0"/>
+              </a:rPr>
+              <a:t>function outer() {</a:t>
+            </a:r>
+          </a:p>
+          <a:p>
+            <a:pPr eaLnBrk="0" hangingPunct="0">
+              <a:buClr>
+                <a:schemeClr val="accent5">
+                  <a:lumMod val="40000"/>
+                  <a:lumOff val="60000"/>
+                </a:schemeClr>
+              </a:buClr>
+              <a:buSzPct val="70000"/>
+            </a:pPr>
+            <a:r>
+              <a:rPr lang="en-US" b="1" noProof="1">
+                <a:solidFill>
+                  <a:srgbClr val="8CF4F2"/>
+                </a:solidFill>
+                <a:effectLst>
+                  <a:outerShdw blurRad="38100" dist="38100" dir="2700000" algn="tl">
+                    <a:srgbClr val="000000">
+                      <a:alpha val="43137"/>
+                    </a:srgbClr>
+                  </a:outerShdw>
+                </a:effectLst>
+                <a:latin typeface="Consolas" pitchFamily="49" charset="0"/>
+                <a:cs typeface="Consolas" pitchFamily="49" charset="0"/>
+              </a:rPr>
+              <a:t>    var x = 'OUTER';</a:t>
+            </a:r>
+          </a:p>
+          <a:p>
+            <a:pPr eaLnBrk="0" hangingPunct="0">
+              <a:buClr>
+                <a:schemeClr val="accent5">
+                  <a:lumMod val="40000"/>
+                  <a:lumOff val="60000"/>
+                </a:schemeClr>
+              </a:buClr>
+              <a:buSzPct val="70000"/>
+            </a:pPr>
+            <a:endParaRPr lang="en-US" b="1" noProof="1">
+              <a:solidFill>
+                <a:srgbClr val="8CF4F2"/>
+              </a:solidFill>
+              <a:effectLst>
+                <a:outerShdw blurRad="38100" dist="38100" dir="2700000" algn="tl">
+                  <a:srgbClr val="000000">
+                    <a:alpha val="43137"/>
+                  </a:srgbClr>
+                </a:outerShdw>
+              </a:effectLst>
+              <a:latin typeface="Consolas" pitchFamily="49" charset="0"/>
+              <a:cs typeface="Consolas" pitchFamily="49" charset="0"/>
+            </a:endParaRPr>
+          </a:p>
+          <a:p>
+            <a:pPr eaLnBrk="0" hangingPunct="0">
+              <a:buClr>
+                <a:schemeClr val="accent5">
+                  <a:lumMod val="40000"/>
+                  <a:lumOff val="60000"/>
+                </a:schemeClr>
+              </a:buClr>
+              <a:buSzPct val="70000"/>
+            </a:pPr>
+            <a:r>
+              <a:rPr lang="en-US" b="1" noProof="1">
+                <a:solidFill>
+                  <a:srgbClr val="8CF4F2"/>
+                </a:solidFill>
+                <a:effectLst>
+                  <a:outerShdw blurRad="38100" dist="38100" dir="2700000" algn="tl">
+                    <a:srgbClr val="000000">
+                      <a:alpha val="43137"/>
+                    </a:srgbClr>
+                  </a:outerShdw>
+                </a:effectLst>
+                <a:latin typeface="Consolas" pitchFamily="49" charset="0"/>
+                <a:cs typeface="Consolas" pitchFamily="49" charset="0"/>
+              </a:rPr>
+              <a:t>    function inner() {</a:t>
+            </a:r>
+          </a:p>
+          <a:p>
+            <a:pPr eaLnBrk="0" hangingPunct="0">
+              <a:buClr>
+                <a:schemeClr val="accent5">
+                  <a:lumMod val="40000"/>
+                  <a:lumOff val="60000"/>
+                </a:schemeClr>
+              </a:buClr>
+              <a:buSzPct val="70000"/>
+            </a:pPr>
+            <a:r>
+              <a:rPr lang="en-US" b="1" noProof="1">
+                <a:solidFill>
+                  <a:srgbClr val="8CF4F2"/>
+                </a:solidFill>
+                <a:effectLst>
+                  <a:outerShdw blurRad="38100" dist="38100" dir="2700000" algn="tl">
+                    <a:srgbClr val="000000">
+                      <a:alpha val="43137"/>
+                    </a:srgbClr>
+                  </a:outerShdw>
+                </a:effectLst>
+                <a:latin typeface="Consolas" pitchFamily="49" charset="0"/>
+                <a:cs typeface="Consolas" pitchFamily="49" charset="0"/>
+              </a:rPr>
+              <a:t>        var x = 'INNER';</a:t>
+            </a:r>
+          </a:p>
+          <a:p>
+            <a:pPr eaLnBrk="0" hangingPunct="0">
+              <a:buClr>
+                <a:schemeClr val="accent5">
+                  <a:lumMod val="40000"/>
+                  <a:lumOff val="60000"/>
+                </a:schemeClr>
+              </a:buClr>
+              <a:buSzPct val="70000"/>
+            </a:pPr>
+            <a:r>
+              <a:rPr lang="en-US" b="1" noProof="1">
+                <a:solidFill>
+                  <a:srgbClr val="8CF4F2"/>
+                </a:solidFill>
+                <a:effectLst>
+                  <a:outerShdw blurRad="38100" dist="38100" dir="2700000" algn="tl">
+                    <a:srgbClr val="000000">
+                      <a:alpha val="43137"/>
+                    </a:srgbClr>
+                  </a:outerShdw>
+                </a:effectLst>
+                <a:latin typeface="Consolas" pitchFamily="49" charset="0"/>
+                <a:cs typeface="Consolas" pitchFamily="49" charset="0"/>
+              </a:rPr>
+              <a:t>        return x;</a:t>
+            </a:r>
+          </a:p>
+          <a:p>
+            <a:pPr eaLnBrk="0" hangingPunct="0">
+              <a:buClr>
+                <a:schemeClr val="accent5">
+                  <a:lumMod val="40000"/>
+                  <a:lumOff val="60000"/>
+                </a:schemeClr>
+              </a:buClr>
+              <a:buSzPct val="70000"/>
+            </a:pPr>
+            <a:r>
+              <a:rPr lang="en-US" b="1" noProof="1">
+                <a:solidFill>
+                  <a:srgbClr val="8CF4F2"/>
+                </a:solidFill>
+                <a:effectLst>
+                  <a:outerShdw blurRad="38100" dist="38100" dir="2700000" algn="tl">
+                    <a:srgbClr val="000000">
+                      <a:alpha val="43137"/>
+                    </a:srgbClr>
+                  </a:outerShdw>
+                </a:effectLst>
+                <a:latin typeface="Consolas" pitchFamily="49" charset="0"/>
+                <a:cs typeface="Consolas" pitchFamily="49" charset="0"/>
+              </a:rPr>
+              <a:t>    }</a:t>
+            </a:r>
+          </a:p>
+          <a:p>
+            <a:pPr eaLnBrk="0" hangingPunct="0">
+              <a:buClr>
+                <a:schemeClr val="accent5">
+                  <a:lumMod val="40000"/>
+                  <a:lumOff val="60000"/>
+                </a:schemeClr>
+              </a:buClr>
+              <a:buSzPct val="70000"/>
+            </a:pPr>
+            <a:endParaRPr lang="en-US" b="1" noProof="1">
+              <a:solidFill>
+                <a:srgbClr val="8CF4F2"/>
+              </a:solidFill>
+              <a:effectLst>
+                <a:outerShdw blurRad="38100" dist="38100" dir="2700000" algn="tl">
+                  <a:srgbClr val="000000">
+                    <a:alpha val="43137"/>
+                  </a:srgbClr>
+                </a:outerShdw>
+              </a:effectLst>
+              <a:latin typeface="Consolas" pitchFamily="49" charset="0"/>
+              <a:cs typeface="Consolas" pitchFamily="49" charset="0"/>
+            </a:endParaRPr>
+          </a:p>
+          <a:p>
+            <a:pPr eaLnBrk="0" hangingPunct="0">
+              <a:buClr>
+                <a:schemeClr val="accent5">
+                  <a:lumMod val="40000"/>
+                  <a:lumOff val="60000"/>
+                </a:schemeClr>
+              </a:buClr>
+              <a:buSzPct val="70000"/>
+            </a:pPr>
+            <a:r>
+              <a:rPr lang="en-US" b="1" noProof="1">
+                <a:solidFill>
+                  <a:srgbClr val="8CF4F2"/>
+                </a:solidFill>
+                <a:effectLst>
+                  <a:outerShdw blurRad="38100" dist="38100" dir="2700000" algn="tl">
+                    <a:srgbClr val="000000">
+                      <a:alpha val="43137"/>
+                    </a:srgbClr>
+                  </a:outerShdw>
+                </a:effectLst>
+                <a:latin typeface="Consolas" pitchFamily="49" charset="0"/>
+                <a:cs typeface="Consolas" pitchFamily="49" charset="0"/>
+              </a:rPr>
+              <a:t>    return {</a:t>
+            </a:r>
+          </a:p>
+          <a:p>
+            <a:pPr eaLnBrk="0" hangingPunct="0">
+              <a:buClr>
+                <a:schemeClr val="accent5">
+                  <a:lumMod val="40000"/>
+                  <a:lumOff val="60000"/>
+                </a:schemeClr>
+              </a:buClr>
+              <a:buSzPct val="70000"/>
+            </a:pPr>
+            <a:r>
+              <a:rPr lang="en-US" b="1" noProof="1">
+                <a:solidFill>
+                  <a:srgbClr val="8CF4F2"/>
+                </a:solidFill>
+                <a:effectLst>
+                  <a:outerShdw blurRad="38100" dist="38100" dir="2700000" algn="tl">
+                    <a:srgbClr val="000000">
+                      <a:alpha val="43137"/>
+                    </a:srgbClr>
+                  </a:outerShdw>
+                </a:effectLst>
+                <a:latin typeface="Consolas" pitchFamily="49" charset="0"/>
+                <a:cs typeface="Consolas" pitchFamily="49" charset="0"/>
+              </a:rPr>
+              <a:t>        x: x,</a:t>
+            </a:r>
+          </a:p>
+          <a:p>
+            <a:pPr eaLnBrk="0" hangingPunct="0">
+              <a:buClr>
+                <a:schemeClr val="accent5">
+                  <a:lumMod val="40000"/>
+                  <a:lumOff val="60000"/>
+                </a:schemeClr>
+              </a:buClr>
+              <a:buSzPct val="70000"/>
+            </a:pPr>
+            <a:r>
+              <a:rPr lang="en-US" b="1" noProof="1">
+                <a:solidFill>
+                  <a:srgbClr val="8CF4F2"/>
+                </a:solidFill>
+                <a:effectLst>
+                  <a:outerShdw blurRad="38100" dist="38100" dir="2700000" algn="tl">
+                    <a:srgbClr val="000000">
+                      <a:alpha val="43137"/>
+                    </a:srgbClr>
+                  </a:outerShdw>
+                </a:effectLst>
+                <a:latin typeface="Consolas" pitchFamily="49" charset="0"/>
+                <a:cs typeface="Consolas" pitchFamily="49" charset="0"/>
+              </a:rPr>
+              <a:t>        f: inner()</a:t>
+            </a:r>
+          </a:p>
+          <a:p>
+            <a:pPr eaLnBrk="0" hangingPunct="0">
+              <a:buClr>
+                <a:schemeClr val="accent5">
+                  <a:lumMod val="40000"/>
+                  <a:lumOff val="60000"/>
+                </a:schemeClr>
+              </a:buClr>
+              <a:buSzPct val="70000"/>
+            </a:pPr>
+            <a:r>
+              <a:rPr lang="en-US" b="1" noProof="1">
+                <a:solidFill>
+                  <a:srgbClr val="8CF4F2"/>
+                </a:solidFill>
+                <a:effectLst>
+                  <a:outerShdw blurRad="38100" dist="38100" dir="2700000" algn="tl">
+                    <a:srgbClr val="000000">
+                      <a:alpha val="43137"/>
+                    </a:srgbClr>
+                  </a:outerShdw>
+                </a:effectLst>
+                <a:latin typeface="Consolas" pitchFamily="49" charset="0"/>
+                <a:cs typeface="Consolas" pitchFamily="49" charset="0"/>
+              </a:rPr>
+              <a:t>    };</a:t>
+            </a:r>
+          </a:p>
+          <a:p>
+            <a:pPr eaLnBrk="0" hangingPunct="0">
+              <a:buClr>
+                <a:schemeClr val="accent5">
+                  <a:lumMod val="40000"/>
+                  <a:lumOff val="60000"/>
+                </a:schemeClr>
+              </a:buClr>
+              <a:buSzPct val="70000"/>
+            </a:pPr>
+            <a:r>
+              <a:rPr lang="en-US" b="1" noProof="1">
+                <a:solidFill>
+                  <a:srgbClr val="8CF4F2"/>
+                </a:solidFill>
+                <a:effectLst>
+                  <a:outerShdw blurRad="38100" dist="38100" dir="2700000" algn="tl">
+                    <a:srgbClr val="000000">
+                      <a:alpha val="43137"/>
+                    </a:srgbClr>
+                  </a:outerShdw>
+                </a:effectLst>
+                <a:latin typeface="Consolas" pitchFamily="49" charset="0"/>
+                <a:cs typeface="Consolas" pitchFamily="49" charset="0"/>
+              </a:rPr>
+              <a:t>}</a:t>
+            </a:r>
+          </a:p>
+          <a:p>
+            <a:pPr eaLnBrk="0" hangingPunct="0">
+              <a:buClr>
+                <a:schemeClr val="accent5">
+                  <a:lumMod val="40000"/>
+                  <a:lumOff val="60000"/>
+                </a:schemeClr>
+              </a:buClr>
+              <a:buSzPct val="70000"/>
+            </a:pPr>
+            <a:endParaRPr lang="en-US" b="1" noProof="1">
+              <a:solidFill>
+                <a:srgbClr val="8CF4F2"/>
+              </a:solidFill>
+              <a:effectLst>
+                <a:outerShdw blurRad="38100" dist="38100" dir="2700000" algn="tl">
+                  <a:srgbClr val="000000">
+                    <a:alpha val="43137"/>
+                  </a:srgbClr>
+                </a:outerShdw>
+              </a:effectLst>
+              <a:latin typeface="Consolas" pitchFamily="49" charset="0"/>
+              <a:cs typeface="Consolas" pitchFamily="49" charset="0"/>
+            </a:endParaRPr>
+          </a:p>
+          <a:p>
+            <a:pPr eaLnBrk="0" hangingPunct="0">
+              <a:buClr>
+                <a:schemeClr val="accent5">
+                  <a:lumMod val="40000"/>
+                  <a:lumOff val="60000"/>
+                </a:schemeClr>
+              </a:buClr>
+              <a:buSzPct val="70000"/>
+            </a:pPr>
+            <a:r>
+              <a:rPr lang="en-US" b="1" noProof="1">
+                <a:solidFill>
+                  <a:srgbClr val="8CF4F2"/>
+                </a:solidFill>
+                <a:effectLst>
+                  <a:outerShdw blurRad="38100" dist="38100" dir="2700000" algn="tl">
+                    <a:srgbClr val="000000">
+                      <a:alpha val="43137"/>
+                    </a:srgbClr>
+                  </a:outerShdw>
+                </a:effectLst>
+                <a:latin typeface="Consolas" pitchFamily="49" charset="0"/>
+                <a:cs typeface="Consolas" pitchFamily="49" charset="0"/>
+              </a:rPr>
+              <a:t>console.log(outer());</a:t>
+            </a:r>
+            <a:endParaRPr lang="en-US" b="1" noProof="1">
+              <a:solidFill>
+                <a:srgbClr val="8CF4F2"/>
+              </a:solidFill>
+              <a:effectLst>
+                <a:outerShdw blurRad="38100" dist="38100" dir="2700000" algn="tl">
+                  <a:srgbClr val="000000">
+                    <a:alpha val="43137"/>
+                  </a:srgbClr>
+                </a:outerShdw>
+              </a:effectLst>
+              <a:latin typeface="Consolas" pitchFamily="49" charset="0"/>
+              <a:cs typeface="Consolas" pitchFamily="49" charset="0"/>
+            </a:endParaRPr>
+          </a:p>
+        </p:txBody>
+      </p:sp>
+    </p:spTree>
+    <p:extLst>
+      <p:ext uri="{BB962C8B-B14F-4D97-AF65-F5344CB8AC3E}">
+        <p14:creationId xmlns:p14="http://schemas.microsoft.com/office/powerpoint/2010/main" val="91170700"/>
+      </p:ext>
+    </p:extLst>
+  </p:cSld>
+  <p:clrMapOvr>
+    <a:masterClrMapping/>
+  </p:clrMapOvr>
+  <p:timing>
+    <p:tnLst>
+      <p:par>
+        <p:cTn id="1" dur="indefinite" restart="never" nodeType="tmRoot"/>
+      </p:par>
+    </p:tnLst>
+  </p:timing>
+</p:sld>
+</file>
+
+<file path=ppt/slides/slide16.xml><?xml version="1.0" encoding="utf-8"?>
+<p:sld xmlns:a="http://schemas.openxmlformats.org/drawingml/2006/main" xmlns:r="http://schemas.openxmlformats.org/officeDocument/2006/relationships" xmlns:p="http://schemas.openxmlformats.org/presentationml/2006/main">
+  <p:cSld>
+    <p:spTree>
+      <p:nvGrpSpPr>
+        <p:cNvPr id="1" name=""/>
+        <p:cNvGrpSpPr/>
+        <p:nvPr/>
+      </p:nvGrpSpPr>
+      <p:grpSpPr>
+        <a:xfrm>
+          <a:off x="0" y="0"/>
+          <a:ext cx="0" cy="0"/>
+          <a:chOff x="0" y="0"/>
+          <a:chExt cx="0" cy="0"/>
+        </a:xfrm>
+      </p:grpSpPr>
+      <p:sp>
+        <p:nvSpPr>
+          <p:cNvPr id="6" name="Title 5"/>
+          <p:cNvSpPr>
+            <a:spLocks noGrp="1"/>
+          </p:cNvSpPr>
+          <p:nvPr>
+            <p:ph type="title"/>
+          </p:nvPr>
+        </p:nvSpPr>
+        <p:spPr>
+          <a:xfrm>
+            <a:off x="1484311" y="166256"/>
+            <a:ext cx="10018713" cy="2272144"/>
+          </a:xfrm>
+        </p:spPr>
+        <p:txBody>
+          <a:bodyPr/>
+          <a:lstStyle/>
+          <a:p>
+            <a:r>
+              <a:rPr lang="bg-BG" dirty="0" smtClean="0"/>
+              <a:t>Обхват на фунцкиите</a:t>
+            </a:r>
+            <a:endParaRPr lang="en-US" dirty="0"/>
+          </a:p>
+        </p:txBody>
+      </p:sp>
+      <p:pic>
+        <p:nvPicPr>
+          <p:cNvPr id="7" name="Picture 6"/>
+          <p:cNvPicPr>
+            <a:picLocks noChangeAspect="1"/>
+          </p:cNvPicPr>
+          <p:nvPr/>
+        </p:nvPicPr>
+        <p:blipFill>
+          <a:blip r:embed="rId2">
+            <a:extLst>
+              <a:ext uri="{28A0092B-C50C-407E-A947-70E740481C1C}">
+                <a14:useLocalDpi xmlns:a14="http://schemas.microsoft.com/office/drawing/2010/main" val="0"/>
+              </a:ext>
+            </a:extLst>
+          </a:blip>
+          <a:stretch>
+            <a:fillRect/>
+          </a:stretch>
+        </p:blipFill>
+        <p:spPr>
+          <a:xfrm>
+            <a:off x="4112417" y="1943677"/>
+            <a:ext cx="4762500" cy="4762500"/>
+          </a:xfrm>
+          <a:prstGeom prst="rect">
+            <a:avLst/>
+          </a:prstGeom>
+        </p:spPr>
+      </p:pic>
+    </p:spTree>
+    <p:extLst>
+      <p:ext uri="{BB962C8B-B14F-4D97-AF65-F5344CB8AC3E}">
+        <p14:creationId xmlns:p14="http://schemas.microsoft.com/office/powerpoint/2010/main" val="292895011"/>
+      </p:ext>
+    </p:extLst>
+  </p:cSld>
+  <p:clrMapOvr>
+    <a:masterClrMapping/>
+  </p:clrMapOvr>
+  <p:timing>
+    <p:tnLst>
+      <p:par>
+        <p:cTn id="1" dur="indefinite" restart="never" nodeType="tmRoot"/>
+      </p:par>
+    </p:tnLst>
+  </p:timing>
+</p:sld>
+</file>
+
+<file path=ppt/slides/slide17.xml><?xml version="1.0" encoding="utf-8"?>
+<p:sld xmlns:a="http://schemas.openxmlformats.org/drawingml/2006/main" xmlns:r="http://schemas.openxmlformats.org/officeDocument/2006/relationships" xmlns:p="http://schemas.openxmlformats.org/presentationml/2006/main">
+  <p:cSld>
+    <p:spTree>
+      <p:nvGrpSpPr>
+        <p:cNvPr id="1" name=""/>
+        <p:cNvGrpSpPr/>
+        <p:nvPr/>
+      </p:nvGrpSpPr>
+      <p:grpSpPr>
+        <a:xfrm>
+          <a:off x="0" y="0"/>
+          <a:ext cx="0" cy="0"/>
+          <a:chOff x="0" y="0"/>
+          <a:chExt cx="0" cy="0"/>
+        </a:xfrm>
+      </p:grpSpPr>
+      <p:sp>
+        <p:nvSpPr>
+          <p:cNvPr id="3" name="Title 2"/>
+          <p:cNvSpPr>
+            <a:spLocks noGrp="1"/>
+          </p:cNvSpPr>
+          <p:nvPr>
+            <p:ph type="title"/>
+          </p:nvPr>
+        </p:nvSpPr>
+        <p:spPr/>
+        <p:txBody>
+          <a:bodyPr/>
+          <a:lstStyle/>
+          <a:p>
+            <a:r>
+              <a:rPr lang="bg-BG" dirty="0" smtClean="0"/>
+              <a:t>Приближения (</a:t>
+            </a:r>
+            <a:r>
+              <a:rPr lang="en-US" dirty="0" smtClean="0"/>
+              <a:t>closures)</a:t>
+            </a:r>
+            <a:endParaRPr lang="en-US" dirty="0"/>
+          </a:p>
+        </p:txBody>
+      </p:sp>
+      <p:sp>
+        <p:nvSpPr>
+          <p:cNvPr id="4" name="Content Placeholder 3"/>
+          <p:cNvSpPr>
+            <a:spLocks noGrp="1"/>
+          </p:cNvSpPr>
+          <p:nvPr>
+            <p:ph idx="1"/>
+          </p:nvPr>
+        </p:nvSpPr>
+        <p:spPr>
+          <a:xfrm>
+            <a:off x="1484310" y="2667000"/>
+            <a:ext cx="10018713" cy="2228274"/>
+          </a:xfrm>
+        </p:spPr>
+        <p:txBody>
+          <a:bodyPr/>
+          <a:lstStyle/>
+          <a:p>
+            <a:r>
+              <a:rPr lang="bg-BG" dirty="0" smtClean="0"/>
+              <a:t>Приближенията (</a:t>
+            </a:r>
+            <a:r>
+              <a:rPr lang="en-US" dirty="0" smtClean="0"/>
+              <a:t>closures) </a:t>
+            </a:r>
+            <a:r>
+              <a:rPr lang="bg-BG" dirty="0" smtClean="0"/>
+              <a:t>са специален вид структура в </a:t>
+            </a:r>
+            <a:r>
+              <a:rPr lang="en-US" dirty="0" smtClean="0"/>
+              <a:t>JS</a:t>
+            </a:r>
+            <a:endParaRPr lang="bg-BG" dirty="0" smtClean="0"/>
+          </a:p>
+          <a:p>
+            <a:r>
+              <a:rPr lang="bg-BG" dirty="0" smtClean="0"/>
+              <a:t>Комбинират функцията, както и нейния контекст</a:t>
+            </a:r>
+          </a:p>
+          <a:p>
+            <a:r>
+              <a:rPr lang="bg-BG" dirty="0" smtClean="0"/>
+              <a:t>Чрез приближенията (</a:t>
+            </a:r>
+            <a:r>
+              <a:rPr lang="en-US" dirty="0" smtClean="0"/>
+              <a:t>closures) </a:t>
+            </a:r>
+            <a:r>
+              <a:rPr lang="bg-BG" dirty="0" smtClean="0"/>
+              <a:t>можем да скрием обекти във дадена функция от външния свят (енкапсулация)</a:t>
+            </a:r>
+            <a:endParaRPr lang="en-US" dirty="0"/>
+          </a:p>
+        </p:txBody>
+      </p:sp>
+      <p:sp>
+        <p:nvSpPr>
+          <p:cNvPr id="5" name="Rectangle 4"/>
+          <p:cNvSpPr>
+            <a:spLocks noChangeArrowheads="1"/>
+          </p:cNvSpPr>
+          <p:nvPr/>
+        </p:nvSpPr>
+        <p:spPr bwMode="auto">
+          <a:xfrm>
+            <a:off x="3495964" y="4895274"/>
+            <a:ext cx="5200072" cy="1754326"/>
+          </a:xfrm>
+          <a:prstGeom prst="rect">
+            <a:avLst/>
+          </a:prstGeom>
+          <a:ln/>
+        </p:spPr>
+        <p:style>
+          <a:lnRef idx="0">
+            <a:schemeClr val="accent1"/>
+          </a:lnRef>
+          <a:fillRef idx="3">
+            <a:schemeClr val="accent1"/>
+          </a:fillRef>
+          <a:effectRef idx="3">
+            <a:schemeClr val="accent1"/>
+          </a:effectRef>
+          <a:fontRef idx="minor">
+            <a:schemeClr val="lt1"/>
+          </a:fontRef>
+        </p:style>
+        <p:txBody>
+          <a:bodyPr wrap="square">
+            <a:spAutoFit/>
+          </a:bodyPr>
+          <a:lstStyle/>
+          <a:p>
+            <a:r>
+              <a:rPr lang="en-US" dirty="0"/>
+              <a:t>function outer(x){</a:t>
+            </a:r>
+          </a:p>
+          <a:p>
+            <a:r>
+              <a:rPr lang="en-US" dirty="0"/>
+              <a:t>  function </a:t>
+            </a:r>
+            <a:r>
+              <a:rPr lang="en-US" b="1" dirty="0">
+                <a:solidFill>
+                  <a:schemeClr val="tx1">
+                    <a:lumMod val="95000"/>
+                    <a:lumOff val="5000"/>
+                  </a:schemeClr>
+                </a:solidFill>
+              </a:rPr>
+              <a:t>inner</a:t>
+            </a:r>
+            <a:r>
+              <a:rPr lang="en-US" dirty="0"/>
+              <a:t>(y){</a:t>
+            </a:r>
+          </a:p>
+          <a:p>
+            <a:r>
+              <a:rPr lang="en-US" dirty="0"/>
+              <a:t>    return x + " " + y;</a:t>
+            </a:r>
+          </a:p>
+          <a:p>
+            <a:r>
+              <a:rPr lang="en-US" dirty="0"/>
+              <a:t>  }</a:t>
+            </a:r>
+          </a:p>
+          <a:p>
+            <a:r>
+              <a:rPr lang="en-US" dirty="0"/>
+              <a:t>  return </a:t>
+            </a:r>
+            <a:r>
+              <a:rPr lang="en-US" b="1" dirty="0">
+                <a:solidFill>
+                  <a:schemeClr val="tx1">
+                    <a:lumMod val="95000"/>
+                    <a:lumOff val="5000"/>
+                  </a:schemeClr>
+                </a:solidFill>
+              </a:rPr>
+              <a:t>inner</a:t>
+            </a:r>
+            <a:r>
+              <a:rPr lang="en-US" dirty="0"/>
+              <a:t>;</a:t>
+            </a:r>
+          </a:p>
+          <a:p>
+            <a:r>
+              <a:rPr lang="en-US" dirty="0"/>
+              <a:t>}</a:t>
+            </a:r>
+            <a:endParaRPr lang="en-US" dirty="0">
+              <a:solidFill>
+                <a:schemeClr val="tx1">
+                  <a:lumMod val="20000"/>
+                  <a:lumOff val="80000"/>
+                </a:schemeClr>
+              </a:solidFill>
+            </a:endParaRPr>
+          </a:p>
+        </p:txBody>
+      </p:sp>
+      <p:sp>
+        <p:nvSpPr>
+          <p:cNvPr id="6" name="AutoShape 7"/>
+          <p:cNvSpPr>
+            <a:spLocks noChangeArrowheads="1"/>
+          </p:cNvSpPr>
+          <p:nvPr/>
+        </p:nvSpPr>
+        <p:spPr bwMode="auto">
+          <a:xfrm>
+            <a:off x="5584620" y="5057347"/>
+            <a:ext cx="3956544" cy="715089"/>
+          </a:xfrm>
+          <a:prstGeom prst="wedgeRoundRectCallout">
+            <a:avLst>
+              <a:gd name="adj1" fmla="val -57391"/>
+              <a:gd name="adj2" fmla="val -4056"/>
+              <a:gd name="adj3" fmla="val 16667"/>
+            </a:avLst>
+          </a:prstGeom>
+          <a:solidFill>
+            <a:srgbClr val="9F8471"/>
+          </a:solidFill>
+          <a:ln w="6350">
+            <a:solidFill>
+              <a:schemeClr val="tx1">
+                <a:lumMod val="20000"/>
+                <a:lumOff val="80000"/>
+              </a:schemeClr>
+            </a:solidFill>
+          </a:ln>
+        </p:spPr>
+        <p:txBody>
+          <a:bodyPr wrap="square">
+            <a:spAutoFit/>
+          </a:bodyPr>
+          <a:lstStyle/>
+          <a:p>
+            <a:pPr algn="ctr" eaLnBrk="0" hangingPunct="0">
+              <a:spcBef>
+                <a:spcPts val="0"/>
+              </a:spcBef>
+              <a:buClr>
+                <a:schemeClr val="accent5">
+                  <a:lumMod val="40000"/>
+                  <a:lumOff val="60000"/>
+                </a:schemeClr>
+              </a:buClr>
+              <a:buSzPct val="70000"/>
+            </a:pPr>
+            <a:r>
+              <a:rPr lang="en-US" b="1" noProof="1" smtClean="0">
+                <a:solidFill>
+                  <a:schemeClr val="accent5">
+                    <a:lumMod val="20000"/>
+                    <a:lumOff val="80000"/>
+                  </a:schemeClr>
+                </a:solidFill>
+                <a:effectLst>
+                  <a:outerShdw blurRad="38100" dist="38100" dir="2700000" algn="tl">
+                    <a:srgbClr val="000000">
+                      <a:alpha val="43137"/>
+                    </a:srgbClr>
+                  </a:outerShdw>
+                </a:effectLst>
+                <a:cs typeface="Consolas" pitchFamily="49" charset="0"/>
+              </a:rPr>
+              <a:t>inner</a:t>
+            </a:r>
+            <a:r>
+              <a:rPr lang="en-US" b="1" noProof="1">
+                <a:solidFill>
+                  <a:schemeClr val="accent5">
+                    <a:lumMod val="20000"/>
+                    <a:lumOff val="80000"/>
+                  </a:schemeClr>
+                </a:solidFill>
+                <a:effectLst>
+                  <a:outerShdw blurRad="38100" dist="38100" dir="2700000" algn="tl">
+                    <a:srgbClr val="000000">
+                      <a:alpha val="43137"/>
+                    </a:srgbClr>
+                  </a:outerShdw>
+                </a:effectLst>
+                <a:cs typeface="Consolas" pitchFamily="49" charset="0"/>
+              </a:rPr>
+              <a:t>()</a:t>
+            </a:r>
+            <a:r>
+              <a:rPr lang="en-US" b="1" noProof="1">
+                <a:solidFill>
+                  <a:srgbClr val="F7FFE7"/>
+                </a:solidFill>
+                <a:effectLst>
+                  <a:outerShdw blurRad="38100" dist="38100" dir="2700000" algn="tl">
+                    <a:srgbClr val="000000">
+                      <a:alpha val="43137"/>
+                    </a:srgbClr>
+                  </a:outerShdw>
+                </a:effectLst>
+                <a:cs typeface="Consolas" pitchFamily="49" charset="0"/>
+              </a:rPr>
+              <a:t> </a:t>
+            </a:r>
+            <a:r>
+              <a:rPr lang="bg-BG" b="1" noProof="1" smtClean="0">
+                <a:solidFill>
+                  <a:srgbClr val="F7FFE7"/>
+                </a:solidFill>
+                <a:effectLst>
+                  <a:outerShdw blurRad="38100" dist="38100" dir="2700000" algn="tl">
+                    <a:srgbClr val="000000">
+                      <a:alpha val="43137"/>
+                    </a:srgbClr>
+                  </a:outerShdw>
+                </a:effectLst>
+                <a:cs typeface="Consolas" pitchFamily="49" charset="0"/>
+              </a:rPr>
+              <a:t>оформя приближение.</a:t>
+            </a:r>
+          </a:p>
+          <a:p>
+            <a:pPr algn="ctr" eaLnBrk="0" hangingPunct="0">
+              <a:spcBef>
+                <a:spcPts val="0"/>
+              </a:spcBef>
+              <a:buClr>
+                <a:schemeClr val="accent5">
+                  <a:lumMod val="40000"/>
+                  <a:lumOff val="60000"/>
+                </a:schemeClr>
+              </a:buClr>
+              <a:buSzPct val="70000"/>
+            </a:pPr>
+            <a:r>
+              <a:rPr lang="bg-BG" b="1" noProof="1" smtClean="0">
+                <a:solidFill>
+                  <a:srgbClr val="F7FFE7"/>
+                </a:solidFill>
+                <a:effectLst>
+                  <a:outerShdw blurRad="38100" dist="38100" dir="2700000" algn="tl">
+                    <a:srgbClr val="000000">
+                      <a:alpha val="43137"/>
+                    </a:srgbClr>
+                  </a:outerShdw>
+                </a:effectLst>
+                <a:cs typeface="Consolas" pitchFamily="49" charset="0"/>
+              </a:rPr>
+              <a:t>Съдържа референция към </a:t>
+            </a:r>
+            <a:r>
+              <a:rPr lang="en-US" b="1" noProof="1" smtClean="0">
+                <a:solidFill>
+                  <a:srgbClr val="F7FFE7"/>
+                </a:solidFill>
+                <a:effectLst>
+                  <a:outerShdw blurRad="38100" dist="38100" dir="2700000" algn="tl">
+                    <a:srgbClr val="000000">
+                      <a:alpha val="43137"/>
+                    </a:srgbClr>
+                  </a:outerShdw>
+                </a:effectLst>
+                <a:cs typeface="Consolas" pitchFamily="49" charset="0"/>
+              </a:rPr>
+              <a:t>x</a:t>
+            </a:r>
+            <a:endParaRPr lang="en-US" b="1" noProof="1">
+              <a:solidFill>
+                <a:schemeClr val="accent5">
+                  <a:lumMod val="20000"/>
+                  <a:lumOff val="80000"/>
+                </a:schemeClr>
+              </a:solidFill>
+              <a:effectLst>
+                <a:outerShdw blurRad="38100" dist="38100" dir="2700000" algn="tl">
+                  <a:srgbClr val="000000">
+                    <a:alpha val="43137"/>
+                  </a:srgbClr>
+                </a:outerShdw>
+              </a:effectLst>
+              <a:cs typeface="Consolas" pitchFamily="49" charset="0"/>
+            </a:endParaRPr>
+          </a:p>
+        </p:txBody>
+      </p:sp>
+    </p:spTree>
+    <p:extLst>
+      <p:ext uri="{BB962C8B-B14F-4D97-AF65-F5344CB8AC3E}">
+        <p14:creationId xmlns:p14="http://schemas.microsoft.com/office/powerpoint/2010/main" val="2272803183"/>
+      </p:ext>
+    </p:extLst>
+  </p:cSld>
+  <p:clrMapOvr>
+    <a:masterClrMapping/>
+  </p:clrMapOvr>
+  <p:timing>
+    <p:tnLst>
+      <p:par>
+        <p:cTn id="1" dur="indefinite" restart="never" nodeType="tmRoot">
+          <p:childTnLst>
+            <p:seq concurrent="1" nextAc="seek">
+              <p:cTn id="2" dur="indefinite" nodeType="mainSeq">
+                <p:childTnLst>
+                  <p:par>
+                    <p:cTn id="3" fill="hold">
+                      <p:stCondLst>
+                        <p:cond delay="indefinite"/>
+                        <p:cond evt="onBegin" delay="0">
+                          <p:tn val="2"/>
+                        </p:cond>
+                      </p:stCondLst>
+                      <p:childTnLst>
+                        <p:par>
+                          <p:cTn id="4" fill="hold">
+                            <p:stCondLst>
+                              <p:cond delay="0"/>
+                            </p:stCondLst>
+                            <p:childTnLst>
+                              <p:par>
+                                <p:cTn id="5" presetID="10" presetClass="entr" presetSubtype="0" fill="hold" grpId="0" nodeType="afterEffect">
+                                  <p:stCondLst>
+                                    <p:cond delay="0"/>
+                                  </p:stCondLst>
+                                  <p:childTnLst>
+                                    <p:set>
+                                      <p:cBhvr>
+                                        <p:cTn id="6" dur="1" fill="hold">
+                                          <p:stCondLst>
+                                            <p:cond delay="0"/>
+                                          </p:stCondLst>
+                                        </p:cTn>
+                                        <p:tgtEl>
+                                          <p:spTgt spid="6"/>
+                                        </p:tgtEl>
+                                        <p:attrNameLst>
+                                          <p:attrName>style.visibility</p:attrName>
+                                        </p:attrNameLst>
+                                      </p:cBhvr>
+                                      <p:to>
+                                        <p:strVal val="visible"/>
+                                      </p:to>
+                                    </p:set>
+                                    <p:animEffect transition="in" filter="fade">
+                                      <p:cBhvr>
+                                        <p:cTn id="7" dur="500"/>
+                                        <p:tgtEl>
+                                          <p:spTgt spid="6"/>
+                                        </p:tgtEl>
+                                      </p:cBhvr>
+                                    </p:animEffect>
+                                  </p:childTnLst>
+                                </p:cTn>
+                              </p:par>
+                            </p:childTnLst>
+                          </p:cTn>
+                        </p:par>
+                      </p:childTnLst>
+                    </p:cTn>
+                  </p:par>
+                </p:childTnLst>
+              </p:cTn>
+              <p:prevCondLst>
+                <p:cond evt="onPrev" delay="0">
+                  <p:tgtEl>
+                    <p:sldTgt/>
+                  </p:tgtEl>
+                </p:cond>
+              </p:prevCondLst>
+              <p:nextCondLst>
+                <p:cond evt="onNext" delay="0">
+                  <p:tgtEl>
+                    <p:sldTgt/>
+                  </p:tgtEl>
+                </p:cond>
+              </p:nextCondLst>
+            </p:seq>
+          </p:childTnLst>
+        </p:cTn>
+      </p:par>
+    </p:tnLst>
+    <p:bldLst>
+      <p:bldP spid="6" grpId="0" animBg="1"/>
+    </p:bldLst>
+  </p:timing>
+</p:sld>
+</file>
+
+<file path=ppt/slides/slide18.xml><?xml version="1.0" encoding="utf-8"?>
+<p:sld xmlns:a="http://schemas.openxmlformats.org/drawingml/2006/main" xmlns:r="http://schemas.openxmlformats.org/officeDocument/2006/relationships" xmlns:p="http://schemas.openxmlformats.org/presentationml/2006/main">
+  <p:cSld>
+    <p:spTree>
+      <p:nvGrpSpPr>
+        <p:cNvPr id="1" name=""/>
+        <p:cNvGrpSpPr/>
+        <p:nvPr/>
+      </p:nvGrpSpPr>
+      <p:grpSpPr>
+        <a:xfrm>
+          <a:off x="0" y="0"/>
+          <a:ext cx="0" cy="0"/>
+          <a:chOff x="0" y="0"/>
+          <a:chExt cx="0" cy="0"/>
+        </a:xfrm>
+      </p:grpSpPr>
+      <p:sp>
+        <p:nvSpPr>
+          <p:cNvPr id="6" name="Title 5"/>
+          <p:cNvSpPr>
+            <a:spLocks noGrp="1"/>
+          </p:cNvSpPr>
+          <p:nvPr>
+            <p:ph type="title"/>
+          </p:nvPr>
+        </p:nvSpPr>
+        <p:spPr>
+          <a:xfrm>
+            <a:off x="1484311" y="166256"/>
+            <a:ext cx="10018713" cy="2272144"/>
+          </a:xfrm>
+        </p:spPr>
+        <p:txBody>
+          <a:bodyPr/>
+          <a:lstStyle/>
+          <a:p>
+            <a:r>
+              <a:rPr lang="bg-BG" dirty="0" smtClean="0"/>
+              <a:t>Приближения (</a:t>
+            </a:r>
+            <a:r>
+              <a:rPr lang="en-US" dirty="0" smtClean="0"/>
+              <a:t>closures)</a:t>
+            </a:r>
+            <a:endParaRPr lang="en-US" dirty="0"/>
+          </a:p>
+        </p:txBody>
+      </p:sp>
+      <p:pic>
+        <p:nvPicPr>
+          <p:cNvPr id="7" name="Picture 6"/>
+          <p:cNvPicPr>
+            <a:picLocks noChangeAspect="1"/>
+          </p:cNvPicPr>
+          <p:nvPr/>
+        </p:nvPicPr>
+        <p:blipFill>
+          <a:blip r:embed="rId2">
+            <a:extLst>
+              <a:ext uri="{28A0092B-C50C-407E-A947-70E740481C1C}">
+                <a14:useLocalDpi xmlns:a14="http://schemas.microsoft.com/office/drawing/2010/main" val="0"/>
+              </a:ext>
+            </a:extLst>
+          </a:blip>
+          <a:stretch>
+            <a:fillRect/>
+          </a:stretch>
+        </p:blipFill>
+        <p:spPr>
+          <a:xfrm>
+            <a:off x="4112417" y="1943677"/>
+            <a:ext cx="4762500" cy="4762500"/>
+          </a:xfrm>
+          <a:prstGeom prst="rect">
+            <a:avLst/>
+          </a:prstGeom>
+        </p:spPr>
+      </p:pic>
+    </p:spTree>
+    <p:extLst>
+      <p:ext uri="{BB962C8B-B14F-4D97-AF65-F5344CB8AC3E}">
+        <p14:creationId xmlns:p14="http://schemas.microsoft.com/office/powerpoint/2010/main" val="212276110"/>
+      </p:ext>
+    </p:extLst>
+  </p:cSld>
+  <p:clrMapOvr>
+    <a:masterClrMapping/>
+  </p:clrMapOvr>
+  <p:timing>
+    <p:tnLst>
+      <p:par>
+        <p:cTn id="1" dur="indefinite" restart="never" nodeType="tmRoot"/>
+      </p:par>
+    </p:tnLst>
+  </p:timing>
+</p:sld>
+</file>
+
+<file path=ppt/slides/slide19.xml><?xml version="1.0" encoding="utf-8"?>
+<p:sld xmlns:a="http://schemas.openxmlformats.org/drawingml/2006/main" xmlns:r="http://schemas.openxmlformats.org/officeDocument/2006/relationships" xmlns:p="http://schemas.openxmlformats.org/presentationml/2006/main">
+  <p:cSld>
+    <p:spTree>
+      <p:nvGrpSpPr>
+        <p:cNvPr id="1" name=""/>
+        <p:cNvGrpSpPr/>
+        <p:nvPr/>
+      </p:nvGrpSpPr>
+      <p:grpSpPr>
+        <a:xfrm>
+          <a:off x="0" y="0"/>
+          <a:ext cx="0" cy="0"/>
+          <a:chOff x="0" y="0"/>
+          <a:chExt cx="0" cy="0"/>
+        </a:xfrm>
+      </p:grpSpPr>
+      <p:pic>
+        <p:nvPicPr>
+          <p:cNvPr id="4" name="Content Placeholder 3"/>
+          <p:cNvPicPr>
+            <a:picLocks noGrp="1" noChangeAspect="1"/>
+          </p:cNvPicPr>
+          <p:nvPr>
+            <p:ph idx="1"/>
+          </p:nvPr>
+        </p:nvPicPr>
+        <p:blipFill>
+          <a:blip r:embed="rId2">
+            <a:extLst>
+              <a:ext uri="{28A0092B-C50C-407E-A947-70E740481C1C}">
+                <a14:useLocalDpi xmlns:a14="http://schemas.microsoft.com/office/drawing/2010/main" val="0"/>
+              </a:ext>
+            </a:extLst>
+          </a:blip>
+          <a:stretch>
+            <a:fillRect/>
+          </a:stretch>
+        </p:blipFill>
+        <p:spPr>
+          <a:xfrm>
+            <a:off x="3862422" y="506026"/>
+            <a:ext cx="4766673" cy="5934509"/>
+          </a:xfrm>
+        </p:spPr>
+      </p:pic>
+    </p:spTree>
+    <p:extLst>
+      <p:ext uri="{BB962C8B-B14F-4D97-AF65-F5344CB8AC3E}">
+        <p14:creationId xmlns:p14="http://schemas.microsoft.com/office/powerpoint/2010/main" val="475375314"/>
+      </p:ext>
+    </p:extLst>
+  </p:cSld>
+  <p:clrMapOvr>
+    <a:masterClrMapping/>
+  </p:clrMapOvr>
+  <p:timing>
+    <p:tnLst>
+      <p:par>
+        <p:cTn id="1" dur="indefinite" restart="never" nodeType="tmRoot"/>
+      </p:par>
+    </p:tnLst>
+  </p:timing>
 </p:sld>
 </file>
 
@@ -7038,6 +11705,237 @@
   <p:clrMapOvr>
     <a:masterClrMapping/>
   </p:clrMapOvr>
+</p:sld>
+</file>
+
+<file path=ppt/slides/slide20.xml><?xml version="1.0" encoding="utf-8"?>
+<p:sld xmlns:a="http://schemas.openxmlformats.org/drawingml/2006/main" xmlns:r="http://schemas.openxmlformats.org/officeDocument/2006/relationships" xmlns:p="http://schemas.openxmlformats.org/presentationml/2006/main">
+  <p:cSld>
+    <p:spTree>
+      <p:nvGrpSpPr>
+        <p:cNvPr id="1" name=""/>
+        <p:cNvGrpSpPr/>
+        <p:nvPr/>
+      </p:nvGrpSpPr>
+      <p:grpSpPr>
+        <a:xfrm>
+          <a:off x="0" y="0"/>
+          <a:ext cx="0" cy="0"/>
+          <a:chOff x="0" y="0"/>
+          <a:chExt cx="0" cy="0"/>
+        </a:xfrm>
+      </p:grpSpPr>
+      <p:sp>
+        <p:nvSpPr>
+          <p:cNvPr id="2" name="Title 1"/>
+          <p:cNvSpPr>
+            <a:spLocks noGrp="1"/>
+          </p:cNvSpPr>
+          <p:nvPr>
+            <p:ph type="title"/>
+          </p:nvPr>
+        </p:nvSpPr>
+        <p:spPr/>
+        <p:txBody>
+          <a:bodyPr/>
+          <a:lstStyle/>
+          <a:p>
+            <a:r>
+              <a:rPr lang="bg-BG" dirty="0"/>
+              <a:t>Домашна работа</a:t>
+            </a:r>
+            <a:endParaRPr lang="en-US" dirty="0"/>
+          </a:p>
+        </p:txBody>
+      </p:sp>
+      <p:sp>
+        <p:nvSpPr>
+          <p:cNvPr id="3" name="Content Placeholder 2"/>
+          <p:cNvSpPr>
+            <a:spLocks noGrp="1"/>
+          </p:cNvSpPr>
+          <p:nvPr>
+            <p:ph idx="1"/>
+          </p:nvPr>
+        </p:nvSpPr>
+        <p:spPr>
+          <a:xfrm>
+            <a:off x="1484310" y="2669308"/>
+            <a:ext cx="10199690" cy="3999347"/>
+          </a:xfrm>
+        </p:spPr>
+        <p:txBody>
+          <a:bodyPr anchor="ctr" anchorCtr="0">
+            <a:normAutofit fontScale="85000" lnSpcReduction="20000"/>
+          </a:bodyPr>
+          <a:lstStyle/>
+          <a:p>
+            <a:pPr marL="457200" indent="-457200">
+              <a:buFont typeface="+mj-lt"/>
+              <a:buAutoNum type="arabicPeriod"/>
+            </a:pPr>
+            <a:r>
+              <a:rPr lang="bg-BG" dirty="0"/>
+              <a:t>Напишете </a:t>
+            </a:r>
+            <a:r>
+              <a:rPr lang="en-US" dirty="0" smtClean="0"/>
+              <a:t>JS </a:t>
+            </a:r>
+            <a:r>
+              <a:rPr lang="bg-BG" dirty="0" smtClean="0"/>
+              <a:t>функция, която да връща последната цифра в дадено число като дума на английски. Напр. 305 -&gt; </a:t>
+            </a:r>
+            <a:r>
+              <a:rPr lang="en-US" dirty="0" smtClean="0"/>
+              <a:t>five</a:t>
+            </a:r>
+          </a:p>
+          <a:p>
+            <a:pPr marL="457200" indent="-457200">
+              <a:buFont typeface="+mj-lt"/>
+              <a:buAutoNum type="arabicPeriod"/>
+            </a:pPr>
+            <a:r>
+              <a:rPr lang="bg-BG" dirty="0"/>
+              <a:t>Напишете </a:t>
+            </a:r>
+            <a:r>
+              <a:rPr lang="en-US" dirty="0"/>
+              <a:t>JS </a:t>
+            </a:r>
+            <a:r>
+              <a:rPr lang="bg-BG" dirty="0"/>
+              <a:t>функция, която да </a:t>
+            </a:r>
+            <a:r>
+              <a:rPr lang="bg-BG" dirty="0" smtClean="0"/>
+              <a:t>намира колко пъти се среща дадена дума в даден текст. Търсеното може да бъде чувствително към главни букви или да не бъде чувствително, нека това зависи от параметър, който да има дефолтна стойност.</a:t>
+            </a:r>
+          </a:p>
+          <a:p>
+            <a:pPr marL="457200" indent="-457200">
+              <a:buFont typeface="+mj-lt"/>
+              <a:buAutoNum type="arabicPeriod"/>
+            </a:pPr>
+            <a:r>
+              <a:rPr lang="bg-BG" dirty="0"/>
+              <a:t>Напишете </a:t>
+            </a:r>
+            <a:r>
+              <a:rPr lang="en-US" dirty="0"/>
+              <a:t>JS </a:t>
+            </a:r>
+            <a:r>
+              <a:rPr lang="bg-BG" dirty="0"/>
+              <a:t>функция, която </a:t>
+            </a:r>
+            <a:r>
+              <a:rPr lang="bg-BG" dirty="0" smtClean="0"/>
+              <a:t>да намира 1вия елемент от даден масив от цели числа, който е по-голям от неговите съседни и да връща индекса му или -1, ако такъв няма.Напр. </a:t>
+            </a:r>
+            <a:r>
+              <a:rPr lang="en-US" dirty="0" smtClean="0"/>
+              <a:t>[</a:t>
+            </a:r>
+            <a:r>
+              <a:rPr lang="en-US" i="1" dirty="0" smtClean="0"/>
+              <a:t>1,</a:t>
+            </a:r>
+            <a:r>
+              <a:rPr lang="en-US" b="1" i="1" dirty="0" smtClean="0"/>
+              <a:t>3</a:t>
+            </a:r>
+            <a:r>
+              <a:rPr lang="en-US" i="1" dirty="0" smtClean="0"/>
+              <a:t>,2</a:t>
+            </a:r>
+            <a:r>
+              <a:rPr lang="en-US" dirty="0" smtClean="0"/>
+              <a:t>,5,6] -&gt; 1</a:t>
+            </a:r>
+          </a:p>
+          <a:p>
+            <a:pPr marL="457200" indent="-457200">
+              <a:buFont typeface="+mj-lt"/>
+              <a:buAutoNum type="arabicPeriod"/>
+            </a:pPr>
+            <a:r>
+              <a:rPr lang="bg-BG" dirty="0"/>
+              <a:t>Напишете </a:t>
+            </a:r>
+            <a:r>
+              <a:rPr lang="en-US" dirty="0"/>
+              <a:t>JS </a:t>
+            </a:r>
+            <a:r>
+              <a:rPr lang="bg-BG" dirty="0"/>
+              <a:t>функция, която </a:t>
+            </a:r>
+            <a:r>
+              <a:rPr lang="bg-BG" dirty="0" smtClean="0"/>
+              <a:t>да калкулира дадени числа. Възможните операции са събиране, изваждане, умножение, деление, деление с остатък.</a:t>
+            </a:r>
+          </a:p>
+          <a:p>
+            <a:pPr marL="457200" indent="-457200">
+              <a:buFont typeface="+mj-lt"/>
+              <a:buAutoNum type="arabicPeriod"/>
+            </a:pPr>
+            <a:r>
+              <a:rPr lang="bg-BG" dirty="0" smtClean="0"/>
+              <a:t>Напишете </a:t>
+            </a:r>
+            <a:r>
+              <a:rPr lang="en-US" dirty="0" smtClean="0"/>
+              <a:t>JS </a:t>
+            </a:r>
+            <a:r>
+              <a:rPr lang="bg-BG" dirty="0" smtClean="0"/>
+              <a:t>функция, която получава текст и връща нов текст, в който всяко изречение е на нов ред.</a:t>
+            </a:r>
+            <a:endParaRPr lang="bg-BG" dirty="0"/>
+          </a:p>
+          <a:p>
+            <a:pPr marL="457200" indent="-457200">
+              <a:buFont typeface="+mj-lt"/>
+              <a:buAutoNum type="arabicPeriod"/>
+            </a:pPr>
+            <a:endParaRPr lang="bg-BG" dirty="0"/>
+          </a:p>
+          <a:p>
+            <a:pPr marL="457200" indent="-457200">
+              <a:buFont typeface="+mj-lt"/>
+              <a:buAutoNum type="arabicPeriod"/>
+            </a:pPr>
+            <a:endParaRPr lang="bg-BG" dirty="0"/>
+          </a:p>
+          <a:p>
+            <a:pPr marL="457200" indent="-457200">
+              <a:buFont typeface="+mj-lt"/>
+              <a:buAutoNum type="arabicPeriod"/>
+            </a:pPr>
+            <a:endParaRPr lang="bg-BG" dirty="0"/>
+          </a:p>
+        </p:txBody>
+      </p:sp>
+    </p:spTree>
+    <p:extLst>
+      <p:ext uri="{BB962C8B-B14F-4D97-AF65-F5344CB8AC3E}">
+        <p14:creationId xmlns:p14="http://schemas.microsoft.com/office/powerpoint/2010/main" val="2161688977"/>
+      </p:ext>
+    </p:extLst>
+  </p:cSld>
+  <p:clrMapOvr>
+    <a:masterClrMapping/>
+  </p:clrMapOvr>
+  <p:timing>
+    <p:tnLst>
+      <p:par>
+        <p:cTn id="1" dur="indefinite" restart="never" nodeType="tmRoot"/>
+      </p:par>
+    </p:tnLst>
+  </p:timing>
 </p:sld>
 </file>
 
@@ -8599,39 +13497,235 @@
           <a:chExt cx="0" cy="0"/>
         </a:xfrm>
       </p:grpSpPr>
-      <p:pic>
-        <p:nvPicPr>
-          <p:cNvPr id="4" name="Content Placeholder 3"/>
-          <p:cNvPicPr>
-            <a:picLocks noGrp="1" noChangeAspect="1"/>
-          </p:cNvPicPr>
+      <p:sp>
+        <p:nvSpPr>
+          <p:cNvPr id="2" name="Title 1"/>
+          <p:cNvSpPr>
+            <a:spLocks noGrp="1"/>
+          </p:cNvSpPr>
+          <p:nvPr>
+            <p:ph type="title"/>
+          </p:nvPr>
+        </p:nvSpPr>
+        <p:spPr/>
+        <p:txBody>
+          <a:bodyPr/>
+          <a:lstStyle/>
+          <a:p>
+            <a:r>
+              <a:rPr lang="bg-BG" dirty="0" smtClean="0"/>
+              <a:t>Функции, които връщат стойност</a:t>
+            </a:r>
+            <a:endParaRPr lang="en-US" dirty="0"/>
+          </a:p>
+        </p:txBody>
+      </p:sp>
+      <p:sp>
+        <p:nvSpPr>
+          <p:cNvPr id="3" name="Content Placeholder 2"/>
+          <p:cNvSpPr>
+            <a:spLocks noGrp="1"/>
+          </p:cNvSpPr>
           <p:nvPr>
             <p:ph idx="1"/>
           </p:nvPr>
-        </p:nvPicPr>
-        <p:blipFill>
-          <a:blip r:embed="rId2">
-            <a:extLst>
-              <a:ext uri="{28A0092B-C50C-407E-A947-70E740481C1C}">
-                <a14:useLocalDpi xmlns:a14="http://schemas.microsoft.com/office/drawing/2010/main" val="0"/>
-              </a:ext>
-            </a:extLst>
-          </a:blip>
-          <a:stretch>
-            <a:fillRect/>
-          </a:stretch>
-        </p:blipFill>
+        </p:nvSpPr>
         <p:spPr>
           <a:xfrm>
-            <a:off x="3862422" y="506026"/>
-            <a:ext cx="4766673" cy="5934509"/>
+            <a:off x="1484310" y="2666999"/>
+            <a:ext cx="10018713" cy="3502892"/>
           </a:xfrm>
         </p:spPr>
-      </p:pic>
+        <p:txBody>
+          <a:bodyPr>
+            <a:normAutofit fontScale="85000" lnSpcReduction="10000"/>
+          </a:bodyPr>
+          <a:lstStyle/>
+          <a:p>
+            <a:pPr algn="just"/>
+            <a:r>
+              <a:rPr lang="bg-BG" dirty="0" smtClean="0"/>
+              <a:t>По дизайн всяка функция в </a:t>
+            </a:r>
+            <a:r>
+              <a:rPr lang="en-US" dirty="0" smtClean="0"/>
+              <a:t>JS</a:t>
+            </a:r>
+            <a:r>
+              <a:rPr lang="bg-BG" dirty="0" smtClean="0"/>
+              <a:t> връща стойност</a:t>
+            </a:r>
+          </a:p>
+          <a:p>
+            <a:pPr lvl="1" algn="just"/>
+            <a:r>
+              <a:rPr lang="bg-BG" dirty="0" smtClean="0"/>
+              <a:t>Ако не бъде изришно върната стойност от програмиста, то функцията връща </a:t>
+            </a:r>
+            <a:r>
+              <a:rPr lang="en-US" i="1" dirty="0" smtClean="0">
+                <a:solidFill>
+                  <a:schemeClr val="accent6">
+                    <a:lumMod val="75000"/>
+                  </a:schemeClr>
+                </a:solidFill>
+              </a:rPr>
+              <a:t>undefined</a:t>
+            </a:r>
+          </a:p>
+          <a:p>
+            <a:pPr lvl="1" algn="just"/>
+            <a:r>
+              <a:rPr lang="bg-BG" dirty="0"/>
+              <a:t>Връщаната стойност може бъде да бъде от всякакъв тип – </a:t>
+            </a:r>
+            <a:r>
+              <a:rPr lang="en-US" i="1" dirty="0" smtClean="0">
+                <a:solidFill>
+                  <a:schemeClr val="accent6">
+                    <a:lumMod val="75000"/>
+                  </a:schemeClr>
+                </a:solidFill>
+              </a:rPr>
+              <a:t>Number, String, Object, Function</a:t>
+            </a:r>
+          </a:p>
+          <a:p>
+            <a:pPr algn="just"/>
+            <a:r>
+              <a:rPr lang="bg-BG" dirty="0"/>
+              <a:t>За да бъде върната стойност се използва кл.дума</a:t>
+            </a:r>
+            <a:r>
+              <a:rPr lang="bg-BG" i="1" dirty="0" smtClean="0">
+                <a:solidFill>
+                  <a:schemeClr val="accent6">
+                    <a:lumMod val="75000"/>
+                  </a:schemeClr>
+                </a:solidFill>
+              </a:rPr>
+              <a:t> </a:t>
+            </a:r>
+            <a:r>
+              <a:rPr lang="en-US" i="1" dirty="0" smtClean="0">
+                <a:solidFill>
+                  <a:schemeClr val="accent6">
+                    <a:lumMod val="75000"/>
+                  </a:schemeClr>
+                </a:solidFill>
+              </a:rPr>
+              <a:t>return</a:t>
+            </a:r>
+          </a:p>
+          <a:p>
+            <a:pPr lvl="1" algn="just"/>
+            <a:r>
+              <a:rPr lang="en-US" i="1" dirty="0" smtClean="0">
+                <a:solidFill>
+                  <a:schemeClr val="accent6">
+                    <a:lumMod val="75000"/>
+                  </a:schemeClr>
+                </a:solidFill>
+              </a:rPr>
+              <a:t>return </a:t>
+            </a:r>
+            <a:r>
+              <a:rPr lang="bg-BG" dirty="0"/>
+              <a:t>връща директно стойността от изпълнението на </a:t>
+            </a:r>
+            <a:r>
+              <a:rPr lang="bg-BG" dirty="0" smtClean="0"/>
+              <a:t>функцията</a:t>
+            </a:r>
+          </a:p>
+          <a:p>
+            <a:pPr lvl="1" algn="just"/>
+            <a:r>
+              <a:rPr lang="en-US" i="1" dirty="0" smtClean="0">
+                <a:solidFill>
+                  <a:schemeClr val="accent6">
+                    <a:lumMod val="75000"/>
+                  </a:schemeClr>
+                </a:solidFill>
+              </a:rPr>
+              <a:t>return </a:t>
+            </a:r>
+            <a:r>
+              <a:rPr lang="bg-BG" dirty="0" smtClean="0"/>
+              <a:t>прекратява изпълнението на функцията моментално</a:t>
+            </a:r>
+          </a:p>
+          <a:p>
+            <a:pPr lvl="1" algn="just"/>
+            <a:r>
+              <a:rPr lang="bg-BG" dirty="0" smtClean="0"/>
+              <a:t>В 1 фунцкия може да има повече и 1 </a:t>
+            </a:r>
+            <a:r>
+              <a:rPr lang="en-US" i="1" dirty="0" smtClean="0">
+                <a:solidFill>
+                  <a:schemeClr val="accent6">
+                    <a:lumMod val="75000"/>
+                  </a:schemeClr>
+                </a:solidFill>
+              </a:rPr>
+              <a:t>return</a:t>
+            </a:r>
+            <a:r>
+              <a:rPr lang="bg-BG" dirty="0" smtClean="0"/>
+              <a:t> според логиката, която съдържа, но ще се изпълни </a:t>
+            </a:r>
+            <a:r>
+              <a:rPr lang="bg-BG" b="1" dirty="0" smtClean="0"/>
+              <a:t>само</a:t>
+            </a:r>
+            <a:r>
+              <a:rPr lang="bg-BG" dirty="0" smtClean="0"/>
+              <a:t> 1</a:t>
+            </a:r>
+          </a:p>
+          <a:p>
+            <a:pPr lvl="1" algn="just"/>
+            <a:r>
+              <a:rPr lang="bg-BG" b="1" dirty="0" smtClean="0"/>
+              <a:t>Винаги използвайте </a:t>
+            </a:r>
+            <a:r>
+              <a:rPr lang="en-US" b="1" i="1" dirty="0" smtClean="0">
+                <a:solidFill>
+                  <a:schemeClr val="accent6">
+                    <a:lumMod val="75000"/>
+                  </a:schemeClr>
+                </a:solidFill>
+              </a:rPr>
+              <a:t>return</a:t>
+            </a:r>
+            <a:r>
+              <a:rPr lang="en-US" b="1" dirty="0" smtClean="0"/>
+              <a:t>  </a:t>
+            </a:r>
+            <a:r>
+              <a:rPr lang="bg-BG" b="1" dirty="0" smtClean="0"/>
+              <a:t>с ; (точка и запетая)</a:t>
+            </a:r>
+            <a:endParaRPr lang="bg-BG" b="1" dirty="0"/>
+          </a:p>
+          <a:p>
+            <a:pPr lvl="1" algn="just"/>
+            <a:endParaRPr lang="en-US" i="1" dirty="0">
+              <a:solidFill>
+                <a:schemeClr val="accent6">
+                  <a:lumMod val="75000"/>
+                </a:schemeClr>
+              </a:solidFill>
+            </a:endParaRPr>
+          </a:p>
+        </p:txBody>
+      </p:sp>
     </p:spTree>
     <p:extLst>
       <p:ext uri="{BB962C8B-B14F-4D97-AF65-F5344CB8AC3E}">
-        <p14:creationId xmlns:p14="http://schemas.microsoft.com/office/powerpoint/2010/main" val="475375314"/>
+        <p14:creationId xmlns:p14="http://schemas.microsoft.com/office/powerpoint/2010/main" val="320714021"/>
       </p:ext>
     </p:extLst>
   </p:cSld>
@@ -9156,4 +14250,265 @@
     </a:ext>
   </a:extLst>
 </a:theme>
+</file>
+
+<file path=ppt/theme/theme3.xml><?xml version="1.0" encoding="utf-8"?>
+<a:theme xmlns:a="http://schemas.openxmlformats.org/drawingml/2006/main" name="Office Theme">
+  <a:themeElements>
+    <a:clrScheme name="Office">
+      <a:dk1>
+        <a:sysClr val="windowText" lastClr="000000"/>
+      </a:dk1>
+      <a:lt1>
+        <a:sysClr val="window" lastClr="FFFFFF"/>
+      </a:lt1>
+      <a:dk2>
+        <a:srgbClr val="44546A"/>
+      </a:dk2>
+      <a:lt2>
+        <a:srgbClr val="E7E6E6"/>
+      </a:lt2>
+      <a:accent1>
+        <a:srgbClr val="5B9BD5"/>
+      </a:accent1>
+      <a:accent2>
+        <a:srgbClr val="ED7D31"/>
+      </a:accent2>
+      <a:accent3>
+        <a:srgbClr val="A5A5A5"/>
+      </a:accent3>
+      <a:accent4>
+        <a:srgbClr val="FFC000"/>
+      </a:accent4>
+      <a:accent5>
+        <a:srgbClr val="4472C4"/>
+      </a:accent5>
+      <a:accent6>
+        <a:srgbClr val="70AD47"/>
+      </a:accent6>
+      <a:hlink>
+        <a:srgbClr val="0563C1"/>
+      </a:hlink>
+      <a:folHlink>
+        <a:srgbClr val="954F72"/>
+      </a:folHlink>
+    </a:clrScheme>
+    <a:fontScheme name="Office">
+      <a:majorFont>
+        <a:latin typeface="Calibri Light" panose="020F0302020204030204"/>
+        <a:ea typeface=""/>
+        <a:cs typeface=""/>
+        <a:font script="Jpan" typeface="ＭＳ Ｐゴシック"/>
+        <a:font script="Hang" typeface="맑은 고딕"/>
+        <a:font script="Hans" typeface="宋体"/>
+        <a:font script="Hant" typeface="新細明體"/>
+        <a:font script="Arab" typeface="Times New Roman"/>
+        <a:font script="Hebr" typeface="Times New Roman"/>
+        <a:font script="Thai" typeface="Angsana New"/>
+        <a:font script="Ethi" typeface="Nyala"/>
+        <a:font script="Beng" typeface="Vrinda"/>
+        <a:font script="Gujr" typeface="Shruti"/>
+        <a:font script="Khmr" typeface="MoolBoran"/>
+        <a:font script="Knda" typeface="Tunga"/>
+        <a:font script="Guru" typeface="Raavi"/>
+        <a:font script="Cans" typeface="Euphemia"/>
+        <a:font script="Cher" typeface="Plantagenet Cherokee"/>
+        <a:font script="Yiii" typeface="Microsoft Yi Baiti"/>
+        <a:font script="Tibt" typeface="Microsoft Himalaya"/>
+        <a:font script="Thaa" typeface="MV Boli"/>
+        <a:font script="Deva" typeface="Mangal"/>
+        <a:font script="Telu" typeface="Gautami"/>
+        <a:font script="Taml" typeface="Latha"/>
+        <a:font script="Syrc" typeface="Estrangelo Edessa"/>
+        <a:font script="Orya" typeface="Kalinga"/>
+        <a:font script="Mlym" typeface="Kartika"/>
+        <a:font script="Laoo" typeface="DokChampa"/>
+        <a:font script="Sinh" typeface="Iskoola Pota"/>
+        <a:font script="Mong" typeface="Mongolian Baiti"/>
+        <a:font script="Viet" typeface="Times New Roman"/>
+        <a:font script="Uigh" typeface="Microsoft Uighur"/>
+        <a:font script="Geor" typeface="Sylfaen"/>
+      </a:majorFont>
+      <a:minorFont>
+        <a:latin typeface="Calibri" panose="020F0502020204030204"/>
+        <a:ea typeface=""/>
+        <a:cs typeface=""/>
+        <a:font script="Jpan" typeface="ＭＳ Ｐゴシック"/>
+        <a:font script="Hang" typeface="맑은 고딕"/>
+        <a:font script="Hans" typeface="宋体"/>
+        <a:font script="Hant" typeface="新細明體"/>
+        <a:font script="Arab" typeface="Arial"/>
+        <a:font script="Hebr" typeface="Arial"/>
+        <a:font script="Thai" typeface="Cordia New"/>
+        <a:font script="Ethi" typeface="Nyala"/>
+        <a:font script="Beng" typeface="Vrinda"/>
+        <a:font script="Gujr" typeface="Shruti"/>
+        <a:font script="Khmr" typeface="DaunPenh"/>
+        <a:font script="Knda" typeface="Tunga"/>
+        <a:font script="Guru" typeface="Raavi"/>
+        <a:font script="Cans" typeface="Euphemia"/>
+        <a:font script="Cher" typeface="Plantagenet Cherokee"/>
+        <a:font script="Yiii" typeface="Microsoft Yi Baiti"/>
+        <a:font script="Tibt" typeface="Microsoft Himalaya"/>
+        <a:font script="Thaa" typeface="MV Boli"/>
+        <a:font script="Deva" typeface="Mangal"/>
+        <a:font script="Telu" typeface="Gautami"/>
+        <a:font script="Taml" typeface="Latha"/>
+        <a:font script="Syrc" typeface="Estrangelo Edessa"/>
+        <a:font script="Orya" typeface="Kalinga"/>
+        <a:font script="Mlym" typeface="Kartika"/>
+        <a:font script="Laoo" typeface="DokChampa"/>
+        <a:font script="Sinh" typeface="Iskoola Pota"/>
+        <a:font script="Mong" typeface="Mongolian Baiti"/>
+        <a:font script="Viet" typeface="Arial"/>
+        <a:font script="Uigh" typeface="Microsoft Uighur"/>
+        <a:font script="Geor" typeface="Sylfaen"/>
+      </a:minorFont>
+    </a:fontScheme>
+    <a:fmtScheme name="Office">
+      <a:fillStyleLst>
+        <a:solidFill>
+          <a:schemeClr val="phClr"/>
+        </a:solidFill>
+        <a:gradFill rotWithShape="1">
+          <a:gsLst>
+            <a:gs pos="0">
+              <a:schemeClr val="phClr">
+                <a:lumMod val="110000"/>
+                <a:satMod val="105000"/>
+                <a:tint val="67000"/>
+              </a:schemeClr>
+            </a:gs>
+            <a:gs pos="50000">
+              <a:schemeClr val="phClr">
+                <a:lumMod val="105000"/>
+                <a:satMod val="103000"/>
+                <a:tint val="73000"/>
+              </a:schemeClr>
+            </a:gs>
+            <a:gs pos="100000">
+              <a:schemeClr val="phClr">
+                <a:lumMod val="105000"/>
+                <a:satMod val="109000"/>
+                <a:tint val="81000"/>
+              </a:schemeClr>
+            </a:gs>
+          </a:gsLst>
+          <a:lin ang="5400000" scaled="0"/>
+        </a:gradFill>
+        <a:gradFill rotWithShape="1">
+          <a:gsLst>
+            <a:gs pos="0">
+              <a:schemeClr val="phClr">
+                <a:satMod val="103000"/>
+                <a:lumMod val="102000"/>
+                <a:tint val="94000"/>
+              </a:schemeClr>
+            </a:gs>
+            <a:gs pos="50000">
+              <a:schemeClr val="phClr">
+                <a:satMod val="110000"/>
+                <a:lumMod val="100000"/>
+                <a:shade val="100000"/>
+              </a:schemeClr>
+            </a:gs>
+            <a:gs pos="100000">
+              <a:schemeClr val="phClr">
+                <a:lumMod val="99000"/>
+                <a:satMod val="120000"/>
+                <a:shade val="78000"/>
+              </a:schemeClr>
+            </a:gs>
+          </a:gsLst>
+          <a:lin ang="5400000" scaled="0"/>
+        </a:gradFill>
+      </a:fillStyleLst>
+      <a:lnStyleLst>
+        <a:ln w="6350" cap="flat" cmpd="sng" algn="ctr">
+          <a:solidFill>
+            <a:schemeClr val="phClr"/>
+          </a:solidFill>
+          <a:prstDash val="solid"/>
+          <a:miter lim="800000"/>
+        </a:ln>
+        <a:ln w="12700" cap="flat" cmpd="sng" algn="ctr">
+          <a:solidFill>
+            <a:schemeClr val="phClr"/>
+          </a:solidFill>
+          <a:prstDash val="solid"/>
+          <a:miter lim="800000"/>
+        </a:ln>
+        <a:ln w="19050" cap="flat" cmpd="sng" algn="ctr">
+          <a:solidFill>
+            <a:schemeClr val="phClr"/>
+          </a:solidFill>
+          <a:prstDash val="solid"/>
+          <a:miter lim="800000"/>
+        </a:ln>
+      </a:lnStyleLst>
+      <a:effectStyleLst>
+        <a:effectStyle>
+          <a:effectLst/>
+        </a:effectStyle>
+        <a:effectStyle>
+          <a:effectLst/>
+        </a:effectStyle>
+        <a:effectStyle>
+          <a:effectLst>
+            <a:outerShdw blurRad="57150" dist="19050" dir="5400000" algn="ctr" rotWithShape="0">
+              <a:srgbClr val="000000">
+                <a:alpha val="63000"/>
+              </a:srgbClr>
+            </a:outerShdw>
+          </a:effectLst>
+        </a:effectStyle>
+      </a:effectStyleLst>
+      <a:bgFillStyleLst>
+        <a:solidFill>
+          <a:schemeClr val="phClr"/>
+        </a:solidFill>
+        <a:solidFill>
+          <a:schemeClr val="phClr">
+            <a:tint val="95000"/>
+            <a:satMod val="170000"/>
+          </a:schemeClr>
+        </a:solidFill>
+        <a:gradFill rotWithShape="1">
+          <a:gsLst>
+            <a:gs pos="0">
+              <a:schemeClr val="phClr">
+                <a:tint val="93000"/>
+                <a:satMod val="150000"/>
+                <a:shade val="98000"/>
+                <a:lumMod val="102000"/>
+              </a:schemeClr>
+            </a:gs>
+            <a:gs pos="50000">
+              <a:schemeClr val="phClr">
+                <a:tint val="98000"/>
+                <a:satMod val="130000"/>
+                <a:shade val="90000"/>
+                <a:lumMod val="103000"/>
+              </a:schemeClr>
+            </a:gs>
+            <a:gs pos="100000">
+              <a:schemeClr val="phClr">
+                <a:shade val="63000"/>
+                <a:satMod val="120000"/>
+              </a:schemeClr>
+            </a:gs>
+          </a:gsLst>
+          <a:lin ang="5400000" scaled="0"/>
+        </a:gradFill>
+      </a:bgFillStyleLst>
+    </a:fmtScheme>
+  </a:themeElements>
+  <a:objectDefaults/>
+  <a:extraClrSchemeLst/>
+  <a:extLst>
+    <a:ext uri="{05A4C25C-085E-4340-85A3-A5531E510DB2}">
+      <thm15:themeFamily xmlns:thm15="http://schemas.microsoft.com/office/thememl/2012/main" name="Office Theme" id="{62F939B6-93AF-4DB8-9C6B-D6C7DFDC589F}" vid="{4A3C46E8-61CC-4603-A589-7422A47A8E4A}"/>
+    </a:ext>
+  </a:extLst>
+</a:theme>
 </file>
--- a/JS Fundamentals/7.Functions/JS-Functions.pptx
+++ b/JS Fundamentals/7.Functions/JS-Functions.pptx
@@ -5,10 +5,10 @@
     <p:sldMasterId id="2147484157" r:id="rId1"/>
   </p:sldMasterIdLst>
   <p:notesMasterIdLst>
-    <p:notesMasterId r:id="rId22"/>
+    <p:notesMasterId r:id="rId24"/>
   </p:notesMasterIdLst>
   <p:handoutMasterIdLst>
-    <p:handoutMasterId r:id="rId23"/>
+    <p:handoutMasterId r:id="rId25"/>
   </p:handoutMasterIdLst>
   <p:sldIdLst>
     <p:sldId id="256" r:id="rId2"/>
@@ -29,8 +29,10 @@
     <p:sldId id="288" r:id="rId17"/>
     <p:sldId id="293" r:id="rId18"/>
     <p:sldId id="294" r:id="rId19"/>
-    <p:sldId id="266" r:id="rId20"/>
-    <p:sldId id="278" r:id="rId21"/>
+    <p:sldId id="295" r:id="rId20"/>
+    <p:sldId id="296" r:id="rId21"/>
+    <p:sldId id="266" r:id="rId22"/>
+    <p:sldId id="278" r:id="rId23"/>
   </p:sldIdLst>
   <p:sldSz cx="12192000" cy="6858000"/>
   <p:notesSz cx="6858000" cy="9144000"/>
@@ -144,6 +146,9 @@
         </p15:guide>
       </p15:sldGuideLst>
     </p:ext>
+    <p:ext uri="{2D200454-40CA-4A62-9FC3-DE9A4176ACB9}">
+      <p15:notesGuideLst xmlns:p15="http://schemas.microsoft.com/office/powerpoint/2012/main"/>
+    </p:ext>
   </p:extLst>
 </p:presentation>
 </file>
@@ -230,7 +235,7 @@
           <a:p>
             <a:fld id="{D10AF160-CD5A-4A77-96B0-C85B80371432}" type="datetimeFigureOut">
               <a:rPr lang="en-US" smtClean="0"/>
-              <a:t>25-Apr-16</a:t>
+              <a:t>27-Apr-16</a:t>
             </a:fld>
             <a:endParaRPr lang="en-US"/>
           </a:p>
@@ -395,7 +400,7 @@
           <a:p>
             <a:fld id="{F6A950C5-F15E-44EA-AF6A-22227443235C}" type="datetimeFigureOut">
               <a:rPr lang="en-US" smtClean="0"/>
-              <a:t>25-Apr-16</a:t>
+              <a:t>27-Apr-16</a:t>
             </a:fld>
             <a:endParaRPr lang="en-US"/>
           </a:p>
@@ -1164,7 +1169,7 @@
           <a:p>
             <a:fld id="{6F66794D-9D79-4AC5-96DA-597EA4BF2704}" type="datetimeFigureOut">
               <a:rPr lang="en-US" smtClean="0"/>
-              <a:t>25-Apr-16</a:t>
+              <a:t>27-Apr-16</a:t>
             </a:fld>
             <a:endParaRPr lang="en-US"/>
           </a:p>
@@ -1490,7 +1495,7 @@
           <a:p>
             <a:fld id="{6F66794D-9D79-4AC5-96DA-597EA4BF2704}" type="datetimeFigureOut">
               <a:rPr lang="en-US" smtClean="0"/>
-              <a:t>25-Apr-16</a:t>
+              <a:t>27-Apr-16</a:t>
             </a:fld>
             <a:endParaRPr lang="en-US"/>
           </a:p>
@@ -1738,7 +1743,7 @@
           <a:p>
             <a:fld id="{6F66794D-9D79-4AC5-96DA-597EA4BF2704}" type="datetimeFigureOut">
               <a:rPr lang="en-US" smtClean="0"/>
-              <a:t>25-Apr-16</a:t>
+              <a:t>27-Apr-16</a:t>
             </a:fld>
             <a:endParaRPr lang="en-US"/>
           </a:p>
@@ -2278,7 +2283,7 @@
           <a:p>
             <a:fld id="{6F66794D-9D79-4AC5-96DA-597EA4BF2704}" type="datetimeFigureOut">
               <a:rPr lang="en-US" smtClean="0"/>
-              <a:t>25-Apr-16</a:t>
+              <a:t>27-Apr-16</a:t>
             </a:fld>
             <a:endParaRPr lang="en-US"/>
           </a:p>
@@ -2526,7 +2531,7 @@
           <a:p>
             <a:fld id="{6F66794D-9D79-4AC5-96DA-597EA4BF2704}" type="datetimeFigureOut">
               <a:rPr lang="en-US" smtClean="0"/>
-              <a:t>25-Apr-16</a:t>
+              <a:t>27-Apr-16</a:t>
             </a:fld>
             <a:endParaRPr lang="en-US"/>
           </a:p>
@@ -3058,7 +3063,7 @@
           <a:p>
             <a:fld id="{6F66794D-9D79-4AC5-96DA-597EA4BF2704}" type="datetimeFigureOut">
               <a:rPr lang="en-US" smtClean="0"/>
-              <a:t>25-Apr-16</a:t>
+              <a:t>27-Apr-16</a:t>
             </a:fld>
             <a:endParaRPr lang="en-US"/>
           </a:p>
@@ -3355,7 +3360,7 @@
           <a:p>
             <a:fld id="{6F66794D-9D79-4AC5-96DA-597EA4BF2704}" type="datetimeFigureOut">
               <a:rPr lang="en-US" smtClean="0"/>
-              <a:t>25-Apr-16</a:t>
+              <a:t>27-Apr-16</a:t>
             </a:fld>
             <a:endParaRPr lang="en-US"/>
           </a:p>
@@ -3529,7 +3534,7 @@
           <a:p>
             <a:fld id="{6F66794D-9D79-4AC5-96DA-597EA4BF2704}" type="datetimeFigureOut">
               <a:rPr lang="en-US" smtClean="0"/>
-              <a:t>25-Apr-16</a:t>
+              <a:t>27-Apr-16</a:t>
             </a:fld>
             <a:endParaRPr lang="en-US"/>
           </a:p>
@@ -3709,7 +3714,7 @@
           <a:p>
             <a:fld id="{6F66794D-9D79-4AC5-96DA-597EA4BF2704}" type="datetimeFigureOut">
               <a:rPr lang="en-US" smtClean="0"/>
-              <a:t>25-Apr-16</a:t>
+              <a:t>27-Apr-16</a:t>
             </a:fld>
             <a:endParaRPr lang="en-US"/>
           </a:p>
@@ -3879,7 +3884,7 @@
           <a:p>
             <a:fld id="{6F66794D-9D79-4AC5-96DA-597EA4BF2704}" type="datetimeFigureOut">
               <a:rPr lang="en-US" smtClean="0"/>
-              <a:t>25-Apr-16</a:t>
+              <a:t>27-Apr-16</a:t>
             </a:fld>
             <a:endParaRPr lang="en-US"/>
           </a:p>
@@ -4160,7 +4165,7 @@
           <a:p>
             <a:fld id="{6F66794D-9D79-4AC5-96DA-597EA4BF2704}" type="datetimeFigureOut">
               <a:rPr lang="en-US" smtClean="0"/>
-              <a:t>25-Apr-16</a:t>
+              <a:t>27-Apr-16</a:t>
             </a:fld>
             <a:endParaRPr lang="en-US"/>
           </a:p>
@@ -4457,7 +4462,7 @@
           <a:p>
             <a:fld id="{6F66794D-9D79-4AC5-96DA-597EA4BF2704}" type="datetimeFigureOut">
               <a:rPr lang="en-US" smtClean="0"/>
-              <a:t>25-Apr-16</a:t>
+              <a:t>27-Apr-16</a:t>
             </a:fld>
             <a:endParaRPr lang="en-US"/>
           </a:p>
@@ -4929,7 +4934,7 @@
           <a:p>
             <a:fld id="{6F66794D-9D79-4AC5-96DA-597EA4BF2704}" type="datetimeFigureOut">
               <a:rPr lang="en-US" smtClean="0"/>
-              <a:t>25-Apr-16</a:t>
+              <a:t>27-Apr-16</a:t>
             </a:fld>
             <a:endParaRPr lang="en-US"/>
           </a:p>
@@ -5077,7 +5082,7 @@
           <a:p>
             <a:fld id="{6F66794D-9D79-4AC5-96DA-597EA4BF2704}" type="datetimeFigureOut">
               <a:rPr lang="en-US" smtClean="0"/>
-              <a:t>25-Apr-16</a:t>
+              <a:t>27-Apr-16</a:t>
             </a:fld>
             <a:endParaRPr lang="en-US"/>
           </a:p>
@@ -5172,7 +5177,7 @@
           <a:p>
             <a:fld id="{6F66794D-9D79-4AC5-96DA-597EA4BF2704}" type="datetimeFigureOut">
               <a:rPr lang="en-US" smtClean="0"/>
-              <a:t>25-Apr-16</a:t>
+              <a:t>27-Apr-16</a:t>
             </a:fld>
             <a:endParaRPr lang="en-US"/>
           </a:p>
@@ -5455,7 +5460,7 @@
           <a:p>
             <a:fld id="{6F66794D-9D79-4AC5-96DA-597EA4BF2704}" type="datetimeFigureOut">
               <a:rPr lang="en-US" smtClean="0"/>
-              <a:t>25-Apr-16</a:t>
+              <a:t>27-Apr-16</a:t>
             </a:fld>
             <a:endParaRPr lang="en-US"/>
           </a:p>
@@ -5746,7 +5751,7 @@
           <a:p>
             <a:fld id="{6F66794D-9D79-4AC5-96DA-597EA4BF2704}" type="datetimeFigureOut">
               <a:rPr lang="en-US" smtClean="0"/>
-              <a:t>25-Apr-16</a:t>
+              <a:t>27-Apr-16</a:t>
             </a:fld>
             <a:endParaRPr lang="en-US"/>
           </a:p>
@@ -6276,7 +6281,7 @@
           <a:p>
             <a:fld id="{6F66794D-9D79-4AC5-96DA-597EA4BF2704}" type="datetimeFigureOut">
               <a:rPr lang="en-US" smtClean="0"/>
-              <a:t>25-Apr-16</a:t>
+              <a:t>27-Apr-16</a:t>
             </a:fld>
             <a:endParaRPr lang="en-US"/>
           </a:p>
@@ -9003,24 +9008,7 @@
                 <a:latin typeface="Consolas" pitchFamily="49" charset="0"/>
                 <a:cs typeface="Consolas" pitchFamily="49" charset="0"/>
               </a:rPr>
-              <a:t>function calculateSurface(a = 5, b </a:t>
-            </a:r>
-            <a:r>
-              <a:rPr lang="en-US" b="1" noProof="1">
-                <a:solidFill>
-                  <a:srgbClr val="8CF4F2"/>
-                </a:solidFill>
-                <a:effectLst>
-                  <a:outerShdw blurRad="38100" dist="38100" dir="2700000" algn="tl">
-                    <a:srgbClr val="000000">
-                      <a:alpha val="43137"/>
-                    </a:srgbClr>
-                  </a:outerShdw>
-                </a:effectLst>
-                <a:latin typeface="Consolas" pitchFamily="49" charset="0"/>
-                <a:cs typeface="Consolas" pitchFamily="49" charset="0"/>
-              </a:rPr>
-              <a:t>= </a:t>
+              <a:t>function calculateSurface(a = 5, b = </a:t>
             </a:r>
             <a:r>
               <a:rPr lang="en-US" b="1" noProof="1" smtClean="0">
@@ -9336,20 +9324,6 @@
               </a:rPr>
               <a:t>}</a:t>
             </a:r>
-            <a:endParaRPr lang="en-US" b="1" noProof="1">
-              <a:solidFill>
-                <a:srgbClr val="8CF4F2"/>
-              </a:solidFill>
-              <a:effectLst>
-                <a:outerShdw blurRad="38100" dist="38100" dir="2700000" algn="tl">
-                  <a:srgbClr val="000000">
-                    <a:alpha val="43137"/>
-                  </a:srgbClr>
-                </a:outerShdw>
-              </a:effectLst>
-              <a:latin typeface="Consolas" pitchFamily="49" charset="0"/>
-              <a:cs typeface="Consolas" pitchFamily="49" charset="0"/>
-            </a:endParaRPr>
           </a:p>
         </p:txBody>
       </p:sp>
@@ -9598,24 +9572,7 @@
                 <a:latin typeface="Consolas" pitchFamily="49" charset="0"/>
                 <a:cs typeface="Consolas" pitchFamily="49" charset="0"/>
               </a:rPr>
-              <a:t>var </a:t>
-            </a:r>
-            <a:r>
-              <a:rPr lang="en-US" b="1" noProof="1" smtClean="0">
-                <a:solidFill>
-                  <a:srgbClr val="8CF4F2"/>
-                </a:solidFill>
-                <a:effectLst>
-                  <a:outerShdw blurRad="38100" dist="38100" dir="2700000" algn="tl">
-                    <a:srgbClr val="000000">
-                      <a:alpha val="43137"/>
-                    </a:srgbClr>
-                  </a:outerShdw>
-                </a:effectLst>
-                <a:latin typeface="Consolas" pitchFamily="49" charset="0"/>
-                <a:cs typeface="Consolas" pitchFamily="49" charset="0"/>
-              </a:rPr>
-              <a:t>arr = [1, 2, 3, 4, 5, 6, 7];</a:t>
+              <a:t>var arr = [1, 2, 3, 4, 5, 6, 7];</a:t>
             </a:r>
           </a:p>
           <a:p>
@@ -10032,20 +9989,6 @@
               </a:rPr>
               <a:t>}</a:t>
             </a:r>
-            <a:endParaRPr lang="en-US" b="1" noProof="1" smtClean="0">
-              <a:solidFill>
-                <a:srgbClr val="8CF4F2"/>
-              </a:solidFill>
-              <a:effectLst>
-                <a:outerShdw blurRad="38100" dist="38100" dir="2700000" algn="tl">
-                  <a:srgbClr val="000000">
-                    <a:alpha val="43137"/>
-                  </a:srgbClr>
-                </a:outerShdw>
-              </a:effectLst>
-              <a:latin typeface="Consolas" pitchFamily="49" charset="0"/>
-              <a:cs typeface="Consolas" pitchFamily="49" charset="0"/>
-            </a:endParaRPr>
           </a:p>
         </p:txBody>
       </p:sp>
@@ -10790,20 +10733,6 @@
               </a:rPr>
               <a:t>console.log(outer());</a:t>
             </a:r>
-            <a:endParaRPr lang="en-US" b="1" noProof="1">
-              <a:solidFill>
-                <a:srgbClr val="8CF4F2"/>
-              </a:solidFill>
-              <a:effectLst>
-                <a:outerShdw blurRad="38100" dist="38100" dir="2700000" algn="tl">
-                  <a:srgbClr val="000000">
-                    <a:alpha val="43137"/>
-                  </a:srgbClr>
-                </a:outerShdw>
-              </a:effectLst>
-              <a:latin typeface="Consolas" pitchFamily="49" charset="0"/>
-              <a:cs typeface="Consolas" pitchFamily="49" charset="0"/>
-            </a:endParaRPr>
           </a:p>
         </p:txBody>
       </p:sp>
@@ -11543,6 +11472,573 @@
           <a:chExt cx="0" cy="0"/>
         </a:xfrm>
       </p:grpSpPr>
+      <p:sp>
+        <p:nvSpPr>
+          <p:cNvPr id="3" name="Title 2"/>
+          <p:cNvSpPr>
+            <a:spLocks noGrp="1"/>
+          </p:cNvSpPr>
+          <p:nvPr>
+            <p:ph type="title"/>
+          </p:nvPr>
+        </p:nvSpPr>
+        <p:spPr/>
+        <p:txBody>
+          <a:bodyPr/>
+          <a:lstStyle/>
+          <a:p>
+            <a:r>
+              <a:rPr lang="en-US" dirty="0" smtClean="0"/>
+              <a:t>Immediately invoked function expressions</a:t>
+            </a:r>
+            <a:endParaRPr lang="en-US" dirty="0"/>
+          </a:p>
+        </p:txBody>
+      </p:sp>
+      <p:sp>
+        <p:nvSpPr>
+          <p:cNvPr id="4" name="Content Placeholder 3"/>
+          <p:cNvSpPr>
+            <a:spLocks noGrp="1"/>
+          </p:cNvSpPr>
+          <p:nvPr>
+            <p:ph idx="1"/>
+          </p:nvPr>
+        </p:nvSpPr>
+        <p:spPr>
+          <a:xfrm>
+            <a:off x="1484311" y="2168235"/>
+            <a:ext cx="10018713" cy="3124201"/>
+          </a:xfrm>
+        </p:spPr>
+        <p:txBody>
+          <a:bodyPr/>
+          <a:lstStyle/>
+          <a:p>
+            <a:pPr algn="just"/>
+            <a:r>
+              <a:rPr lang="en-US" dirty="0" smtClean="0"/>
+              <a:t>IIFE </a:t>
+            </a:r>
+            <a:r>
+              <a:rPr lang="bg-BG" dirty="0" smtClean="0"/>
+              <a:t>-&gt; </a:t>
+            </a:r>
+            <a:r>
+              <a:rPr lang="en-US" dirty="0" smtClean="0"/>
+              <a:t>immediately invoked function expression </a:t>
+            </a:r>
+          </a:p>
+          <a:p>
+            <a:pPr algn="just"/>
+            <a:r>
+              <a:rPr lang="bg-BG" dirty="0" smtClean="0"/>
+              <a:t>Фунцкията се изпълнява в момента на своето деклариране</a:t>
+            </a:r>
+          </a:p>
+          <a:p>
+            <a:pPr algn="just"/>
+            <a:r>
+              <a:rPr lang="bg-BG" dirty="0" smtClean="0"/>
+              <a:t>Използват се за създаване на </a:t>
+            </a:r>
+            <a:r>
+              <a:rPr lang="en-US" i="1" dirty="0" smtClean="0">
+                <a:solidFill>
+                  <a:schemeClr val="accent6">
+                    <a:lumMod val="75000"/>
+                  </a:schemeClr>
+                </a:solidFill>
+              </a:rPr>
+              <a:t>scope</a:t>
+            </a:r>
+            <a:r>
+              <a:rPr lang="en-US" dirty="0" smtClean="0"/>
+              <a:t>,</a:t>
+            </a:r>
+            <a:r>
+              <a:rPr lang="bg-BG" dirty="0" smtClean="0"/>
+              <a:t> т.е. да ограничим видимостта на дадени променливи/фунцкии</a:t>
+            </a:r>
+            <a:endParaRPr lang="en-US" dirty="0" smtClean="0"/>
+          </a:p>
+          <a:p>
+            <a:pPr algn="just"/>
+            <a:r>
+              <a:rPr lang="bg-BG" dirty="0" smtClean="0"/>
+              <a:t>Може да бъде дефиниран </a:t>
+            </a:r>
+            <a:r>
+              <a:rPr lang="bg-BG" dirty="0" smtClean="0">
+                <a:hlinkClick r:id="rId2"/>
+              </a:rPr>
+              <a:t>стриктен режим на работа</a:t>
+            </a:r>
+            <a:r>
+              <a:rPr lang="bg-BG" dirty="0" smtClean="0"/>
+              <a:t>, т.е. не се позволява да има деклариране на променливи без </a:t>
+            </a:r>
+            <a:r>
+              <a:rPr lang="en-US" i="1" dirty="0" err="1" smtClean="0">
+                <a:solidFill>
+                  <a:schemeClr val="accent6">
+                    <a:lumMod val="75000"/>
+                  </a:schemeClr>
+                </a:solidFill>
+              </a:rPr>
+              <a:t>var</a:t>
+            </a:r>
+            <a:r>
+              <a:rPr lang="en-US" i="1" dirty="0" smtClean="0">
+                <a:solidFill>
+                  <a:schemeClr val="accent6">
+                    <a:lumMod val="75000"/>
+                  </a:schemeClr>
+                </a:solidFill>
+              </a:rPr>
+              <a:t>/let</a:t>
+            </a:r>
+            <a:endParaRPr lang="en-US" i="1" dirty="0">
+              <a:solidFill>
+                <a:schemeClr val="accent6">
+                  <a:lumMod val="75000"/>
+                </a:schemeClr>
+              </a:solidFill>
+            </a:endParaRPr>
+          </a:p>
+        </p:txBody>
+      </p:sp>
+      <p:sp>
+        <p:nvSpPr>
+          <p:cNvPr id="6" name="Rectangle 5"/>
+          <p:cNvSpPr>
+            <a:spLocks noChangeArrowheads="1"/>
+          </p:cNvSpPr>
+          <p:nvPr/>
+        </p:nvSpPr>
+        <p:spPr bwMode="auto">
+          <a:xfrm>
+            <a:off x="3819739" y="5209554"/>
+            <a:ext cx="5643419" cy="1477328"/>
+          </a:xfrm>
+          <a:prstGeom prst="rect">
+            <a:avLst/>
+          </a:prstGeom>
+          <a:ln/>
+        </p:spPr>
+        <p:style>
+          <a:lnRef idx="0">
+            <a:schemeClr val="accent1"/>
+          </a:lnRef>
+          <a:fillRef idx="3">
+            <a:schemeClr val="accent1"/>
+          </a:fillRef>
+          <a:effectRef idx="3">
+            <a:schemeClr val="accent1"/>
+          </a:effectRef>
+          <a:fontRef idx="minor">
+            <a:schemeClr val="lt1"/>
+          </a:fontRef>
+        </p:style>
+        <p:txBody>
+          <a:bodyPr wrap="square">
+            <a:spAutoFit/>
+          </a:bodyPr>
+          <a:lstStyle/>
+          <a:p>
+            <a:pPr eaLnBrk="0" hangingPunct="0">
+              <a:buClr>
+                <a:schemeClr val="accent5">
+                  <a:lumMod val="40000"/>
+                  <a:lumOff val="60000"/>
+                </a:schemeClr>
+              </a:buClr>
+              <a:buSzPct val="70000"/>
+            </a:pPr>
+            <a:r>
+              <a:rPr lang="en-US" b="1" noProof="1">
+                <a:solidFill>
+                  <a:srgbClr val="8CF4F2"/>
+                </a:solidFill>
+                <a:effectLst>
+                  <a:outerShdw blurRad="38100" dist="38100" dir="2700000" algn="tl">
+                    <a:srgbClr val="000000">
+                      <a:alpha val="43137"/>
+                    </a:srgbClr>
+                  </a:outerShdw>
+                </a:effectLst>
+                <a:latin typeface="Consolas" pitchFamily="49" charset="0"/>
+                <a:cs typeface="Consolas" pitchFamily="49" charset="0"/>
+              </a:rPr>
+              <a:t>(function() {</a:t>
+            </a:r>
+          </a:p>
+          <a:p>
+            <a:pPr eaLnBrk="0" hangingPunct="0">
+              <a:buClr>
+                <a:schemeClr val="accent5">
+                  <a:lumMod val="40000"/>
+                  <a:lumOff val="60000"/>
+                </a:schemeClr>
+              </a:buClr>
+              <a:buSzPct val="70000"/>
+            </a:pPr>
+            <a:r>
+              <a:rPr lang="en-US" b="1" noProof="1">
+                <a:solidFill>
+                  <a:srgbClr val="8CF4F2"/>
+                </a:solidFill>
+                <a:effectLst>
+                  <a:outerShdw blurRad="38100" dist="38100" dir="2700000" algn="tl">
+                    <a:srgbClr val="000000">
+                      <a:alpha val="43137"/>
+                    </a:srgbClr>
+                  </a:outerShdw>
+                </a:effectLst>
+                <a:latin typeface="Consolas" pitchFamily="49" charset="0"/>
+                <a:cs typeface="Consolas" pitchFamily="49" charset="0"/>
+              </a:rPr>
+              <a:t>    "use strict";</a:t>
+            </a:r>
+          </a:p>
+          <a:p>
+            <a:pPr eaLnBrk="0" hangingPunct="0">
+              <a:buClr>
+                <a:schemeClr val="accent5">
+                  <a:lumMod val="40000"/>
+                  <a:lumOff val="60000"/>
+                </a:schemeClr>
+              </a:buClr>
+              <a:buSzPct val="70000"/>
+            </a:pPr>
+            <a:endParaRPr lang="en-US" b="1" noProof="1">
+              <a:solidFill>
+                <a:srgbClr val="8CF4F2"/>
+              </a:solidFill>
+              <a:effectLst>
+                <a:outerShdw blurRad="38100" dist="38100" dir="2700000" algn="tl">
+                  <a:srgbClr val="000000">
+                    <a:alpha val="43137"/>
+                  </a:srgbClr>
+                </a:outerShdw>
+              </a:effectLst>
+              <a:latin typeface="Consolas" pitchFamily="49" charset="0"/>
+              <a:cs typeface="Consolas" pitchFamily="49" charset="0"/>
+            </a:endParaRPr>
+          </a:p>
+          <a:p>
+            <a:pPr eaLnBrk="0" hangingPunct="0">
+              <a:buClr>
+                <a:schemeClr val="accent5">
+                  <a:lumMod val="40000"/>
+                  <a:lumOff val="60000"/>
+                </a:schemeClr>
+              </a:buClr>
+              <a:buSzPct val="70000"/>
+            </a:pPr>
+            <a:r>
+              <a:rPr lang="en-US" b="1" noProof="1">
+                <a:solidFill>
+                  <a:srgbClr val="8CF4F2"/>
+                </a:solidFill>
+                <a:effectLst>
+                  <a:outerShdw blurRad="38100" dist="38100" dir="2700000" algn="tl">
+                    <a:srgbClr val="000000">
+                      <a:alpha val="43137"/>
+                    </a:srgbClr>
+                  </a:outerShdw>
+                </a:effectLst>
+                <a:latin typeface="Consolas" pitchFamily="49" charset="0"/>
+                <a:cs typeface="Consolas" pitchFamily="49" charset="0"/>
+              </a:rPr>
+              <a:t>    console.log("Hello from the IIFE!");</a:t>
+            </a:r>
+          </a:p>
+          <a:p>
+            <a:pPr eaLnBrk="0" hangingPunct="0">
+              <a:buClr>
+                <a:schemeClr val="accent5">
+                  <a:lumMod val="40000"/>
+                  <a:lumOff val="60000"/>
+                </a:schemeClr>
+              </a:buClr>
+              <a:buSzPct val="70000"/>
+            </a:pPr>
+            <a:r>
+              <a:rPr lang="en-US" b="1" noProof="1">
+                <a:solidFill>
+                  <a:srgbClr val="8CF4F2"/>
+                </a:solidFill>
+                <a:effectLst>
+                  <a:outerShdw blurRad="38100" dist="38100" dir="2700000" algn="tl">
+                    <a:srgbClr val="000000">
+                      <a:alpha val="43137"/>
+                    </a:srgbClr>
+                  </a:outerShdw>
+                </a:effectLst>
+                <a:latin typeface="Consolas" pitchFamily="49" charset="0"/>
+                <a:cs typeface="Consolas" pitchFamily="49" charset="0"/>
+              </a:rPr>
+              <a:t>}());</a:t>
+            </a:r>
+            <a:endParaRPr lang="en-US" b="1" noProof="1">
+              <a:solidFill>
+                <a:srgbClr val="8CF4F2"/>
+              </a:solidFill>
+              <a:effectLst>
+                <a:outerShdw blurRad="38100" dist="38100" dir="2700000" algn="tl">
+                  <a:srgbClr val="000000">
+                    <a:alpha val="43137"/>
+                  </a:srgbClr>
+                </a:outerShdw>
+              </a:effectLst>
+              <a:latin typeface="Consolas" pitchFamily="49" charset="0"/>
+              <a:cs typeface="Consolas" pitchFamily="49" charset="0"/>
+            </a:endParaRPr>
+          </a:p>
+        </p:txBody>
+      </p:sp>
+    </p:spTree>
+    <p:extLst>
+      <p:ext uri="{BB962C8B-B14F-4D97-AF65-F5344CB8AC3E}">
+        <p14:creationId xmlns:p14="http://schemas.microsoft.com/office/powerpoint/2010/main" val="2473269506"/>
+      </p:ext>
+    </p:extLst>
+  </p:cSld>
+  <p:clrMapOvr>
+    <a:masterClrMapping/>
+  </p:clrMapOvr>
+</p:sld>
+</file>
+
+<file path=ppt/slides/slide2.xml><?xml version="1.0" encoding="utf-8"?>
+<p:sld xmlns:a="http://schemas.openxmlformats.org/drawingml/2006/main" xmlns:r="http://schemas.openxmlformats.org/officeDocument/2006/relationships" xmlns:p="http://schemas.openxmlformats.org/presentationml/2006/main">
+  <p:cSld>
+    <p:spTree>
+      <p:nvGrpSpPr>
+        <p:cNvPr id="1" name=""/>
+        <p:cNvGrpSpPr/>
+        <p:nvPr/>
+      </p:nvGrpSpPr>
+      <p:grpSpPr>
+        <a:xfrm>
+          <a:off x="0" y="0"/>
+          <a:ext cx="0" cy="0"/>
+          <a:chOff x="0" y="0"/>
+          <a:chExt cx="0" cy="0"/>
+        </a:xfrm>
+      </p:grpSpPr>
+      <p:sp>
+        <p:nvSpPr>
+          <p:cNvPr id="2" name="Title 1"/>
+          <p:cNvSpPr>
+            <a:spLocks noGrp="1"/>
+          </p:cNvSpPr>
+          <p:nvPr>
+            <p:ph type="title"/>
+          </p:nvPr>
+        </p:nvSpPr>
+        <p:spPr/>
+        <p:txBody>
+          <a:bodyPr/>
+          <a:lstStyle/>
+          <a:p>
+            <a:r>
+              <a:rPr lang="bg-BG" dirty="0"/>
+              <a:t>Защо да използваме функции?</a:t>
+            </a:r>
+            <a:endParaRPr lang="en-US" dirty="0"/>
+          </a:p>
+        </p:txBody>
+      </p:sp>
+      <p:sp>
+        <p:nvSpPr>
+          <p:cNvPr id="3" name="Content Placeholder 2"/>
+          <p:cNvSpPr>
+            <a:spLocks noGrp="1"/>
+          </p:cNvSpPr>
+          <p:nvPr>
+            <p:ph idx="1"/>
+          </p:nvPr>
+        </p:nvSpPr>
+        <p:spPr/>
+        <p:txBody>
+          <a:bodyPr/>
+          <a:lstStyle/>
+          <a:p>
+            <a:r>
+              <a:rPr lang="bg-BG" dirty="0"/>
+              <a:t>Разделят кода на малки, </a:t>
+            </a:r>
+            <a:r>
+              <a:rPr lang="bg-BG" dirty="0" err="1"/>
+              <a:t>преизползваеми</a:t>
+            </a:r>
+            <a:r>
+              <a:rPr lang="bg-BG" dirty="0"/>
+              <a:t> парчета код</a:t>
+            </a:r>
+          </a:p>
+          <a:p>
+            <a:r>
+              <a:rPr lang="bg-BG" dirty="0"/>
+              <a:t>Съдържат конкретна логика</a:t>
+            </a:r>
+          </a:p>
+          <a:p>
+            <a:r>
+              <a:rPr lang="bg-BG" dirty="0"/>
+              <a:t>Повишават нивото на абстракция</a:t>
+            </a:r>
+          </a:p>
+          <a:p>
+            <a:r>
+              <a:rPr lang="bg-BG" dirty="0"/>
+              <a:t>Подобряват </a:t>
+            </a:r>
+            <a:r>
+              <a:rPr lang="bg-BG" dirty="0" err="1"/>
+              <a:t>четимостта</a:t>
+            </a:r>
+            <a:r>
+              <a:rPr lang="bg-BG" dirty="0"/>
+              <a:t> на кода</a:t>
+            </a:r>
+          </a:p>
+          <a:p>
+            <a:r>
+              <a:rPr lang="bg-BG" dirty="0"/>
+              <a:t>По-лесна поддръжка на кода в бъдеще</a:t>
+            </a:r>
+            <a:endParaRPr lang="en-US" dirty="0"/>
+          </a:p>
+        </p:txBody>
+      </p:sp>
+    </p:spTree>
+    <p:extLst>
+      <p:ext uri="{BB962C8B-B14F-4D97-AF65-F5344CB8AC3E}">
+        <p14:creationId xmlns:p14="http://schemas.microsoft.com/office/powerpoint/2010/main" val="1881512707"/>
+      </p:ext>
+    </p:extLst>
+  </p:cSld>
+  <p:clrMapOvr>
+    <a:masterClrMapping/>
+  </p:clrMapOvr>
+</p:sld>
+</file>
+
+<file path=ppt/slides/slide20.xml><?xml version="1.0" encoding="utf-8"?>
+<p:sld xmlns:a="http://schemas.openxmlformats.org/drawingml/2006/main" xmlns:r="http://schemas.openxmlformats.org/officeDocument/2006/relationships" xmlns:p="http://schemas.openxmlformats.org/presentationml/2006/main">
+  <p:cSld>
+    <p:spTree>
+      <p:nvGrpSpPr>
+        <p:cNvPr id="1" name=""/>
+        <p:cNvGrpSpPr/>
+        <p:nvPr/>
+      </p:nvGrpSpPr>
+      <p:grpSpPr>
+        <a:xfrm>
+          <a:off x="0" y="0"/>
+          <a:ext cx="0" cy="0"/>
+          <a:chOff x="0" y="0"/>
+          <a:chExt cx="0" cy="0"/>
+        </a:xfrm>
+      </p:grpSpPr>
+      <p:sp>
+        <p:nvSpPr>
+          <p:cNvPr id="6" name="Title 5"/>
+          <p:cNvSpPr>
+            <a:spLocks noGrp="1"/>
+          </p:cNvSpPr>
+          <p:nvPr>
+            <p:ph type="title"/>
+          </p:nvPr>
+        </p:nvSpPr>
+        <p:spPr>
+          <a:xfrm>
+            <a:off x="1484311" y="166256"/>
+            <a:ext cx="10018713" cy="2272144"/>
+          </a:xfrm>
+        </p:spPr>
+        <p:txBody>
+          <a:bodyPr/>
+          <a:lstStyle/>
+          <a:p>
+            <a:r>
+              <a:rPr lang="en-US" dirty="0" smtClean="0"/>
+              <a:t>IIFE</a:t>
+            </a:r>
+            <a:endParaRPr lang="en-US" dirty="0"/>
+          </a:p>
+        </p:txBody>
+      </p:sp>
+      <p:pic>
+        <p:nvPicPr>
+          <p:cNvPr id="7" name="Picture 6"/>
+          <p:cNvPicPr>
+            <a:picLocks noChangeAspect="1"/>
+          </p:cNvPicPr>
+          <p:nvPr/>
+        </p:nvPicPr>
+        <p:blipFill>
+          <a:blip r:embed="rId2">
+            <a:extLst>
+              <a:ext uri="{28A0092B-C50C-407E-A947-70E740481C1C}">
+                <a14:useLocalDpi xmlns:a14="http://schemas.microsoft.com/office/drawing/2010/main" val="0"/>
+              </a:ext>
+            </a:extLst>
+          </a:blip>
+          <a:stretch>
+            <a:fillRect/>
+          </a:stretch>
+        </p:blipFill>
+        <p:spPr>
+          <a:xfrm>
+            <a:off x="4112417" y="1943677"/>
+            <a:ext cx="4762500" cy="4762500"/>
+          </a:xfrm>
+          <a:prstGeom prst="rect">
+            <a:avLst/>
+          </a:prstGeom>
+        </p:spPr>
+      </p:pic>
+    </p:spTree>
+    <p:extLst>
+      <p:ext uri="{BB962C8B-B14F-4D97-AF65-F5344CB8AC3E}">
+        <p14:creationId xmlns:p14="http://schemas.microsoft.com/office/powerpoint/2010/main" val="4280283503"/>
+      </p:ext>
+    </p:extLst>
+  </p:cSld>
+  <p:clrMapOvr>
+    <a:masterClrMapping/>
+  </p:clrMapOvr>
+  <p:timing>
+    <p:tnLst>
+      <p:par>
+        <p:cTn id="1" dur="indefinite" restart="never" nodeType="tmRoot"/>
+      </p:par>
+    </p:tnLst>
+  </p:timing>
+</p:sld>
+</file>
+
+<file path=ppt/slides/slide21.xml><?xml version="1.0" encoding="utf-8"?>
+<p:sld xmlns:a="http://schemas.openxmlformats.org/drawingml/2006/main" xmlns:r="http://schemas.openxmlformats.org/officeDocument/2006/relationships" xmlns:p="http://schemas.openxmlformats.org/presentationml/2006/main">
+  <p:cSld>
+    <p:spTree>
+      <p:nvGrpSpPr>
+        <p:cNvPr id="1" name=""/>
+        <p:cNvGrpSpPr/>
+        <p:nvPr/>
+      </p:nvGrpSpPr>
+      <p:grpSpPr>
+        <a:xfrm>
+          <a:off x="0" y="0"/>
+          <a:ext cx="0" cy="0"/>
+          <a:chOff x="0" y="0"/>
+          <a:chExt cx="0" cy="0"/>
+        </a:xfrm>
+      </p:grpSpPr>
       <p:pic>
         <p:nvPicPr>
           <p:cNvPr id="4" name="Content Placeholder 3"/>
@@ -11592,123 +12088,7 @@
 </p:sld>
 </file>
 
-<file path=ppt/slides/slide2.xml><?xml version="1.0" encoding="utf-8"?>
-<p:sld xmlns:a="http://schemas.openxmlformats.org/drawingml/2006/main" xmlns:r="http://schemas.openxmlformats.org/officeDocument/2006/relationships" xmlns:p="http://schemas.openxmlformats.org/presentationml/2006/main">
-  <p:cSld>
-    <p:spTree>
-      <p:nvGrpSpPr>
-        <p:cNvPr id="1" name=""/>
-        <p:cNvGrpSpPr/>
-        <p:nvPr/>
-      </p:nvGrpSpPr>
-      <p:grpSpPr>
-        <a:xfrm>
-          <a:off x="0" y="0"/>
-          <a:ext cx="0" cy="0"/>
-          <a:chOff x="0" y="0"/>
-          <a:chExt cx="0" cy="0"/>
-        </a:xfrm>
-      </p:grpSpPr>
-      <p:sp>
-        <p:nvSpPr>
-          <p:cNvPr id="2" name="Title 1"/>
-          <p:cNvSpPr>
-            <a:spLocks noGrp="1"/>
-          </p:cNvSpPr>
-          <p:nvPr>
-            <p:ph type="title"/>
-          </p:nvPr>
-        </p:nvSpPr>
-        <p:spPr/>
-        <p:txBody>
-          <a:bodyPr/>
-          <a:lstStyle/>
-          <a:p>
-            <a:r>
-              <a:rPr lang="bg-BG" dirty="0"/>
-              <a:t>Защо да използваме функции?</a:t>
-            </a:r>
-            <a:endParaRPr lang="en-US" dirty="0"/>
-          </a:p>
-        </p:txBody>
-      </p:sp>
-      <p:sp>
-        <p:nvSpPr>
-          <p:cNvPr id="3" name="Content Placeholder 2"/>
-          <p:cNvSpPr>
-            <a:spLocks noGrp="1"/>
-          </p:cNvSpPr>
-          <p:nvPr>
-            <p:ph idx="1"/>
-          </p:nvPr>
-        </p:nvSpPr>
-        <p:spPr/>
-        <p:txBody>
-          <a:bodyPr/>
-          <a:lstStyle/>
-          <a:p>
-            <a:r>
-              <a:rPr lang="bg-BG" dirty="0"/>
-              <a:t>Разделят кода на малки, </a:t>
-            </a:r>
-            <a:r>
-              <a:rPr lang="bg-BG" dirty="0" err="1"/>
-              <a:t>преизползваеми</a:t>
-            </a:r>
-            <a:r>
-              <a:rPr lang="bg-BG" dirty="0"/>
-              <a:t> парчета код</a:t>
-            </a:r>
-          </a:p>
-          <a:p>
-            <a:r>
-              <a:rPr lang="bg-BG" dirty="0"/>
-              <a:t>Съдържат конкретна логика</a:t>
-            </a:r>
-          </a:p>
-          <a:p>
-            <a:r>
-              <a:rPr lang="bg-BG" dirty="0"/>
-              <a:t>Повишават нивото на абстракция</a:t>
-            </a:r>
-          </a:p>
-          <a:p>
-            <a:r>
-              <a:rPr lang="bg-BG" dirty="0"/>
-              <a:t>Подобряват </a:t>
-            </a:r>
-            <a:r>
-              <a:rPr lang="bg-BG" dirty="0" err="1"/>
-              <a:t>четимостта</a:t>
-            </a:r>
-            <a:r>
-              <a:rPr lang="bg-BG" dirty="0"/>
-              <a:t> на кода</a:t>
-            </a:r>
-          </a:p>
-          <a:p>
-            <a:r>
-              <a:rPr lang="bg-BG" dirty="0"/>
-              <a:t>По-лесна поддръжка на кода в бъдеще</a:t>
-            </a:r>
-            <a:endParaRPr lang="en-US" dirty="0"/>
-          </a:p>
-        </p:txBody>
-      </p:sp>
-    </p:spTree>
-    <p:extLst>
-      <p:ext uri="{BB962C8B-B14F-4D97-AF65-F5344CB8AC3E}">
-        <p14:creationId xmlns:p14="http://schemas.microsoft.com/office/powerpoint/2010/main" val="1881512707"/>
-      </p:ext>
-    </p:extLst>
-  </p:cSld>
-  <p:clrMapOvr>
-    <a:masterClrMapping/>
-  </p:clrMapOvr>
-</p:sld>
-</file>
-
-<file path=ppt/slides/slide20.xml><?xml version="1.0" encoding="utf-8"?>
+<file path=ppt/slides/slide22.xml><?xml version="1.0" encoding="utf-8"?>
 <p:sld xmlns:a="http://schemas.openxmlformats.org/drawingml/2006/main" xmlns:r="http://schemas.openxmlformats.org/officeDocument/2006/relationships" xmlns:p="http://schemas.openxmlformats.org/presentationml/2006/main">
   <p:cSld>
     <p:spTree>

--- a/JS Fundamentals/7.Functions/JS-Functions.pptx
+++ b/JS Fundamentals/7.Functions/JS-Functions.pptx
@@ -5,10 +5,10 @@
     <p:sldMasterId id="2147484157" r:id="rId1"/>
   </p:sldMasterIdLst>
   <p:notesMasterIdLst>
-    <p:notesMasterId r:id="rId24"/>
+    <p:notesMasterId r:id="rId26"/>
   </p:notesMasterIdLst>
   <p:handoutMasterIdLst>
-    <p:handoutMasterId r:id="rId25"/>
+    <p:handoutMasterId r:id="rId27"/>
   </p:handoutMasterIdLst>
   <p:sldIdLst>
     <p:sldId id="256" r:id="rId2"/>
@@ -31,8 +31,10 @@
     <p:sldId id="294" r:id="rId19"/>
     <p:sldId id="295" r:id="rId20"/>
     <p:sldId id="296" r:id="rId21"/>
-    <p:sldId id="266" r:id="rId22"/>
-    <p:sldId id="278" r:id="rId23"/>
+    <p:sldId id="297" r:id="rId22"/>
+    <p:sldId id="298" r:id="rId23"/>
+    <p:sldId id="266" r:id="rId24"/>
+    <p:sldId id="278" r:id="rId25"/>
   </p:sldIdLst>
   <p:sldSz cx="12192000" cy="6858000"/>
   <p:notesSz cx="6858000" cy="9144000"/>
@@ -235,7 +237,7 @@
           <a:p>
             <a:fld id="{D10AF160-CD5A-4A77-96B0-C85B80371432}" type="datetimeFigureOut">
               <a:rPr lang="en-US" smtClean="0"/>
-              <a:t>27-Apr-16</a:t>
+              <a:t>28-Apr-16</a:t>
             </a:fld>
             <a:endParaRPr lang="en-US"/>
           </a:p>
@@ -400,7 +402,7 @@
           <a:p>
             <a:fld id="{F6A950C5-F15E-44EA-AF6A-22227443235C}" type="datetimeFigureOut">
               <a:rPr lang="en-US" smtClean="0"/>
-              <a:t>27-Apr-16</a:t>
+              <a:t>28-Apr-16</a:t>
             </a:fld>
             <a:endParaRPr lang="en-US"/>
           </a:p>
@@ -1169,7 +1171,7 @@
           <a:p>
             <a:fld id="{6F66794D-9D79-4AC5-96DA-597EA4BF2704}" type="datetimeFigureOut">
               <a:rPr lang="en-US" smtClean="0"/>
-              <a:t>27-Apr-16</a:t>
+              <a:t>28-Apr-16</a:t>
             </a:fld>
             <a:endParaRPr lang="en-US"/>
           </a:p>
@@ -1495,7 +1497,7 @@
           <a:p>
             <a:fld id="{6F66794D-9D79-4AC5-96DA-597EA4BF2704}" type="datetimeFigureOut">
               <a:rPr lang="en-US" smtClean="0"/>
-              <a:t>27-Apr-16</a:t>
+              <a:t>28-Apr-16</a:t>
             </a:fld>
             <a:endParaRPr lang="en-US"/>
           </a:p>
@@ -1743,7 +1745,7 @@
           <a:p>
             <a:fld id="{6F66794D-9D79-4AC5-96DA-597EA4BF2704}" type="datetimeFigureOut">
               <a:rPr lang="en-US" smtClean="0"/>
-              <a:t>27-Apr-16</a:t>
+              <a:t>28-Apr-16</a:t>
             </a:fld>
             <a:endParaRPr lang="en-US"/>
           </a:p>
@@ -2283,7 +2285,7 @@
           <a:p>
             <a:fld id="{6F66794D-9D79-4AC5-96DA-597EA4BF2704}" type="datetimeFigureOut">
               <a:rPr lang="en-US" smtClean="0"/>
-              <a:t>27-Apr-16</a:t>
+              <a:t>28-Apr-16</a:t>
             </a:fld>
             <a:endParaRPr lang="en-US"/>
           </a:p>
@@ -2531,7 +2533,7 @@
           <a:p>
             <a:fld id="{6F66794D-9D79-4AC5-96DA-597EA4BF2704}" type="datetimeFigureOut">
               <a:rPr lang="en-US" smtClean="0"/>
-              <a:t>27-Apr-16</a:t>
+              <a:t>28-Apr-16</a:t>
             </a:fld>
             <a:endParaRPr lang="en-US"/>
           </a:p>
@@ -3063,7 +3065,7 @@
           <a:p>
             <a:fld id="{6F66794D-9D79-4AC5-96DA-597EA4BF2704}" type="datetimeFigureOut">
               <a:rPr lang="en-US" smtClean="0"/>
-              <a:t>27-Apr-16</a:t>
+              <a:t>28-Apr-16</a:t>
             </a:fld>
             <a:endParaRPr lang="en-US"/>
           </a:p>
@@ -3360,7 +3362,7 @@
           <a:p>
             <a:fld id="{6F66794D-9D79-4AC5-96DA-597EA4BF2704}" type="datetimeFigureOut">
               <a:rPr lang="en-US" smtClean="0"/>
-              <a:t>27-Apr-16</a:t>
+              <a:t>28-Apr-16</a:t>
             </a:fld>
             <a:endParaRPr lang="en-US"/>
           </a:p>
@@ -3534,7 +3536,7 @@
           <a:p>
             <a:fld id="{6F66794D-9D79-4AC5-96DA-597EA4BF2704}" type="datetimeFigureOut">
               <a:rPr lang="en-US" smtClean="0"/>
-              <a:t>27-Apr-16</a:t>
+              <a:t>28-Apr-16</a:t>
             </a:fld>
             <a:endParaRPr lang="en-US"/>
           </a:p>
@@ -3714,7 +3716,7 @@
           <a:p>
             <a:fld id="{6F66794D-9D79-4AC5-96DA-597EA4BF2704}" type="datetimeFigureOut">
               <a:rPr lang="en-US" smtClean="0"/>
-              <a:t>27-Apr-16</a:t>
+              <a:t>28-Apr-16</a:t>
             </a:fld>
             <a:endParaRPr lang="en-US"/>
           </a:p>
@@ -3884,7 +3886,7 @@
           <a:p>
             <a:fld id="{6F66794D-9D79-4AC5-96DA-597EA4BF2704}" type="datetimeFigureOut">
               <a:rPr lang="en-US" smtClean="0"/>
-              <a:t>27-Apr-16</a:t>
+              <a:t>28-Apr-16</a:t>
             </a:fld>
             <a:endParaRPr lang="en-US"/>
           </a:p>
@@ -4165,7 +4167,7 @@
           <a:p>
             <a:fld id="{6F66794D-9D79-4AC5-96DA-597EA4BF2704}" type="datetimeFigureOut">
               <a:rPr lang="en-US" smtClean="0"/>
-              <a:t>27-Apr-16</a:t>
+              <a:t>28-Apr-16</a:t>
             </a:fld>
             <a:endParaRPr lang="en-US"/>
           </a:p>
@@ -4462,7 +4464,7 @@
           <a:p>
             <a:fld id="{6F66794D-9D79-4AC5-96DA-597EA4BF2704}" type="datetimeFigureOut">
               <a:rPr lang="en-US" smtClean="0"/>
-              <a:t>27-Apr-16</a:t>
+              <a:t>28-Apr-16</a:t>
             </a:fld>
             <a:endParaRPr lang="en-US"/>
           </a:p>
@@ -4934,7 +4936,7 @@
           <a:p>
             <a:fld id="{6F66794D-9D79-4AC5-96DA-597EA4BF2704}" type="datetimeFigureOut">
               <a:rPr lang="en-US" smtClean="0"/>
-              <a:t>27-Apr-16</a:t>
+              <a:t>28-Apr-16</a:t>
             </a:fld>
             <a:endParaRPr lang="en-US"/>
           </a:p>
@@ -5082,7 +5084,7 @@
           <a:p>
             <a:fld id="{6F66794D-9D79-4AC5-96DA-597EA4BF2704}" type="datetimeFigureOut">
               <a:rPr lang="en-US" smtClean="0"/>
-              <a:t>27-Apr-16</a:t>
+              <a:t>28-Apr-16</a:t>
             </a:fld>
             <a:endParaRPr lang="en-US"/>
           </a:p>
@@ -5177,7 +5179,7 @@
           <a:p>
             <a:fld id="{6F66794D-9D79-4AC5-96DA-597EA4BF2704}" type="datetimeFigureOut">
               <a:rPr lang="en-US" smtClean="0"/>
-              <a:t>27-Apr-16</a:t>
+              <a:t>28-Apr-16</a:t>
             </a:fld>
             <a:endParaRPr lang="en-US"/>
           </a:p>
@@ -5460,7 +5462,7 @@
           <a:p>
             <a:fld id="{6F66794D-9D79-4AC5-96DA-597EA4BF2704}" type="datetimeFigureOut">
               <a:rPr lang="en-US" smtClean="0"/>
-              <a:t>27-Apr-16</a:t>
+              <a:t>28-Apr-16</a:t>
             </a:fld>
             <a:endParaRPr lang="en-US"/>
           </a:p>
@@ -5751,7 +5753,7 @@
           <a:p>
             <a:fld id="{6F66794D-9D79-4AC5-96DA-597EA4BF2704}" type="datetimeFigureOut">
               <a:rPr lang="en-US" smtClean="0"/>
-              <a:t>27-Apr-16</a:t>
+              <a:t>28-Apr-16</a:t>
             </a:fld>
             <a:endParaRPr lang="en-US"/>
           </a:p>
@@ -6281,7 +6283,7 @@
           <a:p>
             <a:fld id="{6F66794D-9D79-4AC5-96DA-597EA4BF2704}" type="datetimeFigureOut">
               <a:rPr lang="en-US" smtClean="0"/>
-              <a:t>27-Apr-16</a:t>
+              <a:t>28-Apr-16</a:t>
             </a:fld>
             <a:endParaRPr lang="en-US"/>
           </a:p>
@@ -11781,20 +11783,6 @@
               </a:rPr>
               <a:t>}());</a:t>
             </a:r>
-            <a:endParaRPr lang="en-US" b="1" noProof="1">
-              <a:solidFill>
-                <a:srgbClr val="8CF4F2"/>
-              </a:solidFill>
-              <a:effectLst>
-                <a:outerShdw blurRad="38100" dist="38100" dir="2700000" algn="tl">
-                  <a:srgbClr val="000000">
-                    <a:alpha val="43137"/>
-                  </a:srgbClr>
-                </a:outerShdw>
-              </a:effectLst>
-              <a:latin typeface="Consolas" pitchFamily="49" charset="0"/>
-              <a:cs typeface="Consolas" pitchFamily="49" charset="0"/>
-            </a:endParaRPr>
           </a:p>
         </p:txBody>
       </p:sp>
@@ -12039,6 +12027,543 @@
           <a:chExt cx="0" cy="0"/>
         </a:xfrm>
       </p:grpSpPr>
+      <p:sp>
+        <p:nvSpPr>
+          <p:cNvPr id="2" name="Title 1"/>
+          <p:cNvSpPr>
+            <a:spLocks noGrp="1"/>
+          </p:cNvSpPr>
+          <p:nvPr>
+            <p:ph type="title"/>
+          </p:nvPr>
+        </p:nvSpPr>
+        <p:spPr/>
+        <p:txBody>
+          <a:bodyPr/>
+          <a:lstStyle/>
+          <a:p>
+            <a:r>
+              <a:rPr lang="bg-BG" dirty="0" smtClean="0"/>
+              <a:t>Рекурсия</a:t>
+            </a:r>
+            <a:endParaRPr lang="en-US" dirty="0"/>
+          </a:p>
+        </p:txBody>
+      </p:sp>
+      <p:sp>
+        <p:nvSpPr>
+          <p:cNvPr id="3" name="Content Placeholder 2"/>
+          <p:cNvSpPr>
+            <a:spLocks noGrp="1"/>
+          </p:cNvSpPr>
+          <p:nvPr>
+            <p:ph sz="half" idx="1"/>
+          </p:nvPr>
+        </p:nvSpPr>
+        <p:spPr>
+          <a:xfrm>
+            <a:off x="1484312" y="2666999"/>
+            <a:ext cx="5914015" cy="3124201"/>
+          </a:xfrm>
+        </p:spPr>
+        <p:txBody>
+          <a:bodyPr>
+            <a:normAutofit fontScale="92500" lnSpcReduction="10000"/>
+          </a:bodyPr>
+          <a:lstStyle/>
+          <a:p>
+            <a:pPr algn="just"/>
+            <a:r>
+              <a:rPr lang="bg-BG" dirty="0" smtClean="0"/>
+              <a:t>Всяка фунцкия може да бъда извикана отново в своето тяло</a:t>
+            </a:r>
+          </a:p>
+          <a:p>
+            <a:pPr algn="just"/>
+            <a:r>
+              <a:rPr lang="bg-BG" dirty="0" smtClean="0"/>
+              <a:t>Рекурсията винаги трябва да има „дъно“, т.е. условие, при което се прекратява извикването на фунцкията в себе си</a:t>
+            </a:r>
+          </a:p>
+          <a:p>
+            <a:pPr algn="just"/>
+            <a:r>
+              <a:rPr lang="bg-BG" dirty="0" smtClean="0"/>
+              <a:t>Рекурсията е много удобен способ за обхождане на неизвестни колекции</a:t>
+            </a:r>
+            <a:endParaRPr lang="en-US" dirty="0" smtClean="0"/>
+          </a:p>
+          <a:p>
+            <a:pPr algn="just"/>
+            <a:r>
+              <a:rPr lang="bg-BG" dirty="0" smtClean="0"/>
+              <a:t>Всяка рекурския може да бъде заменена чрез итеративно решение</a:t>
+            </a:r>
+          </a:p>
+          <a:p>
+            <a:pPr lvl="1" algn="just"/>
+            <a:r>
+              <a:rPr lang="bg-BG" dirty="0" smtClean="0"/>
+              <a:t>В някои случаи рекурсията е много по-удобна от итерацията</a:t>
+            </a:r>
+          </a:p>
+        </p:txBody>
+      </p:sp>
+      <p:sp>
+        <p:nvSpPr>
+          <p:cNvPr id="5" name="Text Placeholder 3"/>
+          <p:cNvSpPr txBox="1">
+            <a:spLocks/>
+          </p:cNvSpPr>
+          <p:nvPr/>
+        </p:nvSpPr>
+        <p:spPr>
+          <a:xfrm>
+            <a:off x="7398327" y="2789382"/>
+            <a:ext cx="4268355" cy="2863277"/>
+          </a:xfrm>
+          <a:prstGeom prst="rect">
+            <a:avLst/>
+          </a:prstGeom>
+          <a:ln/>
+        </p:spPr>
+        <p:style>
+          <a:lnRef idx="0">
+            <a:schemeClr val="accent1"/>
+          </a:lnRef>
+          <a:fillRef idx="3">
+            <a:schemeClr val="accent1"/>
+          </a:fillRef>
+          <a:effectRef idx="3">
+            <a:schemeClr val="accent1"/>
+          </a:effectRef>
+          <a:fontRef idx="minor">
+            <a:schemeClr val="lt1"/>
+          </a:fontRef>
+        </p:style>
+        <p:txBody>
+          <a:bodyPr wrap="square">
+            <a:noAutofit/>
+          </a:bodyPr>
+          <a:lstStyle>
+            <a:lvl1pPr indent="0" fontAlgn="base">
+              <a:spcBef>
+                <a:spcPts val="0"/>
+              </a:spcBef>
+              <a:spcAft>
+                <a:spcPct val="0"/>
+              </a:spcAft>
+              <a:buClr>
+                <a:schemeClr val="accent5">
+                  <a:lumMod val="40000"/>
+                  <a:lumOff val="60000"/>
+                </a:schemeClr>
+              </a:buClr>
+              <a:buSzPct val="70000"/>
+              <a:buFont typeface="Wingdings 2" pitchFamily="18" charset="2"/>
+              <a:buNone/>
+              <a:defRPr lang="en-US" sz="2000" b="1" smtClean="0">
+                <a:solidFill>
+                  <a:srgbClr val="8CF4F2"/>
+                </a:solidFill>
+                <a:effectLst>
+                  <a:outerShdw blurRad="38100" dist="38100" dir="2700000" algn="tl">
+                    <a:srgbClr val="000000">
+                      <a:alpha val="43137"/>
+                    </a:srgbClr>
+                  </a:outerShdw>
+                </a:effectLst>
+                <a:latin typeface="Consolas" pitchFamily="49" charset="0"/>
+                <a:cs typeface="Consolas" pitchFamily="49" charset="0"/>
+              </a:defRPr>
+            </a:lvl1pPr>
+            <a:lvl2pPr marL="630238" indent="-273050" fontAlgn="base">
+              <a:spcBef>
+                <a:spcPct val="20000"/>
+              </a:spcBef>
+              <a:spcAft>
+                <a:spcPct val="0"/>
+              </a:spcAft>
+              <a:buClr>
+                <a:schemeClr val="accent2">
+                  <a:lumMod val="60000"/>
+                  <a:lumOff val="40000"/>
+                </a:schemeClr>
+              </a:buClr>
+              <a:buFont typeface="Wingdings 2" pitchFamily="18" charset="2"/>
+              <a:buChar char=""/>
+              <a:defRPr sz="3000" b="1">
+                <a:solidFill>
+                  <a:schemeClr val="tx1">
+                    <a:lumMod val="20000"/>
+                    <a:lumOff val="80000"/>
+                  </a:schemeClr>
+                </a:solidFill>
+                <a:effectLst>
+                  <a:outerShdw blurRad="38100" dist="38100" dir="2700000" algn="tl">
+                    <a:srgbClr val="000000">
+                      <a:alpha val="43137"/>
+                    </a:srgbClr>
+                  </a:outerShdw>
+                </a:effectLst>
+              </a:defRPr>
+            </a:lvl2pPr>
+            <a:lvl3pPr marL="922338" indent="-273050" fontAlgn="base">
+              <a:spcBef>
+                <a:spcPct val="20000"/>
+              </a:spcBef>
+              <a:spcAft>
+                <a:spcPct val="0"/>
+              </a:spcAft>
+              <a:buClr>
+                <a:schemeClr val="tx1">
+                  <a:lumMod val="50000"/>
+                </a:schemeClr>
+              </a:buClr>
+              <a:buFont typeface="Wingdings 2" pitchFamily="18" charset="2"/>
+              <a:buChar char=""/>
+              <a:defRPr sz="2800" b="1">
+                <a:solidFill>
+                  <a:schemeClr val="tx1">
+                    <a:lumMod val="20000"/>
+                    <a:lumOff val="80000"/>
+                  </a:schemeClr>
+                </a:solidFill>
+                <a:effectLst>
+                  <a:outerShdw blurRad="38100" dist="38100" dir="2700000" algn="tl">
+                    <a:srgbClr val="000000">
+                      <a:alpha val="43137"/>
+                    </a:srgbClr>
+                  </a:outerShdw>
+                </a:effectLst>
+              </a:defRPr>
+            </a:lvl3pPr>
+            <a:lvl4pPr marL="1187450" indent="-228600" fontAlgn="base">
+              <a:spcBef>
+                <a:spcPct val="20000"/>
+              </a:spcBef>
+              <a:spcAft>
+                <a:spcPct val="0"/>
+              </a:spcAft>
+              <a:buClr>
+                <a:srgbClr val="F8BD52"/>
+              </a:buClr>
+              <a:buFont typeface="Wingdings 2" pitchFamily="18" charset="2"/>
+              <a:buChar char=""/>
+              <a:defRPr sz="2600" b="1">
+                <a:solidFill>
+                  <a:schemeClr val="tx1">
+                    <a:lumMod val="20000"/>
+                    <a:lumOff val="80000"/>
+                  </a:schemeClr>
+                </a:solidFill>
+                <a:effectLst>
+                  <a:outerShdw blurRad="38100" dist="38100" dir="2700000" algn="tl">
+                    <a:srgbClr val="000000">
+                      <a:alpha val="43137"/>
+                    </a:srgbClr>
+                  </a:outerShdw>
+                </a:effectLst>
+              </a:defRPr>
+            </a:lvl4pPr>
+            <a:lvl5pPr marL="1425575" indent="-228600" fontAlgn="base">
+              <a:spcBef>
+                <a:spcPct val="20000"/>
+              </a:spcBef>
+              <a:spcAft>
+                <a:spcPct val="0"/>
+              </a:spcAft>
+              <a:buClr>
+                <a:srgbClr val="46A6BD"/>
+              </a:buClr>
+              <a:buFont typeface="Wingdings 2" pitchFamily="18" charset="2"/>
+              <a:buChar char=""/>
+              <a:defRPr sz="2400" b="1">
+                <a:solidFill>
+                  <a:schemeClr val="tx1">
+                    <a:lumMod val="20000"/>
+                    <a:lumOff val="80000"/>
+                  </a:schemeClr>
+                </a:solidFill>
+                <a:effectLst>
+                  <a:outerShdw blurRad="38100" dist="38100" dir="2700000" algn="tl">
+                    <a:srgbClr val="000000">
+                      <a:alpha val="43137"/>
+                    </a:srgbClr>
+                  </a:outerShdw>
+                </a:effectLst>
+              </a:defRPr>
+            </a:lvl5pPr>
+            <a:lvl6pPr marL="1673352" indent="-228600">
+              <a:spcBef>
+                <a:spcPct val="20000"/>
+              </a:spcBef>
+              <a:buClr>
+                <a:schemeClr val="accent6"/>
+              </a:buClr>
+              <a:buFont typeface="Wingdings 2"/>
+              <a:buChar char=""/>
+            </a:lvl6pPr>
+            <a:lvl7pPr marL="1911096" indent="-228600">
+              <a:spcBef>
+                <a:spcPct val="20000"/>
+              </a:spcBef>
+              <a:buClr>
+                <a:schemeClr val="tx2"/>
+              </a:buClr>
+              <a:buFont typeface="Wingdings 2"/>
+              <a:buChar char=""/>
+              <a:defRPr sz="1600"/>
+            </a:lvl7pPr>
+            <a:lvl8pPr marL="2121408" indent="-182880">
+              <a:spcBef>
+                <a:spcPct val="20000"/>
+              </a:spcBef>
+              <a:buClr>
+                <a:schemeClr val="tx2"/>
+              </a:buClr>
+              <a:buFont typeface="Wingdings 2"/>
+              <a:buChar char=""/>
+              <a:defRPr sz="1400"/>
+            </a:lvl8pPr>
+            <a:lvl9pPr marL="2322576" indent="-182880">
+              <a:spcBef>
+                <a:spcPct val="20000"/>
+              </a:spcBef>
+              <a:buClr>
+                <a:schemeClr val="tx2"/>
+              </a:buClr>
+              <a:buFont typeface="Wingdings 2"/>
+              <a:buChar char=""/>
+              <a:defRPr sz="1400"/>
+            </a:lvl9pPr>
+          </a:lstStyle>
+          <a:p>
+            <a:r>
+              <a:rPr lang="en-US" dirty="0" err="1" smtClean="0"/>
+              <a:t>var</a:t>
+            </a:r>
+            <a:r>
+              <a:rPr lang="en-US" dirty="0" smtClean="0"/>
+              <a:t> fact = function (</a:t>
+            </a:r>
+            <a:r>
+              <a:rPr lang="en-US" dirty="0"/>
+              <a:t>n) {</a:t>
+            </a:r>
+          </a:p>
+          <a:p>
+            <a:r>
+              <a:rPr lang="en-US" dirty="0" smtClean="0"/>
+              <a:t>  if </a:t>
+            </a:r>
+            <a:r>
+              <a:rPr lang="en-US" dirty="0"/>
+              <a:t>(n </a:t>
+            </a:r>
+            <a:r>
+              <a:rPr lang="en-US" dirty="0" smtClean="0"/>
+              <a:t>=== 0) </a:t>
+            </a:r>
+            <a:r>
+              <a:rPr lang="en-US" dirty="0"/>
+              <a:t>{</a:t>
+            </a:r>
+          </a:p>
+          <a:p>
+            <a:r>
+              <a:rPr lang="en-US" dirty="0"/>
+              <a:t>  </a:t>
+            </a:r>
+            <a:r>
+              <a:rPr lang="en-US" dirty="0" smtClean="0"/>
+              <a:t>  return </a:t>
+            </a:r>
+            <a:r>
+              <a:rPr lang="en-US" dirty="0"/>
+              <a:t>1;</a:t>
+            </a:r>
+          </a:p>
+          <a:p>
+            <a:r>
+              <a:rPr lang="en-US" dirty="0"/>
+              <a:t>  </a:t>
+            </a:r>
+            <a:r>
+              <a:rPr lang="en-US" dirty="0" smtClean="0"/>
+              <a:t>}</a:t>
+            </a:r>
+            <a:endParaRPr lang="bg-BG" dirty="0" smtClean="0"/>
+          </a:p>
+          <a:p>
+            <a:endParaRPr lang="en-US" dirty="0"/>
+          </a:p>
+          <a:p>
+            <a:r>
+              <a:rPr lang="en-US" dirty="0" smtClean="0"/>
+              <a:t>  return </a:t>
+            </a:r>
+            <a:r>
+              <a:rPr lang="en-US" dirty="0"/>
+              <a:t>n * fact </a:t>
+            </a:r>
+            <a:r>
+              <a:rPr lang="en-US" dirty="0" smtClean="0"/>
+              <a:t>(n </a:t>
+            </a:r>
+            <a:r>
+              <a:rPr lang="en-US" dirty="0"/>
+              <a:t>- 1);</a:t>
+            </a:r>
+          </a:p>
+          <a:p>
+            <a:r>
+              <a:rPr lang="en-US" dirty="0" smtClean="0"/>
+              <a:t>};</a:t>
+            </a:r>
+            <a:endParaRPr lang="bg-BG" dirty="0" smtClean="0"/>
+          </a:p>
+          <a:p>
+            <a:endParaRPr lang="en-US" dirty="0"/>
+          </a:p>
+          <a:p>
+            <a:r>
+              <a:rPr lang="en-US" dirty="0"/>
+              <a:t>c</a:t>
+            </a:r>
+            <a:r>
+              <a:rPr lang="en-US" dirty="0" smtClean="0"/>
+              <a:t>onsole.log(fact(5)); // 120</a:t>
+            </a:r>
+            <a:endParaRPr lang="bg-BG" dirty="0"/>
+          </a:p>
+        </p:txBody>
+      </p:sp>
+    </p:spTree>
+    <p:extLst>
+      <p:ext uri="{BB962C8B-B14F-4D97-AF65-F5344CB8AC3E}">
+        <p14:creationId xmlns:p14="http://schemas.microsoft.com/office/powerpoint/2010/main" val="1825140957"/>
+      </p:ext>
+    </p:extLst>
+  </p:cSld>
+  <p:clrMapOvr>
+    <a:masterClrMapping/>
+  </p:clrMapOvr>
+</p:sld>
+</file>
+
+<file path=ppt/slides/slide22.xml><?xml version="1.0" encoding="utf-8"?>
+<p:sld xmlns:a="http://schemas.openxmlformats.org/drawingml/2006/main" xmlns:r="http://schemas.openxmlformats.org/officeDocument/2006/relationships" xmlns:p="http://schemas.openxmlformats.org/presentationml/2006/main">
+  <p:cSld>
+    <p:spTree>
+      <p:nvGrpSpPr>
+        <p:cNvPr id="1" name=""/>
+        <p:cNvGrpSpPr/>
+        <p:nvPr/>
+      </p:nvGrpSpPr>
+      <p:grpSpPr>
+        <a:xfrm>
+          <a:off x="0" y="0"/>
+          <a:ext cx="0" cy="0"/>
+          <a:chOff x="0" y="0"/>
+          <a:chExt cx="0" cy="0"/>
+        </a:xfrm>
+      </p:grpSpPr>
+      <p:sp>
+        <p:nvSpPr>
+          <p:cNvPr id="6" name="Title 5"/>
+          <p:cNvSpPr>
+            <a:spLocks noGrp="1"/>
+          </p:cNvSpPr>
+          <p:nvPr>
+            <p:ph type="title"/>
+          </p:nvPr>
+        </p:nvSpPr>
+        <p:spPr>
+          <a:xfrm>
+            <a:off x="1484311" y="166256"/>
+            <a:ext cx="10018713" cy="2272144"/>
+          </a:xfrm>
+        </p:spPr>
+        <p:txBody>
+          <a:bodyPr/>
+          <a:lstStyle/>
+          <a:p>
+            <a:r>
+              <a:rPr lang="bg-BG" dirty="0" smtClean="0"/>
+              <a:t>Рекурсия</a:t>
+            </a:r>
+            <a:endParaRPr lang="en-US" dirty="0"/>
+          </a:p>
+        </p:txBody>
+      </p:sp>
+      <p:pic>
+        <p:nvPicPr>
+          <p:cNvPr id="7" name="Picture 6"/>
+          <p:cNvPicPr>
+            <a:picLocks noChangeAspect="1"/>
+          </p:cNvPicPr>
+          <p:nvPr/>
+        </p:nvPicPr>
+        <p:blipFill>
+          <a:blip r:embed="rId2">
+            <a:extLst>
+              <a:ext uri="{28A0092B-C50C-407E-A947-70E740481C1C}">
+                <a14:useLocalDpi xmlns:a14="http://schemas.microsoft.com/office/drawing/2010/main" val="0"/>
+              </a:ext>
+            </a:extLst>
+          </a:blip>
+          <a:stretch>
+            <a:fillRect/>
+          </a:stretch>
+        </p:blipFill>
+        <p:spPr>
+          <a:xfrm>
+            <a:off x="4112417" y="1943677"/>
+            <a:ext cx="4762500" cy="4762500"/>
+          </a:xfrm>
+          <a:prstGeom prst="rect">
+            <a:avLst/>
+          </a:prstGeom>
+        </p:spPr>
+      </p:pic>
+    </p:spTree>
+    <p:extLst>
+      <p:ext uri="{BB962C8B-B14F-4D97-AF65-F5344CB8AC3E}">
+        <p14:creationId xmlns:p14="http://schemas.microsoft.com/office/powerpoint/2010/main" val="129456427"/>
+      </p:ext>
+    </p:extLst>
+  </p:cSld>
+  <p:clrMapOvr>
+    <a:masterClrMapping/>
+  </p:clrMapOvr>
+  <p:timing>
+    <p:tnLst>
+      <p:par>
+        <p:cTn id="1" dur="indefinite" restart="never" nodeType="tmRoot"/>
+      </p:par>
+    </p:tnLst>
+  </p:timing>
+</p:sld>
+</file>
+
+<file path=ppt/slides/slide23.xml><?xml version="1.0" encoding="utf-8"?>
+<p:sld xmlns:a="http://schemas.openxmlformats.org/drawingml/2006/main" xmlns:r="http://schemas.openxmlformats.org/officeDocument/2006/relationships" xmlns:p="http://schemas.openxmlformats.org/presentationml/2006/main">
+  <p:cSld>
+    <p:spTree>
+      <p:nvGrpSpPr>
+        <p:cNvPr id="1" name=""/>
+        <p:cNvGrpSpPr/>
+        <p:nvPr/>
+      </p:nvGrpSpPr>
+      <p:grpSpPr>
+        <a:xfrm>
+          <a:off x="0" y="0"/>
+          <a:ext cx="0" cy="0"/>
+          <a:chOff x="0" y="0"/>
+          <a:chExt cx="0" cy="0"/>
+        </a:xfrm>
+      </p:grpSpPr>
       <p:pic>
         <p:nvPicPr>
           <p:cNvPr id="4" name="Content Placeholder 3"/>
@@ -12088,7 +12613,7 @@
 </p:sld>
 </file>
 
-<file path=ppt/slides/slide22.xml><?xml version="1.0" encoding="utf-8"?>
+<file path=ppt/slides/slide24.xml><?xml version="1.0" encoding="utf-8"?>
 <p:sld xmlns:a="http://schemas.openxmlformats.org/drawingml/2006/main" xmlns:r="http://schemas.openxmlformats.org/officeDocument/2006/relationships" xmlns:p="http://schemas.openxmlformats.org/presentationml/2006/main">
   <p:cSld>
     <p:spTree>
